--- a/企画書3.pptx
+++ b/企画書3.pptx
@@ -295,7 +295,7 @@
             <a:fld id="{E90ED720-0104-4369-84BC-D37694168613}" type="datetimeFigureOut">
               <a:rPr kumimoji="1" lang="ja-JP" altLang="en-US" smtClean="0"/>
               <a:pPr/>
-              <a:t>2022/9/8</a:t>
+              <a:t>2022/9/9</a:t>
             </a:fld>
             <a:endParaRPr kumimoji="1" lang="ja-JP" altLang="en-US"/>
           </a:p>
@@ -494,7 +494,7 @@
             <a:fld id="{E90ED720-0104-4369-84BC-D37694168613}" type="datetimeFigureOut">
               <a:rPr kumimoji="1" lang="ja-JP" altLang="en-US" smtClean="0"/>
               <a:pPr/>
-              <a:t>2022/9/8</a:t>
+              <a:t>2022/9/9</a:t>
             </a:fld>
             <a:endParaRPr kumimoji="1" lang="ja-JP" altLang="en-US"/>
           </a:p>
@@ -703,7 +703,7 @@
             <a:fld id="{E90ED720-0104-4369-84BC-D37694168613}" type="datetimeFigureOut">
               <a:rPr kumimoji="1" lang="ja-JP" altLang="en-US" smtClean="0"/>
               <a:pPr/>
-              <a:t>2022/9/8</a:t>
+              <a:t>2022/9/9</a:t>
             </a:fld>
             <a:endParaRPr kumimoji="1" lang="ja-JP" altLang="en-US"/>
           </a:p>
@@ -902,7 +902,7 @@
             <a:fld id="{E90ED720-0104-4369-84BC-D37694168613}" type="datetimeFigureOut">
               <a:rPr kumimoji="1" lang="ja-JP" altLang="en-US" smtClean="0"/>
               <a:pPr/>
-              <a:t>2022/9/8</a:t>
+              <a:t>2022/9/9</a:t>
             </a:fld>
             <a:endParaRPr kumimoji="1" lang="ja-JP" altLang="en-US"/>
           </a:p>
@@ -1145,7 +1145,7 @@
             <a:fld id="{E90ED720-0104-4369-84BC-D37694168613}" type="datetimeFigureOut">
               <a:rPr kumimoji="1" lang="ja-JP" altLang="en-US" smtClean="0"/>
               <a:pPr/>
-              <a:t>2022/9/8</a:t>
+              <a:t>2022/9/9</a:t>
             </a:fld>
             <a:endParaRPr kumimoji="1" lang="ja-JP" altLang="en-US"/>
           </a:p>
@@ -1494,7 +1494,7 @@
             <a:fld id="{E90ED720-0104-4369-84BC-D37694168613}" type="datetimeFigureOut">
               <a:rPr kumimoji="1" lang="ja-JP" altLang="en-US" smtClean="0"/>
               <a:pPr/>
-              <a:t>2022/9/8</a:t>
+              <a:t>2022/9/9</a:t>
             </a:fld>
             <a:endParaRPr kumimoji="1" lang="ja-JP" altLang="en-US"/>
           </a:p>
@@ -1977,7 +1977,7 @@
             <a:fld id="{E90ED720-0104-4369-84BC-D37694168613}" type="datetimeFigureOut">
               <a:rPr kumimoji="1" lang="ja-JP" altLang="en-US" smtClean="0"/>
               <a:pPr/>
-              <a:t>2022/9/8</a:t>
+              <a:t>2022/9/9</a:t>
             </a:fld>
             <a:endParaRPr kumimoji="1" lang="ja-JP" altLang="en-US"/>
           </a:p>
@@ -2092,7 +2092,7 @@
             <a:fld id="{E90ED720-0104-4369-84BC-D37694168613}" type="datetimeFigureOut">
               <a:rPr kumimoji="1" lang="ja-JP" altLang="en-US" smtClean="0"/>
               <a:pPr/>
-              <a:t>2022/9/8</a:t>
+              <a:t>2022/9/9</a:t>
             </a:fld>
             <a:endParaRPr kumimoji="1" lang="ja-JP" altLang="en-US"/>
           </a:p>
@@ -2184,7 +2184,7 @@
             <a:fld id="{E90ED720-0104-4369-84BC-D37694168613}" type="datetimeFigureOut">
               <a:rPr kumimoji="1" lang="ja-JP" altLang="en-US" smtClean="0"/>
               <a:pPr/>
-              <a:t>2022/9/8</a:t>
+              <a:t>2022/9/9</a:t>
             </a:fld>
             <a:endParaRPr kumimoji="1" lang="ja-JP" altLang="en-US"/>
           </a:p>
@@ -2490,7 +2490,7 @@
             <a:fld id="{E90ED720-0104-4369-84BC-D37694168613}" type="datetimeFigureOut">
               <a:rPr kumimoji="1" lang="ja-JP" altLang="en-US" smtClean="0"/>
               <a:pPr/>
-              <a:t>2022/9/8</a:t>
+              <a:t>2022/9/9</a:t>
             </a:fld>
             <a:endParaRPr kumimoji="1" lang="ja-JP" altLang="en-US"/>
           </a:p>
@@ -2740,7 +2740,7 @@
             <a:fld id="{E90ED720-0104-4369-84BC-D37694168613}" type="datetimeFigureOut">
               <a:rPr kumimoji="1" lang="ja-JP" altLang="en-US" smtClean="0"/>
               <a:pPr/>
-              <a:t>2022/9/8</a:t>
+              <a:t>2022/9/9</a:t>
             </a:fld>
             <a:endParaRPr kumimoji="1" lang="ja-JP" altLang="en-US"/>
           </a:p>
@@ -2982,7 +2982,7 @@
             <a:fld id="{E90ED720-0104-4369-84BC-D37694168613}" type="datetimeFigureOut">
               <a:rPr kumimoji="1" lang="ja-JP" altLang="en-US" smtClean="0"/>
               <a:pPr/>
-              <a:t>2022/9/8</a:t>
+              <a:t>2022/9/9</a:t>
             </a:fld>
             <a:endParaRPr kumimoji="1" lang="ja-JP" altLang="en-US"/>
           </a:p>
@@ -3432,7 +3432,7 @@
         <p:spPr>
           <a:xfrm>
             <a:off x="1371600" y="3886200"/>
-            <a:ext cx="6400800" cy="2328882"/>
+            <a:ext cx="6400800" cy="2971800"/>
           </a:xfrm>
         </p:spPr>
         <p:txBody>
@@ -3474,7 +3474,7 @@
                   </a:schemeClr>
                 </a:solidFill>
               </a:rPr>
-              <a:t>企画種類</a:t>
+              <a:t>企画種類：</a:t>
             </a:r>
             <a:r>
               <a:rPr kumimoji="1" lang="ja-JP" altLang="en-US" dirty="0" smtClean="0">
@@ -3485,7 +3485,39 @@
                   </a:schemeClr>
                 </a:solidFill>
               </a:rPr>
-              <a:t>：オリジナル</a:t>
+              <a:t>オリジナル</a:t>
+            </a:r>
+            <a:endParaRPr kumimoji="1" lang="en-US" altLang="ja-JP" dirty="0" smtClean="0">
+              <a:solidFill>
+                <a:schemeClr val="tx1">
+                  <a:lumMod val="75000"/>
+                  <a:lumOff val="25000"/>
+                </a:schemeClr>
+              </a:solidFill>
+            </a:endParaRPr>
+          </a:p>
+          <a:p>
+            <a:r>
+              <a:rPr kumimoji="1" lang="ja-JP" altLang="en-US" dirty="0" smtClean="0">
+                <a:solidFill>
+                  <a:schemeClr val="tx1">
+                    <a:lumMod val="75000"/>
+                    <a:lumOff val="25000"/>
+                  </a:schemeClr>
+                </a:solidFill>
+              </a:rPr>
+              <a:t>ジャンル：ゲームブック風</a:t>
+            </a:r>
+            <a:r>
+              <a:rPr kumimoji="1" lang="en-US" altLang="ja-JP" dirty="0" smtClean="0">
+                <a:solidFill>
+                  <a:schemeClr val="tx1">
+                    <a:lumMod val="75000"/>
+                    <a:lumOff val="25000"/>
+                  </a:schemeClr>
+                </a:solidFill>
+              </a:rPr>
+              <a:t>ADV</a:t>
             </a:r>
             <a:endParaRPr kumimoji="1" lang="en-US" altLang="ja-JP" dirty="0" smtClean="0">
               <a:solidFill>
@@ -3527,18 +3559,7 @@
                   </a:schemeClr>
                 </a:solidFill>
               </a:rPr>
-              <a:t>企画</a:t>
-            </a:r>
-            <a:r>
-              <a:rPr kumimoji="1" lang="ja-JP" altLang="en-US" dirty="0" smtClean="0">
-                <a:solidFill>
-                  <a:schemeClr val="tx1">
-                    <a:lumMod val="75000"/>
-                    <a:lumOff val="25000"/>
-                  </a:schemeClr>
-                </a:solidFill>
-              </a:rPr>
-              <a:t>：大嶋優</a:t>
+              <a:t>企画：大嶋優</a:t>
             </a:r>
             <a:endParaRPr kumimoji="1" lang="ja-JP" altLang="en-US" dirty="0">
               <a:solidFill>

--- a/企画書3.pptx
+++ b/企画書3.pptx
@@ -6,12 +6,11 @@
   </p:sldMasterIdLst>
   <p:sldIdLst>
     <p:sldId id="256" r:id="rId2"/>
-    <p:sldId id="257" r:id="rId3"/>
+    <p:sldId id="266" r:id="rId3"/>
     <p:sldId id="258" r:id="rId4"/>
-    <p:sldId id="259" r:id="rId5"/>
-    <p:sldId id="261" r:id="rId6"/>
-    <p:sldId id="262" r:id="rId7"/>
-    <p:sldId id="264" r:id="rId8"/>
+    <p:sldId id="268" r:id="rId5"/>
+    <p:sldId id="264" r:id="rId6"/>
+    <p:sldId id="267" r:id="rId7"/>
   </p:sldIdLst>
   <p:sldSz cx="9144000" cy="6858000" type="screen4x3"/>
   <p:notesSz cx="6858000" cy="9144000"/>
@@ -295,7 +294,7 @@
             <a:fld id="{E90ED720-0104-4369-84BC-D37694168613}" type="datetimeFigureOut">
               <a:rPr kumimoji="1" lang="ja-JP" altLang="en-US" smtClean="0"/>
               <a:pPr/>
-              <a:t>2022/9/9</a:t>
+              <a:t>2022/9/13</a:t>
             </a:fld>
             <a:endParaRPr kumimoji="1" lang="ja-JP" altLang="en-US"/>
           </a:p>
@@ -494,7 +493,7 @@
             <a:fld id="{E90ED720-0104-4369-84BC-D37694168613}" type="datetimeFigureOut">
               <a:rPr kumimoji="1" lang="ja-JP" altLang="en-US" smtClean="0"/>
               <a:pPr/>
-              <a:t>2022/9/9</a:t>
+              <a:t>2022/9/13</a:t>
             </a:fld>
             <a:endParaRPr kumimoji="1" lang="ja-JP" altLang="en-US"/>
           </a:p>
@@ -703,7 +702,7 @@
             <a:fld id="{E90ED720-0104-4369-84BC-D37694168613}" type="datetimeFigureOut">
               <a:rPr kumimoji="1" lang="ja-JP" altLang="en-US" smtClean="0"/>
               <a:pPr/>
-              <a:t>2022/9/9</a:t>
+              <a:t>2022/9/13</a:t>
             </a:fld>
             <a:endParaRPr kumimoji="1" lang="ja-JP" altLang="en-US"/>
           </a:p>
@@ -902,7 +901,7 @@
             <a:fld id="{E90ED720-0104-4369-84BC-D37694168613}" type="datetimeFigureOut">
               <a:rPr kumimoji="1" lang="ja-JP" altLang="en-US" smtClean="0"/>
               <a:pPr/>
-              <a:t>2022/9/9</a:t>
+              <a:t>2022/9/13</a:t>
             </a:fld>
             <a:endParaRPr kumimoji="1" lang="ja-JP" altLang="en-US"/>
           </a:p>
@@ -1145,7 +1144,7 @@
             <a:fld id="{E90ED720-0104-4369-84BC-D37694168613}" type="datetimeFigureOut">
               <a:rPr kumimoji="1" lang="ja-JP" altLang="en-US" smtClean="0"/>
               <a:pPr/>
-              <a:t>2022/9/9</a:t>
+              <a:t>2022/9/13</a:t>
             </a:fld>
             <a:endParaRPr kumimoji="1" lang="ja-JP" altLang="en-US"/>
           </a:p>
@@ -1494,7 +1493,7 @@
             <a:fld id="{E90ED720-0104-4369-84BC-D37694168613}" type="datetimeFigureOut">
               <a:rPr kumimoji="1" lang="ja-JP" altLang="en-US" smtClean="0"/>
               <a:pPr/>
-              <a:t>2022/9/9</a:t>
+              <a:t>2022/9/13</a:t>
             </a:fld>
             <a:endParaRPr kumimoji="1" lang="ja-JP" altLang="en-US"/>
           </a:p>
@@ -1977,7 +1976,7 @@
             <a:fld id="{E90ED720-0104-4369-84BC-D37694168613}" type="datetimeFigureOut">
               <a:rPr kumimoji="1" lang="ja-JP" altLang="en-US" smtClean="0"/>
               <a:pPr/>
-              <a:t>2022/9/9</a:t>
+              <a:t>2022/9/13</a:t>
             </a:fld>
             <a:endParaRPr kumimoji="1" lang="ja-JP" altLang="en-US"/>
           </a:p>
@@ -2092,7 +2091,7 @@
             <a:fld id="{E90ED720-0104-4369-84BC-D37694168613}" type="datetimeFigureOut">
               <a:rPr kumimoji="1" lang="ja-JP" altLang="en-US" smtClean="0"/>
               <a:pPr/>
-              <a:t>2022/9/9</a:t>
+              <a:t>2022/9/13</a:t>
             </a:fld>
             <a:endParaRPr kumimoji="1" lang="ja-JP" altLang="en-US"/>
           </a:p>
@@ -2184,7 +2183,7 @@
             <a:fld id="{E90ED720-0104-4369-84BC-D37694168613}" type="datetimeFigureOut">
               <a:rPr kumimoji="1" lang="ja-JP" altLang="en-US" smtClean="0"/>
               <a:pPr/>
-              <a:t>2022/9/9</a:t>
+              <a:t>2022/9/13</a:t>
             </a:fld>
             <a:endParaRPr kumimoji="1" lang="ja-JP" altLang="en-US"/>
           </a:p>
@@ -2490,7 +2489,7 @@
             <a:fld id="{E90ED720-0104-4369-84BC-D37694168613}" type="datetimeFigureOut">
               <a:rPr kumimoji="1" lang="ja-JP" altLang="en-US" smtClean="0"/>
               <a:pPr/>
-              <a:t>2022/9/9</a:t>
+              <a:t>2022/9/13</a:t>
             </a:fld>
             <a:endParaRPr kumimoji="1" lang="ja-JP" altLang="en-US"/>
           </a:p>
@@ -2740,7 +2739,7 @@
             <a:fld id="{E90ED720-0104-4369-84BC-D37694168613}" type="datetimeFigureOut">
               <a:rPr kumimoji="1" lang="ja-JP" altLang="en-US" smtClean="0"/>
               <a:pPr/>
-              <a:t>2022/9/9</a:t>
+              <a:t>2022/9/13</a:t>
             </a:fld>
             <a:endParaRPr kumimoji="1" lang="ja-JP" altLang="en-US"/>
           </a:p>
@@ -2982,7 +2981,7 @@
             <a:fld id="{E90ED720-0104-4369-84BC-D37694168613}" type="datetimeFigureOut">
               <a:rPr kumimoji="1" lang="ja-JP" altLang="en-US" smtClean="0"/>
               <a:pPr/>
-              <a:t>2022/9/9</a:t>
+              <a:t>2022/9/13</a:t>
             </a:fld>
             <a:endParaRPr kumimoji="1" lang="ja-JP" altLang="en-US"/>
           </a:p>
@@ -3373,7 +3372,7 @@
             <a:r>
               <a:rPr kumimoji="1" lang="ja-JP" altLang="en-US" sz="6000" dirty="0" smtClean="0">
                 <a:solidFill>
-                  <a:srgbClr val="00B050"/>
+                  <a:srgbClr val="00B0F0"/>
                 </a:solidFill>
                 <a:latin typeface="DejaVu Sans" pitchFamily="34" charset="0"/>
                 <a:cs typeface="DejaVu Sans" pitchFamily="34" charset="0"/>
@@ -3383,7 +3382,7 @@
             <a:r>
               <a:rPr kumimoji="1" lang="en-US" altLang="ja-JP" sz="6000" dirty="0" smtClean="0">
                 <a:solidFill>
-                  <a:srgbClr val="00B050"/>
+                  <a:srgbClr val="00B0F0"/>
                 </a:solidFill>
                 <a:latin typeface="DejaVu Sans" pitchFamily="34" charset="0"/>
                 <a:cs typeface="DejaVu Sans" pitchFamily="34" charset="0"/>
@@ -3393,7 +3392,7 @@
             <a:br>
               <a:rPr kumimoji="1" lang="en-US" altLang="ja-JP" sz="6000" dirty="0" smtClean="0">
                 <a:solidFill>
-                  <a:srgbClr val="00B050"/>
+                  <a:srgbClr val="00B0F0"/>
                 </a:solidFill>
                 <a:latin typeface="DejaVu Sans" pitchFamily="34" charset="0"/>
                 <a:cs typeface="DejaVu Sans" pitchFamily="34" charset="0"/>
@@ -3402,7 +3401,7 @@
             <a:r>
               <a:rPr kumimoji="1" lang="ja-JP" altLang="en-US" sz="6000" dirty="0" smtClean="0">
                 <a:solidFill>
-                  <a:srgbClr val="00B050"/>
+                  <a:srgbClr val="00B0F0"/>
                 </a:solidFill>
                 <a:latin typeface="DejaVu Sans" pitchFamily="34" charset="0"/>
                 <a:cs typeface="DejaVu Sans" pitchFamily="34" charset="0"/>
@@ -3411,7 +3410,7 @@
             </a:r>
             <a:endParaRPr kumimoji="1" lang="ja-JP" altLang="en-US" sz="6000" dirty="0">
               <a:solidFill>
-                <a:srgbClr val="00B050"/>
+                <a:srgbClr val="00B0F0"/>
               </a:solidFill>
               <a:latin typeface="DejaVu Sans" pitchFamily="34" charset="0"/>
               <a:cs typeface="DejaVu Sans" pitchFamily="34" charset="0"/>
@@ -3474,18 +3473,7 @@
                   </a:schemeClr>
                 </a:solidFill>
               </a:rPr>
-              <a:t>企画種類：</a:t>
-            </a:r>
-            <a:r>
-              <a:rPr kumimoji="1" lang="ja-JP" altLang="en-US" dirty="0" smtClean="0">
-                <a:solidFill>
-                  <a:schemeClr val="tx1">
-                    <a:lumMod val="75000"/>
-                    <a:lumOff val="25000"/>
-                  </a:schemeClr>
-                </a:solidFill>
-              </a:rPr>
-              <a:t>オリジナル</a:t>
+              <a:t>企画種類：オリジナル</a:t>
             </a:r>
             <a:endParaRPr kumimoji="1" lang="en-US" altLang="ja-JP" dirty="0" smtClean="0">
               <a:solidFill>
@@ -3519,14 +3507,6 @@
               </a:rPr>
               <a:t>ADV</a:t>
             </a:r>
-            <a:endParaRPr kumimoji="1" lang="en-US" altLang="ja-JP" dirty="0" smtClean="0">
-              <a:solidFill>
-                <a:schemeClr val="tx1">
-                  <a:lumMod val="75000"/>
-                  <a:lumOff val="25000"/>
-                </a:schemeClr>
-              </a:solidFill>
-            </a:endParaRPr>
           </a:p>
           <a:p>
             <a:r>
@@ -3655,1095 +3635,20 @@
               <a:buNone/>
             </a:pPr>
             <a:r>
-              <a:rPr kumimoji="1" lang="ja-JP" altLang="en-US" sz="2400" dirty="0" smtClean="0"/>
-              <a:t>１年～２年の間に作った作品をゲームエンジンを使って、</a:t>
-            </a:r>
-            <a:endParaRPr kumimoji="1" lang="en-US" altLang="ja-JP" sz="2400" dirty="0" smtClean="0"/>
-          </a:p>
-          <a:p>
-            <a:pPr>
-              <a:buNone/>
-            </a:pPr>
-            <a:r>
-              <a:rPr kumimoji="1" lang="ja-JP" altLang="en-US" sz="2400" dirty="0" smtClean="0"/>
-              <a:t>１つのゲームとして再構築する</a:t>
-            </a:r>
-            <a:endParaRPr kumimoji="1" lang="en-US" altLang="ja-JP" sz="2400" dirty="0" smtClean="0"/>
-          </a:p>
-          <a:p>
-            <a:pPr>
-              <a:buNone/>
-            </a:pPr>
-            <a:endParaRPr kumimoji="1" lang="en-US" altLang="ja-JP" sz="2400" dirty="0" smtClean="0"/>
-          </a:p>
-        </p:txBody>
-      </p:sp>
-      <p:grpSp>
-        <p:nvGrpSpPr>
-          <p:cNvPr id="12" name="グループ化 11"/>
-          <p:cNvGrpSpPr/>
-          <p:nvPr/>
-        </p:nvGrpSpPr>
-        <p:grpSpPr>
-          <a:xfrm>
-            <a:off x="357158" y="3407726"/>
-            <a:ext cx="8469196" cy="3400436"/>
-            <a:chOff x="357158" y="3071810"/>
-            <a:chExt cx="8469196" cy="3400436"/>
-          </a:xfrm>
-        </p:grpSpPr>
-        <p:sp>
-          <p:nvSpPr>
-            <p:cNvPr id="4" name="正方形/長方形 3"/>
-            <p:cNvSpPr/>
-            <p:nvPr/>
-          </p:nvSpPr>
-          <p:spPr>
-            <a:xfrm>
-              <a:off x="357158" y="3071810"/>
-              <a:ext cx="2151304" cy="2214578"/>
-            </a:xfrm>
-            <a:prstGeom prst="rect">
-              <a:avLst/>
-            </a:prstGeom>
-          </p:spPr>
-          <p:style>
-            <a:lnRef idx="2">
-              <a:schemeClr val="accent1">
-                <a:shade val="50000"/>
-              </a:schemeClr>
-            </a:lnRef>
-            <a:fillRef idx="1">
-              <a:schemeClr val="accent1"/>
-            </a:fillRef>
-            <a:effectRef idx="0">
-              <a:schemeClr val="accent1"/>
-            </a:effectRef>
-            <a:fontRef idx="minor">
-              <a:schemeClr val="lt1"/>
-            </a:fontRef>
-          </p:style>
-          <p:txBody>
-            <a:bodyPr rtlCol="0" anchor="ctr"/>
-            <a:lstStyle/>
-            <a:p>
-              <a:pPr algn="ctr"/>
-              <a:endParaRPr kumimoji="1" lang="ja-JP" altLang="en-US"/>
-            </a:p>
-          </p:txBody>
-        </p:sp>
-        <p:pic>
-          <p:nvPicPr>
-            <p:cNvPr id="5" name="図 4" descr="starwars-jedi-fallen-order-2-33.jpg"/>
-            <p:cNvPicPr>
-              <a:picLocks noChangeAspect="1"/>
-            </p:cNvPicPr>
-            <p:nvPr/>
-          </p:nvPicPr>
-          <p:blipFill>
-            <a:blip r:embed="rId2"/>
-            <a:srcRect l="17578" r="26983"/>
-            <a:stretch>
-              <a:fillRect/>
-            </a:stretch>
-          </p:blipFill>
-          <p:spPr>
-            <a:xfrm>
-              <a:off x="6643702" y="3071810"/>
-              <a:ext cx="2182652" cy="2214578"/>
-            </a:xfrm>
-            <a:prstGeom prst="rect">
-              <a:avLst/>
-            </a:prstGeom>
-          </p:spPr>
-        </p:pic>
-        <p:sp>
-          <p:nvSpPr>
-            <p:cNvPr id="6" name="正方形/長方形 5"/>
-            <p:cNvSpPr/>
-            <p:nvPr/>
-          </p:nvSpPr>
-          <p:spPr>
-            <a:xfrm>
-              <a:off x="3603762" y="3071810"/>
-              <a:ext cx="2151304" cy="2214578"/>
-            </a:xfrm>
-            <a:prstGeom prst="rect">
-              <a:avLst/>
-            </a:prstGeom>
-          </p:spPr>
-          <p:style>
-            <a:lnRef idx="2">
-              <a:schemeClr val="accent1">
-                <a:shade val="50000"/>
-              </a:schemeClr>
-            </a:lnRef>
-            <a:fillRef idx="1">
-              <a:schemeClr val="accent1"/>
-            </a:fillRef>
-            <a:effectRef idx="0">
-              <a:schemeClr val="accent1"/>
-            </a:effectRef>
-            <a:fontRef idx="minor">
-              <a:schemeClr val="lt1"/>
-            </a:fontRef>
-          </p:style>
-          <p:txBody>
-            <a:bodyPr rtlCol="0" anchor="ctr"/>
-            <a:lstStyle/>
-            <a:p>
-              <a:pPr algn="ctr"/>
-              <a:endParaRPr kumimoji="1" lang="ja-JP" altLang="en-US"/>
-            </a:p>
-          </p:txBody>
-        </p:sp>
-        <p:sp>
-          <p:nvSpPr>
-            <p:cNvPr id="7" name="右矢印 6"/>
-            <p:cNvSpPr/>
-            <p:nvPr/>
-          </p:nvSpPr>
-          <p:spPr>
-            <a:xfrm>
-              <a:off x="2842036" y="3786190"/>
-              <a:ext cx="428628" cy="785818"/>
-            </a:xfrm>
-            <a:prstGeom prst="rightArrow">
-              <a:avLst/>
-            </a:prstGeom>
-          </p:spPr>
-          <p:style>
-            <a:lnRef idx="2">
-              <a:schemeClr val="accent1">
-                <a:shade val="50000"/>
-              </a:schemeClr>
-            </a:lnRef>
-            <a:fillRef idx="1">
-              <a:schemeClr val="accent1"/>
-            </a:fillRef>
-            <a:effectRef idx="0">
-              <a:schemeClr val="accent1"/>
-            </a:effectRef>
-            <a:fontRef idx="minor">
-              <a:schemeClr val="lt1"/>
-            </a:fontRef>
-          </p:style>
-          <p:txBody>
-            <a:bodyPr rtlCol="0" anchor="ctr"/>
-            <a:lstStyle/>
-            <a:p>
-              <a:pPr algn="ctr"/>
-              <a:endParaRPr kumimoji="1" lang="ja-JP" altLang="en-US"/>
-            </a:p>
-          </p:txBody>
-        </p:sp>
-        <p:sp>
-          <p:nvSpPr>
-            <p:cNvPr id="8" name="右矢印 7"/>
-            <p:cNvSpPr/>
-            <p:nvPr/>
-          </p:nvSpPr>
-          <p:spPr>
-            <a:xfrm>
-              <a:off x="5988219" y="3786190"/>
-              <a:ext cx="428628" cy="785818"/>
-            </a:xfrm>
-            <a:prstGeom prst="rightArrow">
-              <a:avLst/>
-            </a:prstGeom>
-          </p:spPr>
-          <p:style>
-            <a:lnRef idx="2">
-              <a:schemeClr val="accent1">
-                <a:shade val="50000"/>
-              </a:schemeClr>
-            </a:lnRef>
-            <a:fillRef idx="1">
-              <a:schemeClr val="accent1"/>
-            </a:fillRef>
-            <a:effectRef idx="0">
-              <a:schemeClr val="accent1"/>
-            </a:effectRef>
-            <a:fontRef idx="minor">
-              <a:schemeClr val="lt1"/>
-            </a:fontRef>
-          </p:style>
-          <p:txBody>
-            <a:bodyPr rtlCol="0" anchor="ctr"/>
-            <a:lstStyle/>
-            <a:p>
-              <a:pPr algn="ctr"/>
-              <a:endParaRPr kumimoji="1" lang="ja-JP" altLang="en-US"/>
-            </a:p>
-          </p:txBody>
-        </p:sp>
-        <p:sp>
-          <p:nvSpPr>
-            <p:cNvPr id="9" name="コンテンツ プレースホルダ 2"/>
-            <p:cNvSpPr txBox="1">
-              <a:spLocks/>
-            </p:cNvSpPr>
-            <p:nvPr/>
-          </p:nvSpPr>
-          <p:spPr>
-            <a:xfrm>
-              <a:off x="428596" y="5500702"/>
-              <a:ext cx="2043098" cy="971544"/>
-            </a:xfrm>
-            <a:prstGeom prst="rect">
-              <a:avLst/>
-            </a:prstGeom>
-          </p:spPr>
-          <p:txBody>
-            <a:bodyPr vert="horz" lIns="91440" tIns="45720" rIns="91440" bIns="45720" rtlCol="0">
-              <a:noAutofit/>
-            </a:bodyPr>
-            <a:lstStyle/>
-            <a:p>
-              <a:pPr marL="342900" marR="0" lvl="0" indent="-342900" algn="ctr" defTabSz="914400" rtl="0" eaLnBrk="1" fontAlgn="auto" latinLnBrk="0" hangingPunct="1">
-                <a:lnSpc>
-                  <a:spcPct val="100000"/>
-                </a:lnSpc>
-                <a:spcBef>
-                  <a:spcPct val="20000"/>
-                </a:spcBef>
-                <a:spcAft>
-                  <a:spcPts val="0"/>
-                </a:spcAft>
-                <a:buClrTx/>
-                <a:buSzTx/>
-                <a:buFont typeface="Arial" pitchFamily="34" charset="0"/>
-                <a:buNone/>
-                <a:tabLst/>
-                <a:defRPr/>
-              </a:pPr>
-              <a:r>
-                <a:rPr kumimoji="1" lang="en-US" altLang="ja-JP" sz="1600" b="0" i="0" u="none" strike="noStrike" kern="1200" cap="none" spc="0" normalizeH="0" baseline="0" noProof="0" dirty="0" smtClean="0">
-                  <a:ln>
-                    <a:noFill/>
-                  </a:ln>
-                  <a:solidFill>
-                    <a:schemeClr val="tx1"/>
-                  </a:solidFill>
-                  <a:effectLst/>
-                  <a:uLnTx/>
-                  <a:uFillTx/>
-                  <a:latin typeface="+mn-lt"/>
-                  <a:ea typeface="+mn-ea"/>
-                  <a:cs typeface="+mn-cs"/>
-                </a:rPr>
-                <a:t>21/09</a:t>
-              </a:r>
-            </a:p>
-            <a:p>
-              <a:pPr marL="342900" marR="0" lvl="0" indent="-342900" algn="ctr" defTabSz="914400" rtl="0" eaLnBrk="1" fontAlgn="auto" latinLnBrk="0" hangingPunct="1">
-                <a:lnSpc>
-                  <a:spcPct val="100000"/>
-                </a:lnSpc>
-                <a:spcBef>
-                  <a:spcPct val="20000"/>
-                </a:spcBef>
-                <a:spcAft>
-                  <a:spcPts val="0"/>
-                </a:spcAft>
-                <a:buClrTx/>
-                <a:buSzTx/>
-                <a:buFont typeface="Arial" pitchFamily="34" charset="0"/>
-                <a:buNone/>
-                <a:tabLst/>
-                <a:defRPr/>
-              </a:pPr>
-              <a:r>
-                <a:rPr kumimoji="1" lang="en-US" altLang="ja-JP" sz="1600" b="0" i="0" u="none" strike="noStrike" kern="1200" cap="none" spc="0" normalizeH="0" baseline="0" noProof="0" dirty="0" smtClean="0">
-                  <a:ln>
-                    <a:noFill/>
-                  </a:ln>
-                  <a:solidFill>
-                    <a:schemeClr val="tx1"/>
-                  </a:solidFill>
-                  <a:effectLst/>
-                  <a:uLnTx/>
-                  <a:uFillTx/>
-                  <a:latin typeface="+mn-lt"/>
-                  <a:ea typeface="+mn-ea"/>
-                  <a:cs typeface="+mn-cs"/>
-                </a:rPr>
-                <a:t>2D</a:t>
-              </a:r>
-              <a:r>
-                <a:rPr kumimoji="1" lang="ja-JP" altLang="en-US" sz="1600" b="0" i="0" u="none" strike="noStrike" kern="1200" cap="none" spc="0" normalizeH="0" baseline="0" noProof="0" dirty="0" smtClean="0">
-                  <a:ln>
-                    <a:noFill/>
-                  </a:ln>
-                  <a:solidFill>
-                    <a:schemeClr val="tx1"/>
-                  </a:solidFill>
-                  <a:effectLst/>
-                  <a:uLnTx/>
-                  <a:uFillTx/>
-                  <a:latin typeface="+mn-lt"/>
-                  <a:ea typeface="+mn-ea"/>
-                  <a:cs typeface="+mn-cs"/>
-                </a:rPr>
-                <a:t>横スクロール</a:t>
-              </a:r>
-              <a:endParaRPr kumimoji="1" lang="en-US" altLang="ja-JP" sz="1600" b="0" i="0" u="none" strike="noStrike" kern="1200" cap="none" spc="0" normalizeH="0" baseline="0" noProof="0" dirty="0" smtClean="0">
-                <a:ln>
-                  <a:noFill/>
-                </a:ln>
-                <a:solidFill>
-                  <a:schemeClr val="tx1"/>
-                </a:solidFill>
-                <a:effectLst/>
-                <a:uLnTx/>
-                <a:uFillTx/>
-                <a:latin typeface="+mn-lt"/>
-                <a:ea typeface="+mn-ea"/>
-                <a:cs typeface="+mn-cs"/>
-              </a:endParaRPr>
-            </a:p>
-            <a:p>
-              <a:pPr marL="342900" marR="0" lvl="0" indent="-342900" algn="ctr" defTabSz="914400" rtl="0" eaLnBrk="1" fontAlgn="auto" latinLnBrk="0" hangingPunct="1">
-                <a:lnSpc>
-                  <a:spcPct val="100000"/>
-                </a:lnSpc>
-                <a:spcBef>
-                  <a:spcPct val="20000"/>
-                </a:spcBef>
-                <a:spcAft>
-                  <a:spcPts val="0"/>
-                </a:spcAft>
-                <a:buClrTx/>
-                <a:buSzTx/>
-                <a:buFont typeface="Arial" pitchFamily="34" charset="0"/>
-                <a:buNone/>
-                <a:tabLst/>
-                <a:defRPr/>
-              </a:pPr>
-              <a:r>
-                <a:rPr lang="en-US" altLang="ja-JP" sz="1600" dirty="0" smtClean="0"/>
-                <a:t>DirectX11</a:t>
-              </a:r>
-              <a:endParaRPr kumimoji="1" lang="en-US" altLang="ja-JP" sz="1600" b="0" i="0" u="none" strike="noStrike" kern="1200" cap="none" spc="0" normalizeH="0" baseline="0" noProof="0" dirty="0" smtClean="0">
-                <a:ln>
-                  <a:noFill/>
-                </a:ln>
-                <a:solidFill>
-                  <a:schemeClr val="tx1"/>
-                </a:solidFill>
-                <a:effectLst/>
-                <a:uLnTx/>
-                <a:uFillTx/>
-                <a:latin typeface="+mn-lt"/>
-                <a:ea typeface="+mn-ea"/>
-                <a:cs typeface="+mn-cs"/>
-              </a:endParaRPr>
-            </a:p>
-          </p:txBody>
-        </p:sp>
-        <p:sp>
-          <p:nvSpPr>
-            <p:cNvPr id="10" name="コンテンツ プレースホルダ 2"/>
-            <p:cNvSpPr txBox="1">
-              <a:spLocks/>
-            </p:cNvSpPr>
-            <p:nvPr/>
-          </p:nvSpPr>
-          <p:spPr>
-            <a:xfrm>
-              <a:off x="3643306" y="5500702"/>
-              <a:ext cx="2043098" cy="971544"/>
-            </a:xfrm>
-            <a:prstGeom prst="rect">
-              <a:avLst/>
-            </a:prstGeom>
-          </p:spPr>
-          <p:txBody>
-            <a:bodyPr vert="horz" lIns="91440" tIns="45720" rIns="91440" bIns="45720" rtlCol="0">
-              <a:noAutofit/>
-            </a:bodyPr>
-            <a:lstStyle/>
-            <a:p>
-              <a:pPr marL="342900" marR="0" lvl="0" indent="-342900" algn="ctr" defTabSz="914400" rtl="0" eaLnBrk="1" fontAlgn="auto" latinLnBrk="0" hangingPunct="1">
-                <a:lnSpc>
-                  <a:spcPct val="100000"/>
-                </a:lnSpc>
-                <a:spcBef>
-                  <a:spcPct val="20000"/>
-                </a:spcBef>
-                <a:spcAft>
-                  <a:spcPts val="0"/>
-                </a:spcAft>
-                <a:buClrTx/>
-                <a:buSzTx/>
-                <a:buFont typeface="Arial" pitchFamily="34" charset="0"/>
-                <a:buNone/>
-                <a:tabLst/>
-                <a:defRPr/>
-              </a:pPr>
-              <a:r>
-                <a:rPr kumimoji="1" lang="en-US" altLang="ja-JP" sz="1600" b="0" i="0" u="none" strike="noStrike" kern="1200" cap="none" spc="0" normalizeH="0" baseline="0" noProof="0" dirty="0" smtClean="0">
-                  <a:ln>
-                    <a:noFill/>
-                  </a:ln>
-                  <a:solidFill>
-                    <a:schemeClr val="tx1"/>
-                  </a:solidFill>
-                  <a:effectLst/>
-                  <a:uLnTx/>
-                  <a:uFillTx/>
-                  <a:latin typeface="+mn-lt"/>
-                  <a:ea typeface="+mn-ea"/>
-                  <a:cs typeface="+mn-cs"/>
-                </a:rPr>
-                <a:t>22/03</a:t>
-              </a:r>
-            </a:p>
-            <a:p>
-              <a:pPr marL="342900" marR="0" lvl="0" indent="-342900" algn="ctr" defTabSz="914400" rtl="0" eaLnBrk="1" fontAlgn="auto" latinLnBrk="0" hangingPunct="1">
-                <a:lnSpc>
-                  <a:spcPct val="100000"/>
-                </a:lnSpc>
-                <a:spcBef>
-                  <a:spcPct val="20000"/>
-                </a:spcBef>
-                <a:spcAft>
-                  <a:spcPts val="0"/>
-                </a:spcAft>
-                <a:buClrTx/>
-                <a:buSzTx/>
-                <a:buFont typeface="Arial" pitchFamily="34" charset="0"/>
-                <a:buNone/>
-                <a:tabLst/>
-                <a:defRPr/>
-              </a:pPr>
-              <a:r>
-                <a:rPr kumimoji="1" lang="en-US" altLang="ja-JP" sz="1600" b="0" i="0" u="none" strike="noStrike" kern="1200" cap="none" spc="0" normalizeH="0" baseline="0" noProof="0" dirty="0" smtClean="0">
-                  <a:ln>
-                    <a:noFill/>
-                  </a:ln>
-                  <a:solidFill>
-                    <a:schemeClr val="tx1"/>
-                  </a:solidFill>
-                  <a:effectLst/>
-                  <a:uLnTx/>
-                  <a:uFillTx/>
-                  <a:latin typeface="+mn-lt"/>
-                  <a:ea typeface="+mn-ea"/>
-                  <a:cs typeface="+mn-cs"/>
-                </a:rPr>
-                <a:t>3D</a:t>
-              </a:r>
-              <a:r>
-                <a:rPr kumimoji="1" lang="ja-JP" altLang="en-US" sz="1600" b="0" i="0" u="none" strike="noStrike" kern="1200" cap="none" spc="0" normalizeH="0" baseline="0" noProof="0" dirty="0" smtClean="0">
-                  <a:ln>
-                    <a:noFill/>
-                  </a:ln>
-                  <a:solidFill>
-                    <a:schemeClr val="tx1"/>
-                  </a:solidFill>
-                  <a:effectLst/>
-                  <a:uLnTx/>
-                  <a:uFillTx/>
-                  <a:latin typeface="+mn-lt"/>
-                  <a:ea typeface="+mn-ea"/>
-                  <a:cs typeface="+mn-cs"/>
-                </a:rPr>
-                <a:t>奥スクロール</a:t>
-              </a:r>
-              <a:endParaRPr kumimoji="1" lang="en-US" altLang="ja-JP" sz="1600" b="0" i="0" u="none" strike="noStrike" kern="1200" cap="none" spc="0" normalizeH="0" baseline="0" noProof="0" dirty="0" smtClean="0">
-                <a:ln>
-                  <a:noFill/>
-                </a:ln>
-                <a:solidFill>
-                  <a:schemeClr val="tx1"/>
-                </a:solidFill>
-                <a:effectLst/>
-                <a:uLnTx/>
-                <a:uFillTx/>
-                <a:latin typeface="+mn-lt"/>
-                <a:ea typeface="+mn-ea"/>
-                <a:cs typeface="+mn-cs"/>
-              </a:endParaRPr>
-            </a:p>
-            <a:p>
-              <a:pPr marL="342900" marR="0" lvl="0" indent="-342900" algn="ctr" defTabSz="914400" rtl="0" eaLnBrk="1" fontAlgn="auto" latinLnBrk="0" hangingPunct="1">
-                <a:lnSpc>
-                  <a:spcPct val="100000"/>
-                </a:lnSpc>
-                <a:spcBef>
-                  <a:spcPct val="20000"/>
-                </a:spcBef>
-                <a:spcAft>
-                  <a:spcPts val="0"/>
-                </a:spcAft>
-                <a:buClrTx/>
-                <a:buSzTx/>
-                <a:buFont typeface="Arial" pitchFamily="34" charset="0"/>
-                <a:buNone/>
-                <a:tabLst/>
-                <a:defRPr/>
-              </a:pPr>
-              <a:r>
-                <a:rPr lang="en-US" altLang="ja-JP" sz="1600" dirty="0" smtClean="0"/>
-                <a:t>DirectX11</a:t>
-              </a:r>
-              <a:endParaRPr kumimoji="1" lang="en-US" altLang="ja-JP" sz="1600" b="0" i="0" u="none" strike="noStrike" kern="1200" cap="none" spc="0" normalizeH="0" baseline="0" noProof="0" dirty="0" smtClean="0">
-                <a:ln>
-                  <a:noFill/>
-                </a:ln>
-                <a:solidFill>
-                  <a:schemeClr val="tx1"/>
-                </a:solidFill>
-                <a:effectLst/>
-                <a:uLnTx/>
-                <a:uFillTx/>
-                <a:latin typeface="+mn-lt"/>
-                <a:ea typeface="+mn-ea"/>
-                <a:cs typeface="+mn-cs"/>
-              </a:endParaRPr>
-            </a:p>
-          </p:txBody>
-        </p:sp>
-        <p:sp>
-          <p:nvSpPr>
-            <p:cNvPr id="11" name="コンテンツ プレースホルダ 2"/>
-            <p:cNvSpPr txBox="1">
-              <a:spLocks/>
-            </p:cNvSpPr>
-            <p:nvPr/>
-          </p:nvSpPr>
-          <p:spPr>
-            <a:xfrm>
-              <a:off x="6715140" y="5500702"/>
-              <a:ext cx="2043098" cy="971544"/>
-            </a:xfrm>
-            <a:prstGeom prst="rect">
-              <a:avLst/>
-            </a:prstGeom>
-          </p:spPr>
-          <p:txBody>
-            <a:bodyPr vert="horz" lIns="91440" tIns="45720" rIns="91440" bIns="45720" rtlCol="0">
-              <a:noAutofit/>
-            </a:bodyPr>
-            <a:lstStyle/>
-            <a:p>
-              <a:pPr marL="342900" marR="0" lvl="0" indent="-342900" algn="ctr" defTabSz="914400" rtl="0" eaLnBrk="1" fontAlgn="auto" latinLnBrk="0" hangingPunct="1">
-                <a:lnSpc>
-                  <a:spcPct val="100000"/>
-                </a:lnSpc>
-                <a:spcBef>
-                  <a:spcPct val="20000"/>
-                </a:spcBef>
-                <a:spcAft>
-                  <a:spcPts val="0"/>
-                </a:spcAft>
-                <a:buClrTx/>
-                <a:buSzTx/>
-                <a:buFont typeface="Arial" pitchFamily="34" charset="0"/>
-                <a:buNone/>
-                <a:tabLst/>
-                <a:defRPr/>
-              </a:pPr>
-              <a:r>
-                <a:rPr kumimoji="1" lang="en-US" altLang="ja-JP" sz="1600" b="0" i="0" u="none" strike="noStrike" kern="1200" cap="none" spc="0" normalizeH="0" baseline="0" noProof="0" dirty="0" smtClean="0">
-                  <a:ln>
-                    <a:noFill/>
-                  </a:ln>
-                  <a:solidFill>
-                    <a:schemeClr val="tx1"/>
-                  </a:solidFill>
-                  <a:effectLst/>
-                  <a:uLnTx/>
-                  <a:uFillTx/>
-                  <a:latin typeface="+mn-lt"/>
-                  <a:ea typeface="+mn-ea"/>
-                  <a:cs typeface="+mn-cs"/>
-                </a:rPr>
-                <a:t>23/01</a:t>
-              </a:r>
-              <a:r>
-                <a:rPr lang="ja-JP" altLang="en-US" sz="1600" dirty="0" smtClean="0"/>
-                <a:t>目標</a:t>
-              </a:r>
-              <a:endParaRPr kumimoji="1" lang="en-US" altLang="ja-JP" sz="1600" b="0" i="0" u="none" strike="noStrike" kern="1200" cap="none" spc="0" normalizeH="0" baseline="0" noProof="0" dirty="0" smtClean="0">
-                <a:ln>
-                  <a:noFill/>
-                </a:ln>
-                <a:solidFill>
-                  <a:schemeClr val="tx1"/>
-                </a:solidFill>
-                <a:effectLst/>
-                <a:uLnTx/>
-                <a:uFillTx/>
-                <a:latin typeface="+mn-lt"/>
-                <a:ea typeface="+mn-ea"/>
-                <a:cs typeface="+mn-cs"/>
-              </a:endParaRPr>
-            </a:p>
-            <a:p>
-              <a:pPr marL="342900" marR="0" lvl="0" indent="-342900" algn="ctr" defTabSz="914400" rtl="0" eaLnBrk="1" fontAlgn="auto" latinLnBrk="0" hangingPunct="1">
-                <a:lnSpc>
-                  <a:spcPct val="100000"/>
-                </a:lnSpc>
-                <a:spcBef>
-                  <a:spcPct val="20000"/>
-                </a:spcBef>
-                <a:spcAft>
-                  <a:spcPts val="0"/>
-                </a:spcAft>
-                <a:buClrTx/>
-                <a:buSzTx/>
-                <a:buFont typeface="Arial" pitchFamily="34" charset="0"/>
-                <a:buNone/>
-                <a:tabLst/>
-                <a:defRPr/>
-              </a:pPr>
-              <a:r>
-                <a:rPr kumimoji="1" lang="en-US" altLang="ja-JP" sz="1600" b="0" i="0" u="none" strike="noStrike" kern="1200" cap="none" spc="0" normalizeH="0" baseline="0" noProof="0" dirty="0" smtClean="0">
-                  <a:ln>
-                    <a:noFill/>
-                  </a:ln>
-                  <a:solidFill>
-                    <a:schemeClr val="tx1"/>
-                  </a:solidFill>
-                  <a:effectLst/>
-                  <a:uLnTx/>
-                  <a:uFillTx/>
-                  <a:latin typeface="+mn-lt"/>
-                  <a:ea typeface="+mn-ea"/>
-                  <a:cs typeface="+mn-cs"/>
-                </a:rPr>
-                <a:t>3D</a:t>
-              </a:r>
-              <a:r>
-                <a:rPr kumimoji="1" lang="ja-JP" altLang="en-US" sz="1600" b="0" i="0" u="none" strike="noStrike" kern="1200" cap="none" spc="0" normalizeH="0" baseline="0" noProof="0" dirty="0" smtClean="0">
-                  <a:ln>
-                    <a:noFill/>
-                  </a:ln>
-                  <a:solidFill>
-                    <a:schemeClr val="tx1"/>
-                  </a:solidFill>
-                  <a:effectLst/>
-                  <a:uLnTx/>
-                  <a:uFillTx/>
-                  <a:latin typeface="+mn-lt"/>
-                  <a:ea typeface="+mn-ea"/>
-                  <a:cs typeface="+mn-cs"/>
-                </a:rPr>
-                <a:t>奥スクロール</a:t>
-              </a:r>
-              <a:endParaRPr kumimoji="1" lang="en-US" altLang="ja-JP" sz="1600" b="0" i="0" u="none" strike="noStrike" kern="1200" cap="none" spc="0" normalizeH="0" baseline="0" noProof="0" dirty="0" smtClean="0">
-                <a:ln>
-                  <a:noFill/>
-                </a:ln>
-                <a:solidFill>
-                  <a:schemeClr val="tx1"/>
-                </a:solidFill>
-                <a:effectLst/>
-                <a:uLnTx/>
-                <a:uFillTx/>
-                <a:latin typeface="+mn-lt"/>
-                <a:ea typeface="+mn-ea"/>
-                <a:cs typeface="+mn-cs"/>
-              </a:endParaRPr>
-            </a:p>
-            <a:p>
-              <a:pPr marL="342900" marR="0" lvl="0" indent="-342900" algn="ctr" defTabSz="914400" rtl="0" eaLnBrk="1" fontAlgn="auto" latinLnBrk="0" hangingPunct="1">
-                <a:lnSpc>
-                  <a:spcPct val="100000"/>
-                </a:lnSpc>
-                <a:spcBef>
-                  <a:spcPct val="20000"/>
-                </a:spcBef>
-                <a:spcAft>
-                  <a:spcPts val="0"/>
-                </a:spcAft>
-                <a:buClrTx/>
-                <a:buSzTx/>
-                <a:buFont typeface="Arial" pitchFamily="34" charset="0"/>
-                <a:buNone/>
-                <a:tabLst/>
-                <a:defRPr/>
-              </a:pPr>
-              <a:r>
-                <a:rPr kumimoji="1" lang="en-US" altLang="ja-JP" sz="1600" b="0" i="0" u="none" strike="noStrike" kern="1200" cap="none" spc="0" normalizeH="0" baseline="0" noProof="0" dirty="0" smtClean="0">
-                  <a:ln>
-                    <a:noFill/>
-                  </a:ln>
-                  <a:solidFill>
-                    <a:schemeClr val="tx1"/>
-                  </a:solidFill>
-                  <a:effectLst/>
-                  <a:uLnTx/>
-                  <a:uFillTx/>
-                  <a:latin typeface="+mn-lt"/>
-                  <a:ea typeface="+mn-ea"/>
-                  <a:cs typeface="+mn-cs"/>
-                </a:rPr>
-                <a:t>UE5</a:t>
-              </a:r>
-            </a:p>
-          </p:txBody>
-        </p:sp>
-      </p:grpSp>
-      <p:sp>
-        <p:nvSpPr>
-          <p:cNvPr id="13" name="コンテンツ プレースホルダ 2"/>
-          <p:cNvSpPr txBox="1">
-            <a:spLocks/>
-          </p:cNvSpPr>
-          <p:nvPr/>
-        </p:nvSpPr>
-        <p:spPr>
-          <a:xfrm>
-            <a:off x="457200" y="2550470"/>
-            <a:ext cx="8229600" cy="971544"/>
-          </a:xfrm>
-          <a:prstGeom prst="rect">
-            <a:avLst/>
-          </a:prstGeom>
-        </p:spPr>
-        <p:txBody>
-          <a:bodyPr vert="horz" lIns="91440" tIns="45720" rIns="91440" bIns="45720" rtlCol="0">
-            <a:normAutofit/>
-          </a:bodyPr>
-          <a:lstStyle/>
-          <a:p>
-            <a:pPr marL="342900" marR="0" lvl="0" indent="-342900" algn="ctr" defTabSz="914400" rtl="0" eaLnBrk="1" fontAlgn="auto" latinLnBrk="0" hangingPunct="1">
-              <a:lnSpc>
-                <a:spcPct val="100000"/>
-              </a:lnSpc>
-              <a:spcBef>
-                <a:spcPct val="20000"/>
-              </a:spcBef>
-              <a:spcAft>
-                <a:spcPts val="0"/>
-              </a:spcAft>
-              <a:buClrTx/>
-              <a:buSzTx/>
-              <a:buFont typeface="Arial" pitchFamily="34" charset="0"/>
-              <a:buNone/>
-              <a:tabLst/>
-              <a:defRPr/>
-            </a:pPr>
-            <a:r>
-              <a:rPr kumimoji="1" lang="ja-JP" altLang="en-US" sz="2000" b="0" u="sng" strike="noStrike" kern="1200" cap="none" spc="0" normalizeH="0" baseline="0" noProof="0" dirty="0" smtClean="0">
-                <a:ln>
-                  <a:noFill/>
-                </a:ln>
-                <a:solidFill>
-                  <a:schemeClr val="accent3">
-                    <a:lumMod val="50000"/>
-                  </a:schemeClr>
-                </a:solidFill>
-                <a:effectLst/>
-                <a:uLnTx/>
-                <a:uFillTx/>
-                <a:latin typeface="+mn-lt"/>
-                <a:ea typeface="+mn-ea"/>
-                <a:cs typeface="+mn-cs"/>
-              </a:rPr>
-              <a:t>ベーシックなランゲーム</a:t>
-            </a:r>
-            <a:endParaRPr kumimoji="1" lang="en-US" altLang="ja-JP" sz="2000" b="0" u="sng" strike="noStrike" kern="1200" cap="none" spc="0" normalizeH="0" baseline="0" noProof="0" dirty="0" smtClean="0">
-              <a:ln>
-                <a:noFill/>
-              </a:ln>
-              <a:solidFill>
-                <a:schemeClr val="accent3">
-                  <a:lumMod val="50000"/>
-                </a:schemeClr>
-              </a:solidFill>
-              <a:effectLst/>
-              <a:uLnTx/>
-              <a:uFillTx/>
-              <a:latin typeface="+mn-lt"/>
-              <a:ea typeface="+mn-ea"/>
-              <a:cs typeface="+mn-cs"/>
-            </a:endParaRPr>
-          </a:p>
-          <a:p>
-            <a:pPr marL="342900" marR="0" lvl="0" indent="-342900" algn="ctr" defTabSz="914400" rtl="0" eaLnBrk="1" fontAlgn="auto" latinLnBrk="0" hangingPunct="1">
-              <a:lnSpc>
-                <a:spcPct val="100000"/>
-              </a:lnSpc>
-              <a:spcBef>
-                <a:spcPct val="20000"/>
-              </a:spcBef>
-              <a:spcAft>
-                <a:spcPts val="0"/>
-              </a:spcAft>
-              <a:buClrTx/>
-              <a:buSzTx/>
-              <a:buFont typeface="Arial" pitchFamily="34" charset="0"/>
-              <a:buNone/>
-              <a:tabLst/>
-              <a:defRPr/>
-            </a:pPr>
-            <a:r>
-              <a:rPr lang="en-US" altLang="ja-JP" sz="2000" u="sng" dirty="0" smtClean="0">
-                <a:solidFill>
-                  <a:schemeClr val="accent3">
-                    <a:lumMod val="50000"/>
-                  </a:schemeClr>
-                </a:solidFill>
-              </a:rPr>
-              <a:t>2D</a:t>
-            </a:r>
-            <a:r>
-              <a:rPr lang="ja-JP" altLang="en-US" sz="2000" u="sng" dirty="0" smtClean="0">
-                <a:solidFill>
-                  <a:schemeClr val="accent3">
-                    <a:lumMod val="50000"/>
-                  </a:schemeClr>
-                </a:solidFill>
-              </a:rPr>
-              <a:t>横スク、</a:t>
-            </a:r>
-            <a:r>
-              <a:rPr lang="en-US" altLang="ja-JP" sz="2000" u="sng" dirty="0" smtClean="0">
-                <a:solidFill>
-                  <a:schemeClr val="accent3">
-                    <a:lumMod val="50000"/>
-                  </a:schemeClr>
-                </a:solidFill>
-              </a:rPr>
-              <a:t>3D</a:t>
-            </a:r>
-            <a:r>
-              <a:rPr lang="ja-JP" altLang="en-US" sz="2000" u="sng" dirty="0" smtClean="0">
-                <a:solidFill>
-                  <a:schemeClr val="accent3">
-                    <a:lumMod val="50000"/>
-                  </a:schemeClr>
-                </a:solidFill>
-              </a:rPr>
-              <a:t>奥スクもエンジン上で再構築した上で、追加要素を加える</a:t>
-            </a:r>
-            <a:endParaRPr kumimoji="1" lang="en-US" altLang="ja-JP" sz="2000" b="0" u="sng" strike="noStrike" kern="1200" cap="none" spc="0" normalizeH="0" baseline="0" noProof="0" dirty="0" smtClean="0">
-              <a:ln>
-                <a:noFill/>
-              </a:ln>
-              <a:solidFill>
-                <a:schemeClr val="accent3">
-                  <a:lumMod val="50000"/>
-                </a:schemeClr>
-              </a:solidFill>
-              <a:effectLst/>
-              <a:uLnTx/>
-              <a:uFillTx/>
-              <a:latin typeface="+mn-lt"/>
-              <a:ea typeface="+mn-ea"/>
-              <a:cs typeface="+mn-cs"/>
-            </a:endParaRPr>
-          </a:p>
-        </p:txBody>
-      </p:sp>
-      <p:sp>
-        <p:nvSpPr>
-          <p:cNvPr id="14" name="テキスト ボックス 13"/>
-          <p:cNvSpPr txBox="1"/>
-          <p:nvPr/>
-        </p:nvSpPr>
-        <p:spPr>
-          <a:xfrm>
-            <a:off x="1320714" y="5449266"/>
-            <a:ext cx="1414854" cy="340519"/>
-          </a:xfrm>
-          <a:prstGeom prst="roundRect">
-            <a:avLst/>
-          </a:prstGeom>
-          <a:solidFill>
-            <a:schemeClr val="accent4">
-              <a:lumMod val="20000"/>
-              <a:lumOff val="80000"/>
-            </a:schemeClr>
-          </a:solidFill>
-          <a:ln w="28575">
-            <a:solidFill>
-              <a:schemeClr val="accent4"/>
-            </a:solidFill>
-            <a:prstDash val="sysDash"/>
-          </a:ln>
-        </p:spPr>
-        <p:txBody>
-          <a:bodyPr wrap="square" rtlCol="0">
-            <a:spAutoFit/>
-          </a:bodyPr>
-          <a:lstStyle/>
-          <a:p>
-            <a:pPr algn="ctr"/>
-            <a:r>
-              <a:rPr kumimoji="1" lang="ja-JP" altLang="en-US" sz="1400" dirty="0" smtClean="0"/>
-              <a:t>ステージ：</a:t>
-            </a:r>
-            <a:r>
-              <a:rPr kumimoji="1" lang="en-US" altLang="ja-JP" sz="1400" dirty="0" smtClean="0"/>
-              <a:t>1</a:t>
-            </a:r>
-            <a:endParaRPr kumimoji="1" lang="ja-JP" altLang="en-US" sz="1400" dirty="0"/>
-          </a:p>
-        </p:txBody>
-      </p:sp>
-      <p:sp>
-        <p:nvSpPr>
-          <p:cNvPr id="15" name="テキスト ボックス 14"/>
-          <p:cNvSpPr txBox="1"/>
-          <p:nvPr/>
-        </p:nvSpPr>
-        <p:spPr>
-          <a:xfrm>
-            <a:off x="4547616" y="5449266"/>
-            <a:ext cx="1414854" cy="340519"/>
-          </a:xfrm>
-          <a:prstGeom prst="roundRect">
-            <a:avLst/>
-          </a:prstGeom>
-          <a:solidFill>
-            <a:schemeClr val="accent5">
-              <a:lumMod val="20000"/>
-              <a:lumOff val="80000"/>
-            </a:schemeClr>
-          </a:solidFill>
-          <a:ln w="28575">
-            <a:solidFill>
-              <a:schemeClr val="accent5"/>
-            </a:solidFill>
-            <a:prstDash val="sysDash"/>
-          </a:ln>
-        </p:spPr>
-        <p:txBody>
-          <a:bodyPr wrap="square" rtlCol="0">
-            <a:spAutoFit/>
-          </a:bodyPr>
-          <a:lstStyle/>
-          <a:p>
-            <a:pPr algn="ctr"/>
-            <a:r>
-              <a:rPr kumimoji="1" lang="ja-JP" altLang="en-US" sz="1400" dirty="0" smtClean="0"/>
-              <a:t>ステージ：</a:t>
-            </a:r>
-            <a:r>
-              <a:rPr kumimoji="1" lang="en-US" altLang="ja-JP" sz="1400" dirty="0" smtClean="0"/>
-              <a:t>12</a:t>
-            </a:r>
-            <a:endParaRPr kumimoji="1" lang="ja-JP" altLang="en-US" sz="1400" dirty="0"/>
-          </a:p>
-        </p:txBody>
-      </p:sp>
-      <p:sp>
-        <p:nvSpPr>
-          <p:cNvPr id="36" name="テキスト ボックス 35"/>
-          <p:cNvSpPr txBox="1"/>
-          <p:nvPr/>
-        </p:nvSpPr>
-        <p:spPr>
-          <a:xfrm>
-            <a:off x="7621164" y="5449266"/>
-            <a:ext cx="1414854" cy="340519"/>
-          </a:xfrm>
-          <a:prstGeom prst="roundRect">
-            <a:avLst/>
-          </a:prstGeom>
-          <a:solidFill>
-            <a:schemeClr val="accent6">
-              <a:lumMod val="20000"/>
-              <a:lumOff val="80000"/>
-            </a:schemeClr>
-          </a:solidFill>
-          <a:ln w="28575">
-            <a:solidFill>
-              <a:schemeClr val="accent6"/>
-            </a:solidFill>
-            <a:prstDash val="sysDash"/>
-          </a:ln>
-        </p:spPr>
-        <p:txBody>
-          <a:bodyPr wrap="square" rtlCol="0">
-            <a:spAutoFit/>
-          </a:bodyPr>
-          <a:lstStyle/>
-          <a:p>
-            <a:pPr algn="ctr"/>
-            <a:r>
-              <a:rPr kumimoji="1" lang="ja-JP" altLang="en-US" sz="1400" dirty="0" smtClean="0"/>
-              <a:t>ステージ：</a:t>
-            </a:r>
-            <a:r>
-              <a:rPr kumimoji="1" lang="en-US" altLang="ja-JP" sz="1400" dirty="0" smtClean="0"/>
-              <a:t>6</a:t>
-            </a:r>
-            <a:endParaRPr kumimoji="1" lang="ja-JP" altLang="en-US" sz="1400" dirty="0"/>
-          </a:p>
-        </p:txBody>
-      </p:sp>
-    </p:spTree>
-  </p:cSld>
-  <p:clrMapOvr>
-    <a:masterClrMapping/>
-  </p:clrMapOvr>
-</p:sld>
-</file>
-
-<file path=ppt/slides/slide3.xml><?xml version="1.0" encoding="utf-8"?>
-<p:sld xmlns:a="http://schemas.openxmlformats.org/drawingml/2006/main" xmlns:r="http://schemas.openxmlformats.org/officeDocument/2006/relationships" xmlns:p="http://schemas.openxmlformats.org/presentationml/2006/main">
-  <p:cSld>
-    <p:spTree>
-      <p:nvGrpSpPr>
-        <p:cNvPr id="1" name=""/>
-        <p:cNvGrpSpPr/>
-        <p:nvPr/>
-      </p:nvGrpSpPr>
-      <p:grpSpPr>
-        <a:xfrm>
-          <a:off x="0" y="0"/>
-          <a:ext cx="0" cy="0"/>
-          <a:chOff x="0" y="0"/>
-          <a:chExt cx="0" cy="0"/>
-        </a:xfrm>
-      </p:grpSpPr>
-      <p:sp>
-        <p:nvSpPr>
-          <p:cNvPr id="2" name="タイトル 1"/>
-          <p:cNvSpPr>
-            <a:spLocks noGrp="1"/>
-          </p:cNvSpPr>
-          <p:nvPr>
-            <p:ph type="title"/>
-          </p:nvPr>
-        </p:nvSpPr>
-        <p:spPr/>
-        <p:txBody>
-          <a:bodyPr/>
-          <a:lstStyle/>
-          <a:p>
-            <a:pPr algn="l"/>
-            <a:r>
-              <a:rPr kumimoji="1" lang="ja-JP" altLang="en-US" dirty="0" smtClean="0">
-                <a:solidFill>
-                  <a:srgbClr val="FF0000"/>
-                </a:solidFill>
-              </a:rPr>
-              <a:t>完成イメージ</a:t>
-            </a:r>
-            <a:endParaRPr kumimoji="1" lang="ja-JP" altLang="en-US" dirty="0">
-              <a:solidFill>
-                <a:srgbClr val="FF0000"/>
-              </a:solidFill>
-            </a:endParaRPr>
+              <a:rPr kumimoji="1" lang="ja-JP" altLang="en-US" dirty="0" smtClean="0"/>
+              <a:t>ストーリーベースのゲームへの挑戦</a:t>
+            </a:r>
+            <a:endParaRPr kumimoji="1" lang="en-US" altLang="ja-JP" dirty="0" smtClean="0"/>
           </a:p>
         </p:txBody>
       </p:sp>
       <p:pic>
         <p:nvPicPr>
-          <p:cNvPr id="4" name="コンテンツ プレースホルダ 3" descr="463087.jpg"/>
+          <p:cNvPr id="23" name="図 22" descr="cafe_osyaberi_school_girls.png"/>
           <p:cNvPicPr>
-            <a:picLocks noGrp="1" noChangeAspect="1"/>
+            <a:picLocks noChangeAspect="1"/>
           </p:cNvPicPr>
-          <p:nvPr>
-            <p:ph idx="1"/>
-          </p:nvPr>
+          <p:nvPr/>
         </p:nvPicPr>
         <p:blipFill>
           <a:blip r:embed="rId2"/>
@@ -4753,1026 +3658,120 @@
         </p:blipFill>
         <p:spPr>
           <a:xfrm>
-            <a:off x="548922" y="1600200"/>
-            <a:ext cx="8046156" cy="4525963"/>
-          </a:xfrm>
-        </p:spPr>
-      </p:pic>
-      <p:sp>
-        <p:nvSpPr>
-          <p:cNvPr id="5" name="コンテンツ プレースホルダ 2"/>
-          <p:cNvSpPr txBox="1">
-            <a:spLocks/>
-          </p:cNvSpPr>
-          <p:nvPr/>
-        </p:nvSpPr>
-        <p:spPr>
-          <a:xfrm>
-            <a:off x="5929290" y="6143644"/>
-            <a:ext cx="3214710" cy="400064"/>
+            <a:off x="714348" y="2428868"/>
+            <a:ext cx="1835838" cy="1835838"/>
           </a:xfrm>
           <a:prstGeom prst="rect">
             <a:avLst/>
           </a:prstGeom>
         </p:spPr>
-        <p:txBody>
-          <a:bodyPr vert="horz" lIns="91440" tIns="45720" rIns="91440" bIns="45720" rtlCol="0">
-            <a:normAutofit/>
-          </a:bodyPr>
-          <a:lstStyle/>
-          <a:p>
-            <a:pPr marL="342900" marR="0" lvl="0" indent="-342900" algn="ctr" defTabSz="914400" rtl="0" eaLnBrk="1" fontAlgn="auto" latinLnBrk="0" hangingPunct="1">
-              <a:lnSpc>
-                <a:spcPct val="100000"/>
-              </a:lnSpc>
-              <a:spcBef>
-                <a:spcPct val="20000"/>
-              </a:spcBef>
-              <a:spcAft>
-                <a:spcPts val="0"/>
-              </a:spcAft>
-              <a:buClrTx/>
-              <a:buSzTx/>
-              <a:buFont typeface="Arial" pitchFamily="34" charset="0"/>
-              <a:buNone/>
-              <a:tabLst/>
-              <a:defRPr/>
-            </a:pPr>
-            <a:r>
-              <a:rPr kumimoji="1" lang="ja-JP" altLang="en-US" sz="2000" b="0" i="0" u="none" strike="noStrike" kern="1200" cap="none" spc="0" normalizeH="0" baseline="0" noProof="0" dirty="0" smtClean="0">
-                <a:ln>
-                  <a:noFill/>
-                </a:ln>
-                <a:solidFill>
-                  <a:schemeClr val="tx1">
-                    <a:lumMod val="65000"/>
-                    <a:lumOff val="35000"/>
-                  </a:schemeClr>
-                </a:solidFill>
-                <a:effectLst/>
-                <a:uLnTx/>
-                <a:uFillTx/>
-                <a:latin typeface="+mn-lt"/>
-                <a:ea typeface="+mn-ea"/>
-                <a:cs typeface="+mn-cs"/>
-              </a:rPr>
-              <a:t>ペプシマン</a:t>
-            </a:r>
-            <a:r>
-              <a:rPr kumimoji="1" lang="en-US" altLang="ja-JP" sz="2000" b="0" i="0" u="none" strike="noStrike" kern="1200" cap="none" spc="0" normalizeH="0" baseline="0" noProof="0" dirty="0" smtClean="0">
-                <a:ln>
-                  <a:noFill/>
-                </a:ln>
-                <a:solidFill>
-                  <a:schemeClr val="tx1">
-                    <a:lumMod val="65000"/>
-                    <a:lumOff val="35000"/>
-                  </a:schemeClr>
-                </a:solidFill>
-                <a:effectLst/>
-                <a:uLnTx/>
-                <a:uFillTx/>
-                <a:latin typeface="+mn-lt"/>
-                <a:ea typeface="+mn-ea"/>
-                <a:cs typeface="+mn-cs"/>
-              </a:rPr>
-              <a:t>(KID/PS,1999)</a:t>
-            </a:r>
-            <a:endParaRPr kumimoji="1" lang="ja-JP" altLang="en-US" sz="2000" b="0" i="0" u="none" strike="noStrike" kern="1200" cap="none" spc="0" normalizeH="0" baseline="0" noProof="0" dirty="0">
-              <a:ln>
-                <a:noFill/>
-              </a:ln>
-              <a:solidFill>
-                <a:schemeClr val="tx1">
-                  <a:lumMod val="65000"/>
-                  <a:lumOff val="35000"/>
-                </a:schemeClr>
-              </a:solidFill>
-              <a:effectLst/>
-              <a:uLnTx/>
-              <a:uFillTx/>
-              <a:latin typeface="+mn-lt"/>
-              <a:ea typeface="+mn-ea"/>
-              <a:cs typeface="+mn-cs"/>
-            </a:endParaRPr>
-          </a:p>
-        </p:txBody>
-      </p:sp>
-    </p:spTree>
-  </p:cSld>
-  <p:clrMapOvr>
-    <a:masterClrMapping/>
-  </p:clrMapOvr>
-</p:sld>
-</file>
-
-<file path=ppt/slides/slide4.xml><?xml version="1.0" encoding="utf-8"?>
-<p:sld xmlns:a="http://schemas.openxmlformats.org/drawingml/2006/main" xmlns:r="http://schemas.openxmlformats.org/officeDocument/2006/relationships" xmlns:p="http://schemas.openxmlformats.org/presentationml/2006/main">
-  <p:cSld>
-    <p:spTree>
-      <p:nvGrpSpPr>
-        <p:cNvPr id="1" name=""/>
-        <p:cNvGrpSpPr/>
-        <p:nvPr/>
-      </p:nvGrpSpPr>
-      <p:grpSpPr>
-        <a:xfrm>
-          <a:off x="0" y="0"/>
-          <a:ext cx="0" cy="0"/>
-          <a:chOff x="0" y="0"/>
-          <a:chExt cx="0" cy="0"/>
-        </a:xfrm>
-      </p:grpSpPr>
-      <p:sp>
-        <p:nvSpPr>
-          <p:cNvPr id="2" name="タイトル 1"/>
-          <p:cNvSpPr>
-            <a:spLocks noGrp="1"/>
-          </p:cNvSpPr>
-          <p:nvPr>
-            <p:ph type="title"/>
-          </p:nvPr>
-        </p:nvSpPr>
-        <p:spPr/>
-        <p:txBody>
-          <a:bodyPr/>
-          <a:lstStyle/>
-          <a:p>
-            <a:pPr algn="l"/>
-            <a:r>
-              <a:rPr kumimoji="1" lang="ja-JP" altLang="en-US" dirty="0" smtClean="0">
-                <a:solidFill>
-                  <a:srgbClr val="FF0000"/>
-                </a:solidFill>
-              </a:rPr>
-              <a:t>改善ポイント</a:t>
-            </a:r>
-            <a:endParaRPr kumimoji="1" lang="ja-JP" altLang="en-US" dirty="0">
-              <a:solidFill>
-                <a:srgbClr val="FF0000"/>
-              </a:solidFill>
-            </a:endParaRPr>
-          </a:p>
-        </p:txBody>
-      </p:sp>
-      <p:sp>
-        <p:nvSpPr>
-          <p:cNvPr id="3" name="コンテンツ プレースホルダ 2"/>
-          <p:cNvSpPr>
-            <a:spLocks noGrp="1"/>
-          </p:cNvSpPr>
-          <p:nvPr>
-            <p:ph idx="1"/>
-          </p:nvPr>
-        </p:nvSpPr>
+      </p:pic>
+      <p:pic>
+        <p:nvPicPr>
+          <p:cNvPr id="24" name="図 23" descr="cafe_osyaberi_school_girls.png"/>
+          <p:cNvPicPr>
+            <a:picLocks noChangeAspect="1"/>
+          </p:cNvPicPr>
+          <p:nvPr/>
+        </p:nvPicPr>
+        <p:blipFill>
+          <a:blip r:embed="rId3"/>
+          <a:stretch>
+            <a:fillRect/>
+          </a:stretch>
+        </p:blipFill>
         <p:spPr>
           <a:xfrm>
-            <a:off x="457200" y="1357298"/>
-            <a:ext cx="8229600" cy="614354"/>
+            <a:off x="5143504" y="2500306"/>
+            <a:ext cx="1680894" cy="1643074"/>
           </a:xfrm>
+          <a:prstGeom prst="rect">
+            <a:avLst/>
+          </a:prstGeom>
         </p:spPr>
-        <p:txBody>
-          <a:bodyPr/>
-          <a:lstStyle/>
-          <a:p>
-            <a:pPr>
-              <a:buNone/>
-            </a:pPr>
-            <a:r>
-              <a:rPr kumimoji="1" lang="ja-JP" altLang="en-US" dirty="0" smtClean="0"/>
-              <a:t>１．まっすぐのステージしかなかった</a:t>
-            </a:r>
-            <a:endParaRPr kumimoji="1" lang="ja-JP" altLang="en-US" dirty="0"/>
-          </a:p>
-        </p:txBody>
-      </p:sp>
+      </p:pic>
+      <p:pic>
+        <p:nvPicPr>
+          <p:cNvPr id="25" name="図 24" descr="cafe_osyaberi_school_girls.png"/>
+          <p:cNvPicPr>
+            <a:picLocks noChangeAspect="1"/>
+          </p:cNvPicPr>
+          <p:nvPr/>
+        </p:nvPicPr>
+        <p:blipFill>
+          <a:blip r:embed="rId4"/>
+          <a:stretch>
+            <a:fillRect/>
+          </a:stretch>
+        </p:blipFill>
+        <p:spPr>
+          <a:xfrm>
+            <a:off x="2714612" y="2500306"/>
+            <a:ext cx="1643074" cy="1835838"/>
+          </a:xfrm>
+          <a:prstGeom prst="rect">
+            <a:avLst/>
+          </a:prstGeom>
+        </p:spPr>
+      </p:pic>
+      <p:pic>
+        <p:nvPicPr>
+          <p:cNvPr id="26" name="図 25" descr="cafe_osyaberi_school_girls.png"/>
+          <p:cNvPicPr>
+            <a:picLocks noChangeAspect="1"/>
+          </p:cNvPicPr>
+          <p:nvPr/>
+        </p:nvPicPr>
+        <p:blipFill>
+          <a:blip r:embed="rId5"/>
+          <a:stretch>
+            <a:fillRect/>
+          </a:stretch>
+        </p:blipFill>
+        <p:spPr>
+          <a:xfrm>
+            <a:off x="7000892" y="2571744"/>
+            <a:ext cx="1753478" cy="1500198"/>
+          </a:xfrm>
+          <a:prstGeom prst="rect">
+            <a:avLst/>
+          </a:prstGeom>
+        </p:spPr>
+      </p:pic>
       <p:grpSp>
         <p:nvGrpSpPr>
-          <p:cNvPr id="44" name="グループ化 43"/>
+          <p:cNvPr id="36" name="グループ化 35"/>
           <p:cNvGrpSpPr/>
           <p:nvPr/>
         </p:nvGrpSpPr>
         <p:grpSpPr>
           <a:xfrm>
-            <a:off x="1142182" y="3142454"/>
-            <a:ext cx="1716100" cy="3215504"/>
-            <a:chOff x="1142182" y="2429662"/>
-            <a:chExt cx="1716100" cy="3215504"/>
+            <a:off x="2000232" y="5500702"/>
+            <a:ext cx="1071570" cy="1071570"/>
+            <a:chOff x="1639198" y="5107793"/>
+            <a:chExt cx="1071570" cy="1071570"/>
           </a:xfrm>
+          <a:solidFill>
+            <a:srgbClr val="C00000"/>
+          </a:solidFill>
         </p:grpSpPr>
         <p:sp>
           <p:nvSpPr>
-            <p:cNvPr id="4" name="フリーフォーム 3"/>
+            <p:cNvPr id="33" name="正方形/長方形 32"/>
             <p:cNvSpPr/>
             <p:nvPr/>
           </p:nvSpPr>
           <p:spPr>
-            <a:xfrm rot="10800000">
-              <a:off x="1650662" y="2722240"/>
-              <a:ext cx="714348" cy="2643206"/>
+            <a:xfrm rot="2700000">
+              <a:off x="1643042" y="5572140"/>
+              <a:ext cx="1071570" cy="142876"/>
             </a:xfrm>
-            <a:custGeom>
-              <a:avLst/>
-              <a:gdLst>
-                <a:gd name="connsiteX0" fmla="*/ 0 w 1143008"/>
-                <a:gd name="connsiteY0" fmla="*/ 2071702 h 2643206"/>
-                <a:gd name="connsiteX1" fmla="*/ 285752 w 1143008"/>
-                <a:gd name="connsiteY1" fmla="*/ 2071702 h 2643206"/>
-                <a:gd name="connsiteX2" fmla="*/ 285752 w 1143008"/>
-                <a:gd name="connsiteY2" fmla="*/ 0 h 2643206"/>
-                <a:gd name="connsiteX3" fmla="*/ 857256 w 1143008"/>
-                <a:gd name="connsiteY3" fmla="*/ 0 h 2643206"/>
-                <a:gd name="connsiteX4" fmla="*/ 857256 w 1143008"/>
-                <a:gd name="connsiteY4" fmla="*/ 2071702 h 2643206"/>
-                <a:gd name="connsiteX5" fmla="*/ 1143008 w 1143008"/>
-                <a:gd name="connsiteY5" fmla="*/ 2071702 h 2643206"/>
-                <a:gd name="connsiteX6" fmla="*/ 571504 w 1143008"/>
-                <a:gd name="connsiteY6" fmla="*/ 2643206 h 2643206"/>
-                <a:gd name="connsiteX7" fmla="*/ 0 w 1143008"/>
-                <a:gd name="connsiteY7" fmla="*/ 2071702 h 2643206"/>
-                <a:gd name="connsiteX0" fmla="*/ 0 w 1523925"/>
-                <a:gd name="connsiteY0" fmla="*/ 2071702 h 2643206"/>
-                <a:gd name="connsiteX1" fmla="*/ 285752 w 1523925"/>
-                <a:gd name="connsiteY1" fmla="*/ 2071702 h 2643206"/>
-                <a:gd name="connsiteX2" fmla="*/ 285752 w 1523925"/>
-                <a:gd name="connsiteY2" fmla="*/ 0 h 2643206"/>
-                <a:gd name="connsiteX3" fmla="*/ 857256 w 1523925"/>
-                <a:gd name="connsiteY3" fmla="*/ 0 h 2643206"/>
-                <a:gd name="connsiteX4" fmla="*/ 857256 w 1523925"/>
-                <a:gd name="connsiteY4" fmla="*/ 2071702 h 2643206"/>
-                <a:gd name="connsiteX5" fmla="*/ 1523925 w 1523925"/>
-                <a:gd name="connsiteY5" fmla="*/ 1785926 h 2643206"/>
-                <a:gd name="connsiteX6" fmla="*/ 571504 w 1523925"/>
-                <a:gd name="connsiteY6" fmla="*/ 2643206 h 2643206"/>
-                <a:gd name="connsiteX7" fmla="*/ 0 w 1523925"/>
-                <a:gd name="connsiteY7" fmla="*/ 2071702 h 2643206"/>
-                <a:gd name="connsiteX0" fmla="*/ 0 w 1904928"/>
-                <a:gd name="connsiteY0" fmla="*/ 1714488 h 2643206"/>
-                <a:gd name="connsiteX1" fmla="*/ 666755 w 1904928"/>
-                <a:gd name="connsiteY1" fmla="*/ 2071702 h 2643206"/>
-                <a:gd name="connsiteX2" fmla="*/ 666755 w 1904928"/>
-                <a:gd name="connsiteY2" fmla="*/ 0 h 2643206"/>
-                <a:gd name="connsiteX3" fmla="*/ 1238259 w 1904928"/>
-                <a:gd name="connsiteY3" fmla="*/ 0 h 2643206"/>
-                <a:gd name="connsiteX4" fmla="*/ 1238259 w 1904928"/>
-                <a:gd name="connsiteY4" fmla="*/ 2071702 h 2643206"/>
-                <a:gd name="connsiteX5" fmla="*/ 1904928 w 1904928"/>
-                <a:gd name="connsiteY5" fmla="*/ 1785926 h 2643206"/>
-                <a:gd name="connsiteX6" fmla="*/ 952507 w 1904928"/>
-                <a:gd name="connsiteY6" fmla="*/ 2643206 h 2643206"/>
-                <a:gd name="connsiteX7" fmla="*/ 0 w 1904928"/>
-                <a:gd name="connsiteY7" fmla="*/ 1714488 h 2643206"/>
-                <a:gd name="connsiteX0" fmla="*/ 0 w 1904928"/>
-                <a:gd name="connsiteY0" fmla="*/ 1714488 h 2643206"/>
-                <a:gd name="connsiteX1" fmla="*/ 666755 w 1904928"/>
-                <a:gd name="connsiteY1" fmla="*/ 2071702 h 2643206"/>
-                <a:gd name="connsiteX2" fmla="*/ 666755 w 1904928"/>
-                <a:gd name="connsiteY2" fmla="*/ 0 h 2643206"/>
-                <a:gd name="connsiteX3" fmla="*/ 1238259 w 1904928"/>
-                <a:gd name="connsiteY3" fmla="*/ 0 h 2643206"/>
-                <a:gd name="connsiteX4" fmla="*/ 1238259 w 1904928"/>
-                <a:gd name="connsiteY4" fmla="*/ 2000240 h 2643206"/>
-                <a:gd name="connsiteX5" fmla="*/ 1904928 w 1904928"/>
-                <a:gd name="connsiteY5" fmla="*/ 1785926 h 2643206"/>
-                <a:gd name="connsiteX6" fmla="*/ 952507 w 1904928"/>
-                <a:gd name="connsiteY6" fmla="*/ 2643206 h 2643206"/>
-                <a:gd name="connsiteX7" fmla="*/ 0 w 1904928"/>
-                <a:gd name="connsiteY7" fmla="*/ 1714488 h 2643206"/>
-                <a:gd name="connsiteX0" fmla="*/ 0 w 1904928"/>
-                <a:gd name="connsiteY0" fmla="*/ 1714488 h 2643206"/>
-                <a:gd name="connsiteX1" fmla="*/ 666755 w 1904928"/>
-                <a:gd name="connsiteY1" fmla="*/ 2000240 h 2643206"/>
-                <a:gd name="connsiteX2" fmla="*/ 666755 w 1904928"/>
-                <a:gd name="connsiteY2" fmla="*/ 0 h 2643206"/>
-                <a:gd name="connsiteX3" fmla="*/ 1238259 w 1904928"/>
-                <a:gd name="connsiteY3" fmla="*/ 0 h 2643206"/>
-                <a:gd name="connsiteX4" fmla="*/ 1238259 w 1904928"/>
-                <a:gd name="connsiteY4" fmla="*/ 2000240 h 2643206"/>
-                <a:gd name="connsiteX5" fmla="*/ 1904928 w 1904928"/>
-                <a:gd name="connsiteY5" fmla="*/ 1785926 h 2643206"/>
-                <a:gd name="connsiteX6" fmla="*/ 952507 w 1904928"/>
-                <a:gd name="connsiteY6" fmla="*/ 2643206 h 2643206"/>
-                <a:gd name="connsiteX7" fmla="*/ 0 w 1904928"/>
-                <a:gd name="connsiteY7" fmla="*/ 1714488 h 2643206"/>
-              </a:gdLst>
-              <a:ahLst/>
-              <a:cxnLst>
-                <a:cxn ang="0">
-                  <a:pos x="connsiteX0" y="connsiteY0"/>
-                </a:cxn>
-                <a:cxn ang="0">
-                  <a:pos x="connsiteX1" y="connsiteY1"/>
-                </a:cxn>
-                <a:cxn ang="0">
-                  <a:pos x="connsiteX2" y="connsiteY2"/>
-                </a:cxn>
-                <a:cxn ang="0">
-                  <a:pos x="connsiteX3" y="connsiteY3"/>
-                </a:cxn>
-                <a:cxn ang="0">
-                  <a:pos x="connsiteX4" y="connsiteY4"/>
-                </a:cxn>
-                <a:cxn ang="0">
-                  <a:pos x="connsiteX5" y="connsiteY5"/>
-                </a:cxn>
-                <a:cxn ang="0">
-                  <a:pos x="connsiteX6" y="connsiteY6"/>
-                </a:cxn>
-                <a:cxn ang="0">
-                  <a:pos x="connsiteX7" y="connsiteY7"/>
-                </a:cxn>
-              </a:cxnLst>
-              <a:rect l="l" t="t" r="r" b="b"/>
-              <a:pathLst>
-                <a:path w="1904928" h="2643206">
-                  <a:moveTo>
-                    <a:pt x="0" y="1714488"/>
-                  </a:moveTo>
-                  <a:lnTo>
-                    <a:pt x="666755" y="2000240"/>
-                  </a:lnTo>
-                  <a:lnTo>
-                    <a:pt x="666755" y="0"/>
-                  </a:lnTo>
-                  <a:lnTo>
-                    <a:pt x="1238259" y="0"/>
-                  </a:lnTo>
-                  <a:lnTo>
-                    <a:pt x="1238259" y="2000240"/>
-                  </a:lnTo>
-                  <a:lnTo>
-                    <a:pt x="1904928" y="1785926"/>
-                  </a:lnTo>
-                  <a:lnTo>
-                    <a:pt x="952507" y="2643206"/>
-                  </a:lnTo>
-                  <a:lnTo>
-                    <a:pt x="0" y="1714488"/>
-                  </a:lnTo>
-                  <a:close/>
-                </a:path>
-              </a:pathLst>
-            </a:custGeom>
-            <a:solidFill>
-              <a:schemeClr val="accent3"/>
-            </a:solidFill>
-            <a:ln>
-              <a:solidFill>
-                <a:schemeClr val="accent3">
-                  <a:lumMod val="50000"/>
-                </a:schemeClr>
-              </a:solidFill>
-            </a:ln>
-          </p:spPr>
-          <p:style>
-            <a:lnRef idx="2">
-              <a:schemeClr val="accent1">
-                <a:shade val="50000"/>
-              </a:schemeClr>
-            </a:lnRef>
-            <a:fillRef idx="1">
-              <a:schemeClr val="accent1"/>
-            </a:fillRef>
-            <a:effectRef idx="0">
-              <a:schemeClr val="accent1"/>
-            </a:effectRef>
-            <a:fontRef idx="minor">
-              <a:schemeClr val="lt1"/>
-            </a:fontRef>
-          </p:style>
-          <p:txBody>
-            <a:bodyPr rtlCol="0" anchor="ctr"/>
-            <a:lstStyle/>
-            <a:p>
-              <a:pPr algn="ctr"/>
-              <a:endParaRPr kumimoji="1" lang="ja-JP" altLang="en-US"/>
-            </a:p>
-          </p:txBody>
-        </p:sp>
-        <p:cxnSp>
-          <p:nvCxnSpPr>
-            <p:cNvPr id="7" name="直線コネクタ 6"/>
-            <p:cNvCxnSpPr/>
-            <p:nvPr/>
-          </p:nvCxnSpPr>
-          <p:spPr>
-            <a:xfrm rot="5400000">
-              <a:off x="-464776" y="4036620"/>
-              <a:ext cx="3215504" cy="1588"/>
-            </a:xfrm>
-            <a:prstGeom prst="line">
+            <a:prstGeom prst="rect">
               <a:avLst/>
             </a:prstGeom>
-            <a:ln w="76200">
-              <a:solidFill>
-                <a:schemeClr val="tx1">
-                  <a:lumMod val="75000"/>
-                  <a:lumOff val="25000"/>
-                </a:schemeClr>
-              </a:solidFill>
-            </a:ln>
-          </p:spPr>
-          <p:style>
-            <a:lnRef idx="1">
-              <a:schemeClr val="accent1"/>
-            </a:lnRef>
-            <a:fillRef idx="0">
-              <a:schemeClr val="accent1"/>
-            </a:fillRef>
-            <a:effectRef idx="0">
-              <a:schemeClr val="accent1"/>
-            </a:effectRef>
-            <a:fontRef idx="minor">
-              <a:schemeClr val="tx1"/>
-            </a:fontRef>
-          </p:style>
-        </p:cxnSp>
-        <p:cxnSp>
-          <p:nvCxnSpPr>
-            <p:cNvPr id="8" name="直線コネクタ 7"/>
-            <p:cNvCxnSpPr/>
-            <p:nvPr/>
-          </p:nvCxnSpPr>
-          <p:spPr>
-            <a:xfrm rot="5400000">
-              <a:off x="1249736" y="4036620"/>
-              <a:ext cx="3215504" cy="1588"/>
-            </a:xfrm>
-            <a:prstGeom prst="line">
-              <a:avLst/>
-            </a:prstGeom>
-            <a:ln w="76200">
-              <a:solidFill>
-                <a:schemeClr val="tx1">
-                  <a:lumMod val="75000"/>
-                  <a:lumOff val="25000"/>
-                </a:schemeClr>
-              </a:solidFill>
-            </a:ln>
-          </p:spPr>
-          <p:style>
-            <a:lnRef idx="1">
-              <a:schemeClr val="accent1"/>
-            </a:lnRef>
-            <a:fillRef idx="0">
-              <a:schemeClr val="accent1"/>
-            </a:fillRef>
-            <a:effectRef idx="0">
-              <a:schemeClr val="accent1"/>
-            </a:effectRef>
-            <a:fontRef idx="minor">
-              <a:schemeClr val="tx1"/>
-            </a:fontRef>
-          </p:style>
-        </p:cxnSp>
-      </p:grpSp>
-      <p:sp>
-        <p:nvSpPr>
-          <p:cNvPr id="40" name="コンテンツ プレースホルダ 2"/>
-          <p:cNvSpPr txBox="1">
-            <a:spLocks/>
-          </p:cNvSpPr>
-          <p:nvPr/>
-        </p:nvSpPr>
-        <p:spPr>
-          <a:xfrm>
-            <a:off x="479078" y="2520332"/>
-            <a:ext cx="8229600" cy="614354"/>
-          </a:xfrm>
-          <a:prstGeom prst="rect">
-            <a:avLst/>
-          </a:prstGeom>
-        </p:spPr>
-        <p:txBody>
-          <a:bodyPr vert="horz" lIns="91440" tIns="45720" rIns="91440" bIns="45720" rtlCol="0">
-            <a:normAutofit/>
-          </a:bodyPr>
-          <a:lstStyle/>
-          <a:p>
-            <a:pPr marL="342900" marR="0" lvl="0" indent="-342900" algn="ctr" defTabSz="914400" rtl="0" eaLnBrk="1" fontAlgn="auto" latinLnBrk="0" hangingPunct="1">
-              <a:lnSpc>
-                <a:spcPct val="100000"/>
-              </a:lnSpc>
-              <a:spcBef>
-                <a:spcPct val="20000"/>
-              </a:spcBef>
-              <a:spcAft>
-                <a:spcPts val="0"/>
-              </a:spcAft>
-              <a:buClrTx/>
-              <a:buSzTx/>
-              <a:buFont typeface="Arial" pitchFamily="34" charset="0"/>
-              <a:buNone/>
-              <a:tabLst/>
-              <a:defRPr/>
-            </a:pPr>
-            <a:r>
-              <a:rPr lang="ja-JP" altLang="en-US" sz="2000" dirty="0" smtClean="0">
-                <a:solidFill>
-                  <a:schemeClr val="accent3">
-                    <a:lumMod val="50000"/>
-                  </a:schemeClr>
-                </a:solidFill>
-              </a:rPr>
-              <a:t>分岐や折れ曲がりを導入し、リプレイ性を高める</a:t>
-            </a:r>
-            <a:endParaRPr kumimoji="1" lang="ja-JP" altLang="en-US" sz="2000" b="0" i="0" u="none" strike="noStrike" kern="1200" cap="none" spc="0" normalizeH="0" baseline="0" noProof="0" dirty="0">
-              <a:ln>
-                <a:noFill/>
-              </a:ln>
-              <a:solidFill>
-                <a:schemeClr val="accent3">
-                  <a:lumMod val="50000"/>
-                </a:schemeClr>
-              </a:solidFill>
-              <a:effectLst/>
-              <a:uLnTx/>
-              <a:uFillTx/>
-              <a:latin typeface="+mn-lt"/>
-              <a:ea typeface="+mn-ea"/>
-              <a:cs typeface="+mn-cs"/>
-            </a:endParaRPr>
-          </a:p>
-        </p:txBody>
-      </p:sp>
-      <p:grpSp>
-        <p:nvGrpSpPr>
-          <p:cNvPr id="45" name="グループ化 44"/>
-          <p:cNvGrpSpPr/>
-          <p:nvPr/>
-        </p:nvGrpSpPr>
-        <p:grpSpPr>
-          <a:xfrm>
-            <a:off x="5173666" y="3070222"/>
-            <a:ext cx="2716232" cy="3359174"/>
-            <a:chOff x="5072066" y="2357430"/>
-            <a:chExt cx="2716232" cy="3359174"/>
-          </a:xfrm>
-        </p:grpSpPr>
-        <p:cxnSp>
-          <p:nvCxnSpPr>
-            <p:cNvPr id="17" name="直線コネクタ 16"/>
-            <p:cNvCxnSpPr/>
-            <p:nvPr/>
-          </p:nvCxnSpPr>
-          <p:spPr>
-            <a:xfrm rot="16200000" flipH="1">
-              <a:off x="4643041" y="2929331"/>
-              <a:ext cx="1285090" cy="427040"/>
-            </a:xfrm>
-            <a:prstGeom prst="line">
-              <a:avLst/>
-            </a:prstGeom>
-            <a:ln w="76200">
-              <a:solidFill>
-                <a:schemeClr val="tx1">
-                  <a:lumMod val="75000"/>
-                  <a:lumOff val="25000"/>
-                </a:schemeClr>
-              </a:solidFill>
-            </a:ln>
-          </p:spPr>
-          <p:style>
-            <a:lnRef idx="1">
-              <a:schemeClr val="accent1"/>
-            </a:lnRef>
-            <a:fillRef idx="0">
-              <a:schemeClr val="accent1"/>
-            </a:fillRef>
-            <a:effectRef idx="0">
-              <a:schemeClr val="accent1"/>
-            </a:effectRef>
-            <a:fontRef idx="minor">
-              <a:schemeClr val="tx1"/>
-            </a:fontRef>
-          </p:style>
-        </p:cxnSp>
-        <p:cxnSp>
-          <p:nvCxnSpPr>
-            <p:cNvPr id="18" name="直線コネクタ 17"/>
-            <p:cNvCxnSpPr/>
-            <p:nvPr/>
-          </p:nvCxnSpPr>
-          <p:spPr>
-            <a:xfrm rot="5400000">
-              <a:off x="5786843" y="4715281"/>
-              <a:ext cx="2001058" cy="1588"/>
-            </a:xfrm>
-            <a:prstGeom prst="line">
-              <a:avLst/>
-            </a:prstGeom>
-            <a:ln w="76200">
-              <a:solidFill>
-                <a:schemeClr val="tx1">
-                  <a:lumMod val="75000"/>
-                  <a:lumOff val="25000"/>
-                </a:schemeClr>
-              </a:solidFill>
-            </a:ln>
-          </p:spPr>
-          <p:style>
-            <a:lnRef idx="1">
-              <a:schemeClr val="accent1"/>
-            </a:lnRef>
-            <a:fillRef idx="0">
-              <a:schemeClr val="accent1"/>
-            </a:fillRef>
-            <a:effectRef idx="0">
-              <a:schemeClr val="accent1"/>
-            </a:effectRef>
-            <a:fontRef idx="minor">
-              <a:schemeClr val="tx1"/>
-            </a:fontRef>
-          </p:style>
-        </p:cxnSp>
-        <p:cxnSp>
-          <p:nvCxnSpPr>
-            <p:cNvPr id="19" name="直線コネクタ 18"/>
-            <p:cNvCxnSpPr/>
-            <p:nvPr/>
-          </p:nvCxnSpPr>
-          <p:spPr>
-            <a:xfrm rot="5400000">
-              <a:off x="4537075" y="4678371"/>
-              <a:ext cx="1928826" cy="1588"/>
-            </a:xfrm>
-            <a:prstGeom prst="line">
-              <a:avLst/>
-            </a:prstGeom>
-            <a:ln w="76200">
-              <a:solidFill>
-                <a:schemeClr val="tx1">
-                  <a:lumMod val="75000"/>
-                  <a:lumOff val="25000"/>
-                </a:schemeClr>
-              </a:solidFill>
-            </a:ln>
-          </p:spPr>
-          <p:style>
-            <a:lnRef idx="1">
-              <a:schemeClr val="accent1"/>
-            </a:lnRef>
-            <a:fillRef idx="0">
-              <a:schemeClr val="accent1"/>
-            </a:fillRef>
-            <a:effectRef idx="0">
-              <a:schemeClr val="accent1"/>
-            </a:effectRef>
-            <a:fontRef idx="minor">
-              <a:schemeClr val="tx1"/>
-            </a:fontRef>
-          </p:style>
-        </p:cxnSp>
-        <p:cxnSp>
-          <p:nvCxnSpPr>
-            <p:cNvPr id="20" name="直線コネクタ 19"/>
-            <p:cNvCxnSpPr/>
-            <p:nvPr/>
-          </p:nvCxnSpPr>
-          <p:spPr>
-            <a:xfrm rot="10800000">
-              <a:off x="6500826" y="2357430"/>
-              <a:ext cx="1287472" cy="794"/>
-            </a:xfrm>
-            <a:prstGeom prst="line">
-              <a:avLst/>
-            </a:prstGeom>
-            <a:ln w="76200">
-              <a:solidFill>
-                <a:schemeClr val="tx1">
-                  <a:lumMod val="75000"/>
-                  <a:lumOff val="25000"/>
-                </a:schemeClr>
-              </a:solidFill>
-            </a:ln>
-          </p:spPr>
-          <p:style>
-            <a:lnRef idx="1">
-              <a:schemeClr val="accent1"/>
-            </a:lnRef>
-            <a:fillRef idx="0">
-              <a:schemeClr val="accent1"/>
-            </a:fillRef>
-            <a:effectRef idx="0">
-              <a:schemeClr val="accent1"/>
-            </a:effectRef>
-            <a:fontRef idx="minor">
-              <a:schemeClr val="tx1"/>
-            </a:fontRef>
-          </p:style>
-        </p:cxnSp>
-        <p:cxnSp>
-          <p:nvCxnSpPr>
-            <p:cNvPr id="26" name="直線コネクタ 25"/>
-            <p:cNvCxnSpPr/>
-            <p:nvPr/>
-          </p:nvCxnSpPr>
-          <p:spPr>
-            <a:xfrm rot="16200000" flipH="1">
-              <a:off x="5285983" y="2786455"/>
-              <a:ext cx="1285090" cy="427040"/>
-            </a:xfrm>
-            <a:prstGeom prst="line">
-              <a:avLst/>
-            </a:prstGeom>
-            <a:ln w="76200">
-              <a:solidFill>
-                <a:schemeClr val="tx1">
-                  <a:lumMod val="75000"/>
-                  <a:lumOff val="25000"/>
-                </a:schemeClr>
-              </a:solidFill>
-            </a:ln>
-          </p:spPr>
-          <p:style>
-            <a:lnRef idx="1">
-              <a:schemeClr val="accent1"/>
-            </a:lnRef>
-            <a:fillRef idx="0">
-              <a:schemeClr val="accent1"/>
-            </a:fillRef>
-            <a:effectRef idx="0">
-              <a:schemeClr val="accent1"/>
-            </a:effectRef>
-            <a:fontRef idx="minor">
-              <a:schemeClr val="tx1"/>
-            </a:fontRef>
-          </p:style>
-        </p:cxnSp>
-        <p:cxnSp>
-          <p:nvCxnSpPr>
-            <p:cNvPr id="27" name="直線コネクタ 26"/>
-            <p:cNvCxnSpPr/>
-            <p:nvPr/>
-          </p:nvCxnSpPr>
-          <p:spPr>
-            <a:xfrm rot="5400000">
-              <a:off x="5679289" y="2821777"/>
-              <a:ext cx="1285884" cy="357190"/>
-            </a:xfrm>
-            <a:prstGeom prst="line">
-              <a:avLst/>
-            </a:prstGeom>
-            <a:ln w="76200">
-              <a:solidFill>
-                <a:schemeClr val="tx1">
-                  <a:lumMod val="75000"/>
-                  <a:lumOff val="25000"/>
-                </a:schemeClr>
-              </a:solidFill>
-            </a:ln>
-          </p:spPr>
-          <p:style>
-            <a:lnRef idx="1">
-              <a:schemeClr val="accent1"/>
-            </a:lnRef>
-            <a:fillRef idx="0">
-              <a:schemeClr val="accent1"/>
-            </a:fillRef>
-            <a:effectRef idx="0">
-              <a:schemeClr val="accent1"/>
-            </a:effectRef>
-            <a:fontRef idx="minor">
-              <a:schemeClr val="tx1"/>
-            </a:fontRef>
-          </p:style>
-        </p:cxnSp>
-        <p:cxnSp>
-          <p:nvCxnSpPr>
-            <p:cNvPr id="30" name="直線コネクタ 29"/>
-            <p:cNvCxnSpPr/>
-            <p:nvPr/>
-          </p:nvCxnSpPr>
-          <p:spPr>
-            <a:xfrm rot="5400000">
-              <a:off x="6536545" y="3321049"/>
-              <a:ext cx="713586" cy="215108"/>
-            </a:xfrm>
-            <a:prstGeom prst="line">
-              <a:avLst/>
-            </a:prstGeom>
-            <a:ln w="76200">
-              <a:solidFill>
-                <a:schemeClr val="tx1">
-                  <a:lumMod val="75000"/>
-                  <a:lumOff val="25000"/>
-                </a:schemeClr>
-              </a:solidFill>
-            </a:ln>
-          </p:spPr>
-          <p:style>
-            <a:lnRef idx="1">
-              <a:schemeClr val="accent1"/>
-            </a:lnRef>
-            <a:fillRef idx="0">
-              <a:schemeClr val="accent1"/>
-            </a:fillRef>
-            <a:effectRef idx="0">
-              <a:schemeClr val="accent1"/>
-            </a:effectRef>
-            <a:fontRef idx="minor">
-              <a:schemeClr val="tx1"/>
-            </a:fontRef>
-          </p:style>
-        </p:cxnSp>
-        <p:cxnSp>
-          <p:nvCxnSpPr>
-            <p:cNvPr id="34" name="直線コネクタ 33"/>
-            <p:cNvCxnSpPr/>
-            <p:nvPr/>
-          </p:nvCxnSpPr>
-          <p:spPr>
-            <a:xfrm rot="10800000">
-              <a:off x="7000892" y="3071810"/>
-              <a:ext cx="715968" cy="794"/>
-            </a:xfrm>
-            <a:prstGeom prst="line">
-              <a:avLst/>
-            </a:prstGeom>
-            <a:ln w="76200">
-              <a:solidFill>
-                <a:schemeClr val="tx1">
-                  <a:lumMod val="75000"/>
-                  <a:lumOff val="25000"/>
-                </a:schemeClr>
-              </a:solidFill>
-            </a:ln>
-          </p:spPr>
-          <p:style>
-            <a:lnRef idx="1">
-              <a:schemeClr val="accent1"/>
-            </a:lnRef>
-            <a:fillRef idx="0">
-              <a:schemeClr val="accent1"/>
-            </a:fillRef>
-            <a:effectRef idx="0">
-              <a:schemeClr val="accent1"/>
-            </a:effectRef>
-            <a:fontRef idx="minor">
-              <a:schemeClr val="tx1"/>
-            </a:fontRef>
-          </p:style>
-        </p:cxnSp>
-        <p:sp>
-          <p:nvSpPr>
-            <p:cNvPr id="39" name="フリーフォーム 38"/>
-            <p:cNvSpPr/>
-            <p:nvPr/>
-          </p:nvSpPr>
-          <p:spPr>
-            <a:xfrm rot="9664531">
-              <a:off x="5522925" y="2498229"/>
-              <a:ext cx="495008" cy="2107050"/>
-            </a:xfrm>
-            <a:custGeom>
-              <a:avLst/>
-              <a:gdLst>
-                <a:gd name="connsiteX0" fmla="*/ 0 w 1143008"/>
-                <a:gd name="connsiteY0" fmla="*/ 2071702 h 2643206"/>
-                <a:gd name="connsiteX1" fmla="*/ 285752 w 1143008"/>
-                <a:gd name="connsiteY1" fmla="*/ 2071702 h 2643206"/>
-                <a:gd name="connsiteX2" fmla="*/ 285752 w 1143008"/>
-                <a:gd name="connsiteY2" fmla="*/ 0 h 2643206"/>
-                <a:gd name="connsiteX3" fmla="*/ 857256 w 1143008"/>
-                <a:gd name="connsiteY3" fmla="*/ 0 h 2643206"/>
-                <a:gd name="connsiteX4" fmla="*/ 857256 w 1143008"/>
-                <a:gd name="connsiteY4" fmla="*/ 2071702 h 2643206"/>
-                <a:gd name="connsiteX5" fmla="*/ 1143008 w 1143008"/>
-                <a:gd name="connsiteY5" fmla="*/ 2071702 h 2643206"/>
-                <a:gd name="connsiteX6" fmla="*/ 571504 w 1143008"/>
-                <a:gd name="connsiteY6" fmla="*/ 2643206 h 2643206"/>
-                <a:gd name="connsiteX7" fmla="*/ 0 w 1143008"/>
-                <a:gd name="connsiteY7" fmla="*/ 2071702 h 2643206"/>
-                <a:gd name="connsiteX0" fmla="*/ 0 w 1523925"/>
-                <a:gd name="connsiteY0" fmla="*/ 2071702 h 2643206"/>
-                <a:gd name="connsiteX1" fmla="*/ 285752 w 1523925"/>
-                <a:gd name="connsiteY1" fmla="*/ 2071702 h 2643206"/>
-                <a:gd name="connsiteX2" fmla="*/ 285752 w 1523925"/>
-                <a:gd name="connsiteY2" fmla="*/ 0 h 2643206"/>
-                <a:gd name="connsiteX3" fmla="*/ 857256 w 1523925"/>
-                <a:gd name="connsiteY3" fmla="*/ 0 h 2643206"/>
-                <a:gd name="connsiteX4" fmla="*/ 857256 w 1523925"/>
-                <a:gd name="connsiteY4" fmla="*/ 2071702 h 2643206"/>
-                <a:gd name="connsiteX5" fmla="*/ 1523925 w 1523925"/>
-                <a:gd name="connsiteY5" fmla="*/ 1785926 h 2643206"/>
-                <a:gd name="connsiteX6" fmla="*/ 571504 w 1523925"/>
-                <a:gd name="connsiteY6" fmla="*/ 2643206 h 2643206"/>
-                <a:gd name="connsiteX7" fmla="*/ 0 w 1523925"/>
-                <a:gd name="connsiteY7" fmla="*/ 2071702 h 2643206"/>
-                <a:gd name="connsiteX0" fmla="*/ 0 w 1904928"/>
-                <a:gd name="connsiteY0" fmla="*/ 1714488 h 2643206"/>
-                <a:gd name="connsiteX1" fmla="*/ 666755 w 1904928"/>
-                <a:gd name="connsiteY1" fmla="*/ 2071702 h 2643206"/>
-                <a:gd name="connsiteX2" fmla="*/ 666755 w 1904928"/>
-                <a:gd name="connsiteY2" fmla="*/ 0 h 2643206"/>
-                <a:gd name="connsiteX3" fmla="*/ 1238259 w 1904928"/>
-                <a:gd name="connsiteY3" fmla="*/ 0 h 2643206"/>
-                <a:gd name="connsiteX4" fmla="*/ 1238259 w 1904928"/>
-                <a:gd name="connsiteY4" fmla="*/ 2071702 h 2643206"/>
-                <a:gd name="connsiteX5" fmla="*/ 1904928 w 1904928"/>
-                <a:gd name="connsiteY5" fmla="*/ 1785926 h 2643206"/>
-                <a:gd name="connsiteX6" fmla="*/ 952507 w 1904928"/>
-                <a:gd name="connsiteY6" fmla="*/ 2643206 h 2643206"/>
-                <a:gd name="connsiteX7" fmla="*/ 0 w 1904928"/>
-                <a:gd name="connsiteY7" fmla="*/ 1714488 h 2643206"/>
-                <a:gd name="connsiteX0" fmla="*/ 0 w 1904928"/>
-                <a:gd name="connsiteY0" fmla="*/ 1714488 h 2643206"/>
-                <a:gd name="connsiteX1" fmla="*/ 666755 w 1904928"/>
-                <a:gd name="connsiteY1" fmla="*/ 2071702 h 2643206"/>
-                <a:gd name="connsiteX2" fmla="*/ 666755 w 1904928"/>
-                <a:gd name="connsiteY2" fmla="*/ 0 h 2643206"/>
-                <a:gd name="connsiteX3" fmla="*/ 1238259 w 1904928"/>
-                <a:gd name="connsiteY3" fmla="*/ 0 h 2643206"/>
-                <a:gd name="connsiteX4" fmla="*/ 1238259 w 1904928"/>
-                <a:gd name="connsiteY4" fmla="*/ 2000240 h 2643206"/>
-                <a:gd name="connsiteX5" fmla="*/ 1904928 w 1904928"/>
-                <a:gd name="connsiteY5" fmla="*/ 1785926 h 2643206"/>
-                <a:gd name="connsiteX6" fmla="*/ 952507 w 1904928"/>
-                <a:gd name="connsiteY6" fmla="*/ 2643206 h 2643206"/>
-                <a:gd name="connsiteX7" fmla="*/ 0 w 1904928"/>
-                <a:gd name="connsiteY7" fmla="*/ 1714488 h 2643206"/>
-                <a:gd name="connsiteX0" fmla="*/ 0 w 1904928"/>
-                <a:gd name="connsiteY0" fmla="*/ 1714488 h 2643206"/>
-                <a:gd name="connsiteX1" fmla="*/ 666755 w 1904928"/>
-                <a:gd name="connsiteY1" fmla="*/ 2000240 h 2643206"/>
-                <a:gd name="connsiteX2" fmla="*/ 666755 w 1904928"/>
-                <a:gd name="connsiteY2" fmla="*/ 0 h 2643206"/>
-                <a:gd name="connsiteX3" fmla="*/ 1238259 w 1904928"/>
-                <a:gd name="connsiteY3" fmla="*/ 0 h 2643206"/>
-                <a:gd name="connsiteX4" fmla="*/ 1238259 w 1904928"/>
-                <a:gd name="connsiteY4" fmla="*/ 2000240 h 2643206"/>
-                <a:gd name="connsiteX5" fmla="*/ 1904928 w 1904928"/>
-                <a:gd name="connsiteY5" fmla="*/ 1785926 h 2643206"/>
-                <a:gd name="connsiteX6" fmla="*/ 952507 w 1904928"/>
-                <a:gd name="connsiteY6" fmla="*/ 2643206 h 2643206"/>
-                <a:gd name="connsiteX7" fmla="*/ 0 w 1904928"/>
-                <a:gd name="connsiteY7" fmla="*/ 1714488 h 2643206"/>
-              </a:gdLst>
-              <a:ahLst/>
-              <a:cxnLst>
-                <a:cxn ang="0">
-                  <a:pos x="connsiteX0" y="connsiteY0"/>
-                </a:cxn>
-                <a:cxn ang="0">
-                  <a:pos x="connsiteX1" y="connsiteY1"/>
-                </a:cxn>
-                <a:cxn ang="0">
-                  <a:pos x="connsiteX2" y="connsiteY2"/>
-                </a:cxn>
-                <a:cxn ang="0">
-                  <a:pos x="connsiteX3" y="connsiteY3"/>
-                </a:cxn>
-                <a:cxn ang="0">
-                  <a:pos x="connsiteX4" y="connsiteY4"/>
-                </a:cxn>
-                <a:cxn ang="0">
-                  <a:pos x="connsiteX5" y="connsiteY5"/>
-                </a:cxn>
-                <a:cxn ang="0">
-                  <a:pos x="connsiteX6" y="connsiteY6"/>
-                </a:cxn>
-                <a:cxn ang="0">
-                  <a:pos x="connsiteX7" y="connsiteY7"/>
-                </a:cxn>
-              </a:cxnLst>
-              <a:rect l="l" t="t" r="r" b="b"/>
-              <a:pathLst>
-                <a:path w="1904928" h="2643206">
-                  <a:moveTo>
-                    <a:pt x="0" y="1714488"/>
-                  </a:moveTo>
-                  <a:lnTo>
-                    <a:pt x="666755" y="2000240"/>
-                  </a:lnTo>
-                  <a:lnTo>
-                    <a:pt x="666755" y="0"/>
-                  </a:lnTo>
-                  <a:lnTo>
-                    <a:pt x="1238259" y="0"/>
-                  </a:lnTo>
-                  <a:lnTo>
-                    <a:pt x="1238259" y="2000240"/>
-                  </a:lnTo>
-                  <a:lnTo>
-                    <a:pt x="1904928" y="1785926"/>
-                  </a:lnTo>
-                  <a:lnTo>
-                    <a:pt x="952507" y="2643206"/>
-                  </a:lnTo>
-                  <a:lnTo>
-                    <a:pt x="0" y="1714488"/>
-                  </a:lnTo>
-                  <a:close/>
-                </a:path>
-              </a:pathLst>
-            </a:custGeom>
-            <a:solidFill>
-              <a:schemeClr val="accent2"/>
-            </a:solidFill>
+            <a:grpFill/>
             <a:ln>
-              <a:solidFill>
-                <a:srgbClr val="C00000"/>
-              </a:solidFill>
+              <a:noFill/>
             </a:ln>
           </p:spPr>
           <p:style>
@@ -5802,260 +3801,21 @@
         </p:sp>
         <p:sp>
           <p:nvSpPr>
-            <p:cNvPr id="43" name="正方形/長方形 42"/>
+            <p:cNvPr id="34" name="正方形/長方形 33"/>
             <p:cNvSpPr/>
             <p:nvPr/>
           </p:nvSpPr>
           <p:spPr>
-            <a:xfrm rot="1224427">
-              <a:off x="6388681" y="2612672"/>
-              <a:ext cx="180000" cy="1972225"/>
+            <a:xfrm rot="18900000">
+              <a:off x="1639198" y="5573823"/>
+              <a:ext cx="1071570" cy="142876"/>
             </a:xfrm>
             <a:prstGeom prst="rect">
               <a:avLst/>
             </a:prstGeom>
-            <a:solidFill>
-              <a:schemeClr val="accent2"/>
-            </a:solidFill>
+            <a:grpFill/>
             <a:ln>
-              <a:solidFill>
-                <a:srgbClr val="C00000"/>
-              </a:solidFill>
-            </a:ln>
-          </p:spPr>
-          <p:style>
-            <a:lnRef idx="2">
-              <a:schemeClr val="accent1">
-                <a:shade val="50000"/>
-              </a:schemeClr>
-            </a:lnRef>
-            <a:fillRef idx="1">
-              <a:schemeClr val="accent1"/>
-            </a:fillRef>
-            <a:effectRef idx="0">
-              <a:schemeClr val="accent1"/>
-            </a:effectRef>
-            <a:fontRef idx="minor">
-              <a:schemeClr val="lt1"/>
-            </a:fontRef>
-          </p:style>
-          <p:txBody>
-            <a:bodyPr rtlCol="0" anchor="ctr"/>
-            <a:lstStyle/>
-            <a:p>
-              <a:pPr algn="ctr"/>
-              <a:endParaRPr kumimoji="1" lang="ja-JP" altLang="en-US"/>
-            </a:p>
-          </p:txBody>
-        </p:sp>
-        <p:sp>
-          <p:nvSpPr>
-            <p:cNvPr id="42" name="フリーフォーム 41"/>
-            <p:cNvSpPr/>
-            <p:nvPr/>
-          </p:nvSpPr>
-          <p:spPr>
-            <a:xfrm rot="16200000">
-              <a:off x="7000695" y="2206149"/>
-              <a:ext cx="495008" cy="1049042"/>
-            </a:xfrm>
-            <a:custGeom>
-              <a:avLst/>
-              <a:gdLst>
-                <a:gd name="connsiteX0" fmla="*/ 0 w 1143008"/>
-                <a:gd name="connsiteY0" fmla="*/ 2071702 h 2643206"/>
-                <a:gd name="connsiteX1" fmla="*/ 285752 w 1143008"/>
-                <a:gd name="connsiteY1" fmla="*/ 2071702 h 2643206"/>
-                <a:gd name="connsiteX2" fmla="*/ 285752 w 1143008"/>
-                <a:gd name="connsiteY2" fmla="*/ 0 h 2643206"/>
-                <a:gd name="connsiteX3" fmla="*/ 857256 w 1143008"/>
-                <a:gd name="connsiteY3" fmla="*/ 0 h 2643206"/>
-                <a:gd name="connsiteX4" fmla="*/ 857256 w 1143008"/>
-                <a:gd name="connsiteY4" fmla="*/ 2071702 h 2643206"/>
-                <a:gd name="connsiteX5" fmla="*/ 1143008 w 1143008"/>
-                <a:gd name="connsiteY5" fmla="*/ 2071702 h 2643206"/>
-                <a:gd name="connsiteX6" fmla="*/ 571504 w 1143008"/>
-                <a:gd name="connsiteY6" fmla="*/ 2643206 h 2643206"/>
-                <a:gd name="connsiteX7" fmla="*/ 0 w 1143008"/>
-                <a:gd name="connsiteY7" fmla="*/ 2071702 h 2643206"/>
-                <a:gd name="connsiteX0" fmla="*/ 0 w 1523925"/>
-                <a:gd name="connsiteY0" fmla="*/ 2071702 h 2643206"/>
-                <a:gd name="connsiteX1" fmla="*/ 285752 w 1523925"/>
-                <a:gd name="connsiteY1" fmla="*/ 2071702 h 2643206"/>
-                <a:gd name="connsiteX2" fmla="*/ 285752 w 1523925"/>
-                <a:gd name="connsiteY2" fmla="*/ 0 h 2643206"/>
-                <a:gd name="connsiteX3" fmla="*/ 857256 w 1523925"/>
-                <a:gd name="connsiteY3" fmla="*/ 0 h 2643206"/>
-                <a:gd name="connsiteX4" fmla="*/ 857256 w 1523925"/>
-                <a:gd name="connsiteY4" fmla="*/ 2071702 h 2643206"/>
-                <a:gd name="connsiteX5" fmla="*/ 1523925 w 1523925"/>
-                <a:gd name="connsiteY5" fmla="*/ 1785926 h 2643206"/>
-                <a:gd name="connsiteX6" fmla="*/ 571504 w 1523925"/>
-                <a:gd name="connsiteY6" fmla="*/ 2643206 h 2643206"/>
-                <a:gd name="connsiteX7" fmla="*/ 0 w 1523925"/>
-                <a:gd name="connsiteY7" fmla="*/ 2071702 h 2643206"/>
-                <a:gd name="connsiteX0" fmla="*/ 0 w 1904928"/>
-                <a:gd name="connsiteY0" fmla="*/ 1714488 h 2643206"/>
-                <a:gd name="connsiteX1" fmla="*/ 666755 w 1904928"/>
-                <a:gd name="connsiteY1" fmla="*/ 2071702 h 2643206"/>
-                <a:gd name="connsiteX2" fmla="*/ 666755 w 1904928"/>
-                <a:gd name="connsiteY2" fmla="*/ 0 h 2643206"/>
-                <a:gd name="connsiteX3" fmla="*/ 1238259 w 1904928"/>
-                <a:gd name="connsiteY3" fmla="*/ 0 h 2643206"/>
-                <a:gd name="connsiteX4" fmla="*/ 1238259 w 1904928"/>
-                <a:gd name="connsiteY4" fmla="*/ 2071702 h 2643206"/>
-                <a:gd name="connsiteX5" fmla="*/ 1904928 w 1904928"/>
-                <a:gd name="connsiteY5" fmla="*/ 1785926 h 2643206"/>
-                <a:gd name="connsiteX6" fmla="*/ 952507 w 1904928"/>
-                <a:gd name="connsiteY6" fmla="*/ 2643206 h 2643206"/>
-                <a:gd name="connsiteX7" fmla="*/ 0 w 1904928"/>
-                <a:gd name="connsiteY7" fmla="*/ 1714488 h 2643206"/>
-                <a:gd name="connsiteX0" fmla="*/ 0 w 1904928"/>
-                <a:gd name="connsiteY0" fmla="*/ 1714488 h 2643206"/>
-                <a:gd name="connsiteX1" fmla="*/ 666755 w 1904928"/>
-                <a:gd name="connsiteY1" fmla="*/ 2071702 h 2643206"/>
-                <a:gd name="connsiteX2" fmla="*/ 666755 w 1904928"/>
-                <a:gd name="connsiteY2" fmla="*/ 0 h 2643206"/>
-                <a:gd name="connsiteX3" fmla="*/ 1238259 w 1904928"/>
-                <a:gd name="connsiteY3" fmla="*/ 0 h 2643206"/>
-                <a:gd name="connsiteX4" fmla="*/ 1238259 w 1904928"/>
-                <a:gd name="connsiteY4" fmla="*/ 2000240 h 2643206"/>
-                <a:gd name="connsiteX5" fmla="*/ 1904928 w 1904928"/>
-                <a:gd name="connsiteY5" fmla="*/ 1785926 h 2643206"/>
-                <a:gd name="connsiteX6" fmla="*/ 952507 w 1904928"/>
-                <a:gd name="connsiteY6" fmla="*/ 2643206 h 2643206"/>
-                <a:gd name="connsiteX7" fmla="*/ 0 w 1904928"/>
-                <a:gd name="connsiteY7" fmla="*/ 1714488 h 2643206"/>
-                <a:gd name="connsiteX0" fmla="*/ 0 w 1904928"/>
-                <a:gd name="connsiteY0" fmla="*/ 1714488 h 2643206"/>
-                <a:gd name="connsiteX1" fmla="*/ 666755 w 1904928"/>
-                <a:gd name="connsiteY1" fmla="*/ 2000240 h 2643206"/>
-                <a:gd name="connsiteX2" fmla="*/ 666755 w 1904928"/>
-                <a:gd name="connsiteY2" fmla="*/ 0 h 2643206"/>
-                <a:gd name="connsiteX3" fmla="*/ 1238259 w 1904928"/>
-                <a:gd name="connsiteY3" fmla="*/ 0 h 2643206"/>
-                <a:gd name="connsiteX4" fmla="*/ 1238259 w 1904928"/>
-                <a:gd name="connsiteY4" fmla="*/ 2000240 h 2643206"/>
-                <a:gd name="connsiteX5" fmla="*/ 1904928 w 1904928"/>
-                <a:gd name="connsiteY5" fmla="*/ 1785926 h 2643206"/>
-                <a:gd name="connsiteX6" fmla="*/ 952507 w 1904928"/>
-                <a:gd name="connsiteY6" fmla="*/ 2643206 h 2643206"/>
-                <a:gd name="connsiteX7" fmla="*/ 0 w 1904928"/>
-                <a:gd name="connsiteY7" fmla="*/ 1714488 h 2643206"/>
-              </a:gdLst>
-              <a:ahLst/>
-              <a:cxnLst>
-                <a:cxn ang="0">
-                  <a:pos x="connsiteX0" y="connsiteY0"/>
-                </a:cxn>
-                <a:cxn ang="0">
-                  <a:pos x="connsiteX1" y="connsiteY1"/>
-                </a:cxn>
-                <a:cxn ang="0">
-                  <a:pos x="connsiteX2" y="connsiteY2"/>
-                </a:cxn>
-                <a:cxn ang="0">
-                  <a:pos x="connsiteX3" y="connsiteY3"/>
-                </a:cxn>
-                <a:cxn ang="0">
-                  <a:pos x="connsiteX4" y="connsiteY4"/>
-                </a:cxn>
-                <a:cxn ang="0">
-                  <a:pos x="connsiteX5" y="connsiteY5"/>
-                </a:cxn>
-                <a:cxn ang="0">
-                  <a:pos x="connsiteX6" y="connsiteY6"/>
-                </a:cxn>
-                <a:cxn ang="0">
-                  <a:pos x="connsiteX7" y="connsiteY7"/>
-                </a:cxn>
-              </a:cxnLst>
-              <a:rect l="l" t="t" r="r" b="b"/>
-              <a:pathLst>
-                <a:path w="1904928" h="2643206">
-                  <a:moveTo>
-                    <a:pt x="0" y="1714488"/>
-                  </a:moveTo>
-                  <a:lnTo>
-                    <a:pt x="666755" y="2000240"/>
-                  </a:lnTo>
-                  <a:lnTo>
-                    <a:pt x="666755" y="0"/>
-                  </a:lnTo>
-                  <a:lnTo>
-                    <a:pt x="1238259" y="0"/>
-                  </a:lnTo>
-                  <a:lnTo>
-                    <a:pt x="1238259" y="2000240"/>
-                  </a:lnTo>
-                  <a:lnTo>
-                    <a:pt x="1904928" y="1785926"/>
-                  </a:lnTo>
-                  <a:lnTo>
-                    <a:pt x="952507" y="2643206"/>
-                  </a:lnTo>
-                  <a:lnTo>
-                    <a:pt x="0" y="1714488"/>
-                  </a:lnTo>
-                  <a:close/>
-                </a:path>
-              </a:pathLst>
-            </a:custGeom>
-            <a:solidFill>
-              <a:schemeClr val="accent2"/>
-            </a:solidFill>
-            <a:ln>
-              <a:solidFill>
-                <a:srgbClr val="C00000"/>
-              </a:solidFill>
-            </a:ln>
-          </p:spPr>
-          <p:style>
-            <a:lnRef idx="2">
-              <a:schemeClr val="accent1">
-                <a:shade val="50000"/>
-              </a:schemeClr>
-            </a:lnRef>
-            <a:fillRef idx="1">
-              <a:schemeClr val="accent1"/>
-            </a:fillRef>
-            <a:effectRef idx="0">
-              <a:schemeClr val="accent1"/>
-            </a:effectRef>
-            <a:fontRef idx="minor">
-              <a:schemeClr val="lt1"/>
-            </a:fontRef>
-          </p:style>
-          <p:txBody>
-            <a:bodyPr rtlCol="0" anchor="ctr"/>
-            <a:lstStyle/>
-            <a:p>
-              <a:pPr algn="ctr"/>
-              <a:endParaRPr kumimoji="1" lang="ja-JP" altLang="en-US"/>
-            </a:p>
-          </p:txBody>
-        </p:sp>
-        <p:sp>
-          <p:nvSpPr>
-            <p:cNvPr id="41" name="正方形/長方形 40"/>
-            <p:cNvSpPr/>
-            <p:nvPr/>
-          </p:nvSpPr>
-          <p:spPr>
-            <a:xfrm>
-              <a:off x="6029324" y="4313548"/>
-              <a:ext cx="180000" cy="1210304"/>
-            </a:xfrm>
-            <a:prstGeom prst="rect">
-              <a:avLst/>
-            </a:prstGeom>
-            <a:solidFill>
-              <a:schemeClr val="accent2"/>
-            </a:solidFill>
-            <a:ln>
-              <a:solidFill>
-                <a:srgbClr val="C00000"/>
-              </a:solidFill>
+              <a:noFill/>
             </a:ln>
           </p:spPr>
           <p:style>
@@ -6086,14 +3846,1347 @@
       </p:grpSp>
       <p:sp>
         <p:nvSpPr>
-          <p:cNvPr id="47" name="右矢印 46"/>
+          <p:cNvPr id="37" name="ドーナツ 36"/>
           <p:cNvSpPr/>
           <p:nvPr/>
         </p:nvSpPr>
         <p:spPr>
           <a:xfrm>
-            <a:off x="3929058" y="4213230"/>
-            <a:ext cx="428628" cy="785818"/>
+            <a:off x="6429388" y="5500702"/>
+            <a:ext cx="1071570" cy="1071570"/>
+          </a:xfrm>
+          <a:prstGeom prst="donut">
+            <a:avLst/>
+          </a:prstGeom>
+          <a:solidFill>
+            <a:srgbClr val="00B050"/>
+          </a:solidFill>
+          <a:ln>
+            <a:noFill/>
+          </a:ln>
+        </p:spPr>
+        <p:style>
+          <a:lnRef idx="2">
+            <a:schemeClr val="accent1">
+              <a:shade val="50000"/>
+            </a:schemeClr>
+          </a:lnRef>
+          <a:fillRef idx="1">
+            <a:schemeClr val="accent1"/>
+          </a:fillRef>
+          <a:effectRef idx="0">
+            <a:schemeClr val="accent1"/>
+          </a:effectRef>
+          <a:fontRef idx="minor">
+            <a:schemeClr val="lt1"/>
+          </a:fontRef>
+        </p:style>
+        <p:txBody>
+          <a:bodyPr rtlCol="0" anchor="ctr"/>
+          <a:lstStyle/>
+          <a:p>
+            <a:pPr algn="ctr"/>
+            <a:endParaRPr kumimoji="1" lang="ja-JP" altLang="en-US">
+              <a:solidFill>
+                <a:schemeClr val="tx1"/>
+              </a:solidFill>
+            </a:endParaRPr>
+          </a:p>
+        </p:txBody>
+      </p:sp>
+      <p:sp>
+        <p:nvSpPr>
+          <p:cNvPr id="38" name="コンテンツ プレースホルダ 2"/>
+          <p:cNvSpPr txBox="1">
+            <a:spLocks/>
+          </p:cNvSpPr>
+          <p:nvPr/>
+        </p:nvSpPr>
+        <p:spPr>
+          <a:xfrm>
+            <a:off x="1285852" y="4429132"/>
+            <a:ext cx="2357454" cy="642942"/>
+          </a:xfrm>
+          <a:prstGeom prst="rect">
+            <a:avLst/>
+          </a:prstGeom>
+        </p:spPr>
+        <p:txBody>
+          <a:bodyPr vert="horz" lIns="91440" tIns="45720" rIns="91440" bIns="45720" rtlCol="0">
+            <a:normAutofit fontScale="92500" lnSpcReduction="20000"/>
+          </a:bodyPr>
+          <a:lstStyle/>
+          <a:p>
+            <a:pPr marL="342900" marR="0" lvl="0" indent="-342900" algn="ctr" defTabSz="914400" rtl="0" eaLnBrk="1" fontAlgn="auto" latinLnBrk="0" hangingPunct="1">
+              <a:lnSpc>
+                <a:spcPct val="100000"/>
+              </a:lnSpc>
+              <a:spcBef>
+                <a:spcPct val="20000"/>
+              </a:spcBef>
+              <a:spcAft>
+                <a:spcPts val="0"/>
+              </a:spcAft>
+              <a:buClrTx/>
+              <a:buSzTx/>
+              <a:buFont typeface="Arial" pitchFamily="34" charset="0"/>
+              <a:buNone/>
+              <a:tabLst/>
+              <a:defRPr/>
+            </a:pPr>
+            <a:r>
+              <a:rPr kumimoji="1" lang="ja-JP" altLang="en-US" sz="2000" b="0" i="0" u="none" strike="noStrike" kern="1200" cap="none" spc="0" normalizeH="0" baseline="0" noProof="0" dirty="0" smtClean="0">
+                <a:ln>
+                  <a:noFill/>
+                </a:ln>
+                <a:solidFill>
+                  <a:schemeClr val="accent3">
+                    <a:lumMod val="50000"/>
+                  </a:schemeClr>
+                </a:solidFill>
+                <a:effectLst/>
+                <a:uLnTx/>
+                <a:uFillTx/>
+                <a:latin typeface="+mn-lt"/>
+                <a:ea typeface="+mn-ea"/>
+                <a:cs typeface="+mn-cs"/>
+              </a:rPr>
+              <a:t>操作に習熟のいる</a:t>
+            </a:r>
+            <a:endParaRPr kumimoji="1" lang="en-US" altLang="ja-JP" sz="2000" b="0" i="0" u="none" strike="noStrike" kern="1200" cap="none" spc="0" normalizeH="0" baseline="0" noProof="0" dirty="0" smtClean="0">
+              <a:ln>
+                <a:noFill/>
+              </a:ln>
+              <a:solidFill>
+                <a:schemeClr val="accent3">
+                  <a:lumMod val="50000"/>
+                </a:schemeClr>
+              </a:solidFill>
+              <a:effectLst/>
+              <a:uLnTx/>
+              <a:uFillTx/>
+              <a:latin typeface="+mn-lt"/>
+              <a:ea typeface="+mn-ea"/>
+              <a:cs typeface="+mn-cs"/>
+            </a:endParaRPr>
+          </a:p>
+          <a:p>
+            <a:pPr marL="342900" marR="0" lvl="0" indent="-342900" algn="ctr" defTabSz="914400" rtl="0" eaLnBrk="1" fontAlgn="auto" latinLnBrk="0" hangingPunct="1">
+              <a:lnSpc>
+                <a:spcPct val="100000"/>
+              </a:lnSpc>
+              <a:spcBef>
+                <a:spcPct val="20000"/>
+              </a:spcBef>
+              <a:spcAft>
+                <a:spcPts val="0"/>
+              </a:spcAft>
+              <a:buClrTx/>
+              <a:buSzTx/>
+              <a:buFont typeface="Arial" pitchFamily="34" charset="0"/>
+              <a:buNone/>
+              <a:tabLst/>
+              <a:defRPr/>
+            </a:pPr>
+            <a:r>
+              <a:rPr kumimoji="1" lang="ja-JP" altLang="en-US" sz="2000" b="0" i="0" u="none" strike="noStrike" kern="1200" cap="none" spc="0" normalizeH="0" baseline="0" noProof="0" dirty="0" smtClean="0">
+                <a:ln>
+                  <a:noFill/>
+                </a:ln>
+                <a:solidFill>
+                  <a:schemeClr val="accent3">
+                    <a:lumMod val="50000"/>
+                  </a:schemeClr>
+                </a:solidFill>
+                <a:effectLst/>
+                <a:uLnTx/>
+                <a:uFillTx/>
+                <a:latin typeface="+mn-lt"/>
+                <a:ea typeface="+mn-ea"/>
+                <a:cs typeface="+mn-cs"/>
+              </a:rPr>
+              <a:t>アクション</a:t>
+            </a:r>
+            <a:endParaRPr kumimoji="1" lang="ja-JP" altLang="en-US" sz="2000" b="0" i="0" u="none" strike="noStrike" kern="1200" cap="none" spc="0" normalizeH="0" baseline="0" noProof="0" dirty="0">
+              <a:ln>
+                <a:noFill/>
+              </a:ln>
+              <a:solidFill>
+                <a:schemeClr val="accent3">
+                  <a:lumMod val="50000"/>
+                </a:schemeClr>
+              </a:solidFill>
+              <a:effectLst/>
+              <a:uLnTx/>
+              <a:uFillTx/>
+              <a:latin typeface="+mn-lt"/>
+              <a:ea typeface="+mn-ea"/>
+              <a:cs typeface="+mn-cs"/>
+            </a:endParaRPr>
+          </a:p>
+        </p:txBody>
+      </p:sp>
+      <p:sp>
+        <p:nvSpPr>
+          <p:cNvPr id="39" name="コンテンツ プレースホルダ 2"/>
+          <p:cNvSpPr txBox="1">
+            <a:spLocks/>
+          </p:cNvSpPr>
+          <p:nvPr/>
+        </p:nvSpPr>
+        <p:spPr>
+          <a:xfrm>
+            <a:off x="5786446" y="4429132"/>
+            <a:ext cx="2357454" cy="642942"/>
+          </a:xfrm>
+          <a:prstGeom prst="rect">
+            <a:avLst/>
+          </a:prstGeom>
+        </p:spPr>
+        <p:txBody>
+          <a:bodyPr vert="horz" lIns="91440" tIns="45720" rIns="91440" bIns="45720" rtlCol="0">
+            <a:normAutofit fontScale="85000" lnSpcReduction="10000"/>
+          </a:bodyPr>
+          <a:lstStyle/>
+          <a:p>
+            <a:pPr marL="342900" marR="0" lvl="0" indent="-342900" algn="ctr" defTabSz="914400" rtl="0" eaLnBrk="1" fontAlgn="auto" latinLnBrk="0" hangingPunct="1">
+              <a:lnSpc>
+                <a:spcPct val="100000"/>
+              </a:lnSpc>
+              <a:spcBef>
+                <a:spcPct val="20000"/>
+              </a:spcBef>
+              <a:spcAft>
+                <a:spcPts val="0"/>
+              </a:spcAft>
+              <a:buClrTx/>
+              <a:buSzTx/>
+              <a:buFont typeface="Arial" pitchFamily="34" charset="0"/>
+              <a:buNone/>
+              <a:tabLst/>
+              <a:defRPr/>
+            </a:pPr>
+            <a:r>
+              <a:rPr lang="ja-JP" altLang="en-US" sz="2000" dirty="0" smtClean="0">
+                <a:solidFill>
+                  <a:schemeClr val="accent3">
+                    <a:lumMod val="50000"/>
+                  </a:schemeClr>
+                </a:solidFill>
+              </a:rPr>
+              <a:t>ゆったり</a:t>
+            </a:r>
+            <a:r>
+              <a:rPr lang="ja-JP" altLang="en-US" sz="2000" dirty="0" smtClean="0">
+                <a:solidFill>
+                  <a:schemeClr val="accent3">
+                    <a:lumMod val="50000"/>
+                  </a:schemeClr>
+                </a:solidFill>
+              </a:rPr>
+              <a:t>と物語を楽しむ</a:t>
+            </a:r>
+            <a:endParaRPr lang="en-US" altLang="ja-JP" sz="2000" dirty="0" smtClean="0">
+              <a:solidFill>
+                <a:schemeClr val="accent3">
+                  <a:lumMod val="50000"/>
+                </a:schemeClr>
+              </a:solidFill>
+            </a:endParaRPr>
+          </a:p>
+          <a:p>
+            <a:pPr marL="342900" marR="0" lvl="0" indent="-342900" algn="ctr" defTabSz="914400" rtl="0" eaLnBrk="1" fontAlgn="auto" latinLnBrk="0" hangingPunct="1">
+              <a:lnSpc>
+                <a:spcPct val="100000"/>
+              </a:lnSpc>
+              <a:spcBef>
+                <a:spcPct val="20000"/>
+              </a:spcBef>
+              <a:spcAft>
+                <a:spcPts val="0"/>
+              </a:spcAft>
+              <a:buClrTx/>
+              <a:buSzTx/>
+              <a:buFont typeface="Arial" pitchFamily="34" charset="0"/>
+              <a:buNone/>
+              <a:tabLst/>
+              <a:defRPr/>
+            </a:pPr>
+            <a:r>
+              <a:rPr kumimoji="1" lang="ja-JP" altLang="en-US" sz="2000" b="0" i="0" u="none" strike="noStrike" kern="1200" cap="none" spc="0" normalizeH="0" baseline="0" noProof="0" dirty="0" smtClean="0">
+                <a:ln>
+                  <a:noFill/>
+                </a:ln>
+                <a:solidFill>
+                  <a:schemeClr val="accent3">
+                    <a:lumMod val="50000"/>
+                  </a:schemeClr>
+                </a:solidFill>
+                <a:effectLst/>
+                <a:uLnTx/>
+                <a:uFillTx/>
+                <a:latin typeface="+mn-lt"/>
+                <a:ea typeface="+mn-ea"/>
+                <a:cs typeface="+mn-cs"/>
+              </a:rPr>
+              <a:t>アドベンチャー</a:t>
+            </a:r>
+            <a:endParaRPr kumimoji="1" lang="ja-JP" altLang="en-US" sz="2000" b="0" i="0" u="none" strike="noStrike" kern="1200" cap="none" spc="0" normalizeH="0" baseline="0" noProof="0" dirty="0">
+              <a:ln>
+                <a:noFill/>
+              </a:ln>
+              <a:solidFill>
+                <a:schemeClr val="accent3">
+                  <a:lumMod val="50000"/>
+                </a:schemeClr>
+              </a:solidFill>
+              <a:effectLst/>
+              <a:uLnTx/>
+              <a:uFillTx/>
+              <a:latin typeface="+mn-lt"/>
+              <a:ea typeface="+mn-ea"/>
+              <a:cs typeface="+mn-cs"/>
+            </a:endParaRPr>
+          </a:p>
+        </p:txBody>
+      </p:sp>
+    </p:spTree>
+  </p:cSld>
+  <p:clrMapOvr>
+    <a:masterClrMapping/>
+  </p:clrMapOvr>
+</p:sld>
+</file>
+
+<file path=ppt/slides/slide3.xml><?xml version="1.0" encoding="utf-8"?>
+<p:sld xmlns:a="http://schemas.openxmlformats.org/drawingml/2006/main" xmlns:r="http://schemas.openxmlformats.org/officeDocument/2006/relationships" xmlns:p="http://schemas.openxmlformats.org/presentationml/2006/main">
+  <p:cSld>
+    <p:spTree>
+      <p:nvGrpSpPr>
+        <p:cNvPr id="1" name=""/>
+        <p:cNvGrpSpPr/>
+        <p:nvPr/>
+      </p:nvGrpSpPr>
+      <p:grpSpPr>
+        <a:xfrm>
+          <a:off x="0" y="0"/>
+          <a:ext cx="0" cy="0"/>
+          <a:chOff x="0" y="0"/>
+          <a:chExt cx="0" cy="0"/>
+        </a:xfrm>
+      </p:grpSpPr>
+      <p:sp>
+        <p:nvSpPr>
+          <p:cNvPr id="2" name="タイトル 1"/>
+          <p:cNvSpPr>
+            <a:spLocks noGrp="1"/>
+          </p:cNvSpPr>
+          <p:nvPr>
+            <p:ph type="title"/>
+          </p:nvPr>
+        </p:nvSpPr>
+        <p:spPr/>
+        <p:txBody>
+          <a:bodyPr/>
+          <a:lstStyle/>
+          <a:p>
+            <a:pPr algn="l"/>
+            <a:r>
+              <a:rPr kumimoji="1" lang="ja-JP" altLang="en-US" dirty="0" smtClean="0">
+                <a:solidFill>
+                  <a:srgbClr val="FF0000"/>
+                </a:solidFill>
+              </a:rPr>
+              <a:t>完成イメージ</a:t>
+            </a:r>
+            <a:endParaRPr kumimoji="1" lang="ja-JP" altLang="en-US" dirty="0">
+              <a:solidFill>
+                <a:srgbClr val="FF0000"/>
+              </a:solidFill>
+            </a:endParaRPr>
+          </a:p>
+        </p:txBody>
+      </p:sp>
+      <p:pic>
+        <p:nvPicPr>
+          <p:cNvPr id="4" name="コンテンツ プレースホルダ 3" descr="463087.jpg"/>
+          <p:cNvPicPr>
+            <a:picLocks noGrp="1" noChangeAspect="1"/>
+          </p:cNvPicPr>
+          <p:nvPr>
+            <p:ph idx="1"/>
+          </p:nvPr>
+        </p:nvPicPr>
+        <p:blipFill>
+          <a:blip r:embed="rId2"/>
+          <a:stretch>
+            <a:fillRect/>
+          </a:stretch>
+        </p:blipFill>
+        <p:spPr>
+          <a:xfrm>
+            <a:off x="500035" y="1500174"/>
+            <a:ext cx="2444768" cy="1527980"/>
+          </a:xfrm>
+        </p:spPr>
+      </p:pic>
+      <p:sp>
+        <p:nvSpPr>
+          <p:cNvPr id="5" name="コンテンツ プレースホルダ 2"/>
+          <p:cNvSpPr txBox="1">
+            <a:spLocks/>
+          </p:cNvSpPr>
+          <p:nvPr/>
+        </p:nvSpPr>
+        <p:spPr>
+          <a:xfrm>
+            <a:off x="5286380" y="5500702"/>
+            <a:ext cx="3857620" cy="400064"/>
+          </a:xfrm>
+          <a:prstGeom prst="rect">
+            <a:avLst/>
+          </a:prstGeom>
+        </p:spPr>
+        <p:txBody>
+          <a:bodyPr vert="horz" lIns="91440" tIns="45720" rIns="91440" bIns="45720" rtlCol="0">
+            <a:noAutofit/>
+          </a:bodyPr>
+          <a:lstStyle/>
+          <a:p>
+            <a:pPr marL="342900" marR="0" lvl="0" indent="-342900" algn="ctr" defTabSz="914400" rtl="0" eaLnBrk="1" fontAlgn="auto" latinLnBrk="0" hangingPunct="1">
+              <a:lnSpc>
+                <a:spcPct val="100000"/>
+              </a:lnSpc>
+              <a:spcBef>
+                <a:spcPct val="20000"/>
+              </a:spcBef>
+              <a:spcAft>
+                <a:spcPts val="0"/>
+              </a:spcAft>
+              <a:buClrTx/>
+              <a:buSzTx/>
+              <a:buFont typeface="Arial" pitchFamily="34" charset="0"/>
+              <a:buNone/>
+              <a:tabLst/>
+              <a:defRPr/>
+            </a:pPr>
+            <a:r>
+              <a:rPr kumimoji="1" lang="en-US" altLang="ja-JP" sz="2000" b="0" i="0" u="none" strike="noStrike" kern="1200" cap="none" spc="0" normalizeH="0" baseline="0" noProof="0" dirty="0" err="1" smtClean="0">
+                <a:ln>
+                  <a:noFill/>
+                </a:ln>
+                <a:solidFill>
+                  <a:schemeClr val="tx1">
+                    <a:lumMod val="65000"/>
+                    <a:lumOff val="35000"/>
+                  </a:schemeClr>
+                </a:solidFill>
+                <a:effectLst/>
+                <a:uLnTx/>
+                <a:uFillTx/>
+                <a:latin typeface="+mn-lt"/>
+                <a:ea typeface="+mn-ea"/>
+                <a:cs typeface="+mn-cs"/>
+              </a:rPr>
+              <a:t>Carto</a:t>
+            </a:r>
+            <a:r>
+              <a:rPr kumimoji="1" lang="en-US" altLang="ja-JP" sz="2000" b="0" i="0" u="none" strike="noStrike" kern="1200" cap="none" spc="0" normalizeH="0" baseline="0" noProof="0" dirty="0" smtClean="0">
+                <a:ln>
+                  <a:noFill/>
+                </a:ln>
+                <a:solidFill>
+                  <a:schemeClr val="tx1">
+                    <a:lumMod val="65000"/>
+                    <a:lumOff val="35000"/>
+                  </a:schemeClr>
+                </a:solidFill>
+                <a:effectLst/>
+                <a:uLnTx/>
+                <a:uFillTx/>
+                <a:latin typeface="+mn-lt"/>
+                <a:ea typeface="+mn-ea"/>
+                <a:cs typeface="+mn-cs"/>
+              </a:rPr>
+              <a:t>(</a:t>
+            </a:r>
+            <a:r>
+              <a:rPr kumimoji="1" lang="en-US" altLang="ja-JP" sz="2000" b="0" i="0" u="none" strike="noStrike" kern="1200" cap="none" spc="0" normalizeH="0" baseline="0" noProof="0" dirty="0" err="1" smtClean="0">
+                <a:ln>
+                  <a:noFill/>
+                </a:ln>
+                <a:solidFill>
+                  <a:schemeClr val="tx1">
+                    <a:lumMod val="65000"/>
+                    <a:lumOff val="35000"/>
+                  </a:schemeClr>
+                </a:solidFill>
+                <a:effectLst/>
+                <a:uLnTx/>
+                <a:uFillTx/>
+                <a:latin typeface="+mn-lt"/>
+                <a:ea typeface="+mn-ea"/>
+                <a:cs typeface="+mn-cs"/>
+              </a:rPr>
+              <a:t>Sunhead</a:t>
+            </a:r>
+            <a:r>
+              <a:rPr kumimoji="1" lang="en-US" altLang="ja-JP" sz="2000" b="0" i="0" u="none" strike="noStrike" kern="1200" cap="none" spc="0" normalizeH="0" noProof="0" dirty="0" smtClean="0">
+                <a:ln>
+                  <a:noFill/>
+                </a:ln>
+                <a:solidFill>
+                  <a:schemeClr val="tx1">
+                    <a:lumMod val="65000"/>
+                    <a:lumOff val="35000"/>
+                  </a:schemeClr>
+                </a:solidFill>
+                <a:effectLst/>
+                <a:uLnTx/>
+                <a:uFillTx/>
+                <a:latin typeface="+mn-lt"/>
+                <a:ea typeface="+mn-ea"/>
+                <a:cs typeface="+mn-cs"/>
+              </a:rPr>
+              <a:t> Games</a:t>
+            </a:r>
+            <a:r>
+              <a:rPr kumimoji="1" lang="en-US" altLang="ja-JP" sz="2000" b="0" i="0" u="none" strike="noStrike" kern="1200" cap="none" spc="0" normalizeH="0" baseline="0" noProof="0" dirty="0" smtClean="0">
+                <a:ln>
+                  <a:noFill/>
+                </a:ln>
+                <a:solidFill>
+                  <a:schemeClr val="tx1">
+                    <a:lumMod val="65000"/>
+                    <a:lumOff val="35000"/>
+                  </a:schemeClr>
+                </a:solidFill>
+                <a:effectLst/>
+                <a:uLnTx/>
+                <a:uFillTx/>
+                <a:latin typeface="+mn-lt"/>
+                <a:ea typeface="+mn-ea"/>
+                <a:cs typeface="+mn-cs"/>
+              </a:rPr>
+              <a:t>/PC,2020)</a:t>
+            </a:r>
+            <a:endParaRPr kumimoji="1" lang="ja-JP" altLang="en-US" sz="2000" b="0" i="0" u="none" strike="noStrike" kern="1200" cap="none" spc="0" normalizeH="0" baseline="0" noProof="0" dirty="0">
+              <a:ln>
+                <a:noFill/>
+              </a:ln>
+              <a:solidFill>
+                <a:schemeClr val="tx1">
+                  <a:lumMod val="65000"/>
+                  <a:lumOff val="35000"/>
+                </a:schemeClr>
+              </a:solidFill>
+              <a:effectLst/>
+              <a:uLnTx/>
+              <a:uFillTx/>
+              <a:latin typeface="+mn-lt"/>
+              <a:ea typeface="+mn-ea"/>
+              <a:cs typeface="+mn-cs"/>
+            </a:endParaRPr>
+          </a:p>
+        </p:txBody>
+      </p:sp>
+      <p:pic>
+        <p:nvPicPr>
+          <p:cNvPr id="6" name="コンテンツ プレースホルダ 3" descr="463087.jpg"/>
+          <p:cNvPicPr>
+            <a:picLocks noChangeAspect="1"/>
+          </p:cNvPicPr>
+          <p:nvPr/>
+        </p:nvPicPr>
+        <p:blipFill>
+          <a:blip r:embed="rId3"/>
+          <a:stretch>
+            <a:fillRect/>
+          </a:stretch>
+        </p:blipFill>
+        <p:spPr>
+          <a:xfrm>
+            <a:off x="3214646" y="1500174"/>
+            <a:ext cx="2716410" cy="1493396"/>
+          </a:xfrm>
+          <a:prstGeom prst="rect">
+            <a:avLst/>
+          </a:prstGeom>
+        </p:spPr>
+      </p:pic>
+      <p:pic>
+        <p:nvPicPr>
+          <p:cNvPr id="7" name="コンテンツ プレースホルダ 3" descr="463087.jpg"/>
+          <p:cNvPicPr>
+            <a:picLocks noChangeAspect="1"/>
+          </p:cNvPicPr>
+          <p:nvPr/>
+        </p:nvPicPr>
+        <p:blipFill>
+          <a:blip r:embed="rId4" cstate="print"/>
+          <a:stretch>
+            <a:fillRect/>
+          </a:stretch>
+        </p:blipFill>
+        <p:spPr>
+          <a:xfrm>
+            <a:off x="6072198" y="1500174"/>
+            <a:ext cx="2694356" cy="1527980"/>
+          </a:xfrm>
+          <a:prstGeom prst="rect">
+            <a:avLst/>
+          </a:prstGeom>
+        </p:spPr>
+      </p:pic>
+      <p:pic>
+        <p:nvPicPr>
+          <p:cNvPr id="8" name="コンテンツ プレースホルダ 3" descr="463087.jpg"/>
+          <p:cNvPicPr>
+            <a:picLocks noChangeAspect="1"/>
+          </p:cNvPicPr>
+          <p:nvPr/>
+        </p:nvPicPr>
+        <p:blipFill>
+          <a:blip r:embed="rId5" cstate="print"/>
+          <a:stretch>
+            <a:fillRect/>
+          </a:stretch>
+        </p:blipFill>
+        <p:spPr>
+          <a:xfrm>
+            <a:off x="6143636" y="3857628"/>
+            <a:ext cx="2714644" cy="1527980"/>
+          </a:xfrm>
+          <a:prstGeom prst="rect">
+            <a:avLst/>
+          </a:prstGeom>
+        </p:spPr>
+      </p:pic>
+      <p:pic>
+        <p:nvPicPr>
+          <p:cNvPr id="9" name="コンテンツ プレースホルダ 3" descr="463087.jpg"/>
+          <p:cNvPicPr>
+            <a:picLocks noChangeAspect="1"/>
+          </p:cNvPicPr>
+          <p:nvPr/>
+        </p:nvPicPr>
+        <p:blipFill>
+          <a:blip r:embed="rId6" cstate="print"/>
+          <a:stretch>
+            <a:fillRect/>
+          </a:stretch>
+        </p:blipFill>
+        <p:spPr>
+          <a:xfrm>
+            <a:off x="3286084" y="3857628"/>
+            <a:ext cx="2714644" cy="1527980"/>
+          </a:xfrm>
+          <a:prstGeom prst="rect">
+            <a:avLst/>
+          </a:prstGeom>
+        </p:spPr>
+      </p:pic>
+      <p:pic>
+        <p:nvPicPr>
+          <p:cNvPr id="10" name="コンテンツ プレースホルダ 3" descr="463087.jpg"/>
+          <p:cNvPicPr>
+            <a:picLocks noChangeAspect="1"/>
+          </p:cNvPicPr>
+          <p:nvPr/>
+        </p:nvPicPr>
+        <p:blipFill>
+          <a:blip r:embed="rId7"/>
+          <a:stretch>
+            <a:fillRect/>
+          </a:stretch>
+        </p:blipFill>
+        <p:spPr>
+          <a:xfrm>
+            <a:off x="500035" y="3857628"/>
+            <a:ext cx="2666390" cy="1527980"/>
+          </a:xfrm>
+          <a:prstGeom prst="rect">
+            <a:avLst/>
+          </a:prstGeom>
+        </p:spPr>
+      </p:pic>
+      <p:sp>
+        <p:nvSpPr>
+          <p:cNvPr id="11" name="コンテンツ プレースホルダ 2"/>
+          <p:cNvSpPr txBox="1">
+            <a:spLocks/>
+          </p:cNvSpPr>
+          <p:nvPr/>
+        </p:nvSpPr>
+        <p:spPr>
+          <a:xfrm>
+            <a:off x="5143504" y="3071810"/>
+            <a:ext cx="4000496" cy="400064"/>
+          </a:xfrm>
+          <a:prstGeom prst="rect">
+            <a:avLst/>
+          </a:prstGeom>
+        </p:spPr>
+        <p:txBody>
+          <a:bodyPr vert="horz" lIns="91440" tIns="45720" rIns="91440" bIns="45720" rtlCol="0">
+            <a:normAutofit/>
+          </a:bodyPr>
+          <a:lstStyle/>
+          <a:p>
+            <a:pPr marL="342900" lvl="0" indent="-342900" algn="ctr">
+              <a:spcBef>
+                <a:spcPct val="20000"/>
+              </a:spcBef>
+              <a:defRPr/>
+            </a:pPr>
+            <a:r>
+              <a:rPr lang="en-US" altLang="ja-JP" sz="2000" dirty="0" smtClean="0">
+                <a:solidFill>
+                  <a:schemeClr val="tx1">
+                    <a:lumMod val="65000"/>
+                    <a:lumOff val="35000"/>
+                  </a:schemeClr>
+                </a:solidFill>
+              </a:rPr>
+              <a:t>Florence(Mountains/iOS,2018</a:t>
+            </a:r>
+            <a:r>
+              <a:rPr kumimoji="1" lang="en-US" altLang="ja-JP" sz="2000" b="0" i="0" u="none" strike="noStrike" kern="1200" cap="none" spc="0" normalizeH="0" baseline="0" noProof="0" dirty="0" smtClean="0">
+                <a:ln>
+                  <a:noFill/>
+                </a:ln>
+                <a:solidFill>
+                  <a:schemeClr val="tx1">
+                    <a:lumMod val="65000"/>
+                    <a:lumOff val="35000"/>
+                  </a:schemeClr>
+                </a:solidFill>
+                <a:effectLst/>
+                <a:uLnTx/>
+                <a:uFillTx/>
+                <a:latin typeface="+mn-lt"/>
+                <a:ea typeface="+mn-ea"/>
+                <a:cs typeface="+mn-cs"/>
+              </a:rPr>
+              <a:t>)</a:t>
+            </a:r>
+            <a:endParaRPr kumimoji="1" lang="ja-JP" altLang="en-US" sz="2000" b="0" i="0" u="none" strike="noStrike" kern="1200" cap="none" spc="0" normalizeH="0" baseline="0" noProof="0" dirty="0">
+              <a:ln>
+                <a:noFill/>
+              </a:ln>
+              <a:solidFill>
+                <a:schemeClr val="tx1">
+                  <a:lumMod val="65000"/>
+                  <a:lumOff val="35000"/>
+                </a:schemeClr>
+              </a:solidFill>
+              <a:effectLst/>
+              <a:uLnTx/>
+              <a:uFillTx/>
+              <a:latin typeface="+mn-lt"/>
+              <a:ea typeface="+mn-ea"/>
+              <a:cs typeface="+mn-cs"/>
+            </a:endParaRPr>
+          </a:p>
+        </p:txBody>
+      </p:sp>
+    </p:spTree>
+  </p:cSld>
+  <p:clrMapOvr>
+    <a:masterClrMapping/>
+  </p:clrMapOvr>
+</p:sld>
+</file>
+
+<file path=ppt/slides/slide4.xml><?xml version="1.0" encoding="utf-8"?>
+<p:sld xmlns:a="http://schemas.openxmlformats.org/drawingml/2006/main" xmlns:r="http://schemas.openxmlformats.org/officeDocument/2006/relationships" xmlns:p="http://schemas.openxmlformats.org/presentationml/2006/main">
+  <p:cSld>
+    <p:spTree>
+      <p:nvGrpSpPr>
+        <p:cNvPr id="1" name=""/>
+        <p:cNvGrpSpPr/>
+        <p:nvPr/>
+      </p:nvGrpSpPr>
+      <p:grpSpPr>
+        <a:xfrm>
+          <a:off x="0" y="0"/>
+          <a:ext cx="0" cy="0"/>
+          <a:chOff x="0" y="0"/>
+          <a:chExt cx="0" cy="0"/>
+        </a:xfrm>
+      </p:grpSpPr>
+      <p:sp>
+        <p:nvSpPr>
+          <p:cNvPr id="2" name="タイトル 1"/>
+          <p:cNvSpPr>
+            <a:spLocks noGrp="1"/>
+          </p:cNvSpPr>
+          <p:nvPr>
+            <p:ph type="title"/>
+          </p:nvPr>
+        </p:nvSpPr>
+        <p:spPr/>
+        <p:txBody>
+          <a:bodyPr/>
+          <a:lstStyle/>
+          <a:p>
+            <a:pPr algn="l"/>
+            <a:r>
+              <a:rPr lang="ja-JP" altLang="en-US" dirty="0" smtClean="0">
+                <a:solidFill>
+                  <a:srgbClr val="FF0000"/>
+                </a:solidFill>
+              </a:rPr>
+              <a:t>ゲームデザイン</a:t>
+            </a:r>
+            <a:endParaRPr kumimoji="1" lang="ja-JP" altLang="en-US" dirty="0">
+              <a:solidFill>
+                <a:srgbClr val="FF0000"/>
+              </a:solidFill>
+            </a:endParaRPr>
+          </a:p>
+        </p:txBody>
+      </p:sp>
+      <p:sp>
+        <p:nvSpPr>
+          <p:cNvPr id="3" name="コンテンツ プレースホルダ 2"/>
+          <p:cNvSpPr>
+            <a:spLocks noGrp="1"/>
+          </p:cNvSpPr>
+          <p:nvPr>
+            <p:ph idx="1"/>
+          </p:nvPr>
+        </p:nvSpPr>
+        <p:spPr>
+          <a:xfrm>
+            <a:off x="457200" y="1357298"/>
+            <a:ext cx="8229600" cy="614354"/>
+          </a:xfrm>
+        </p:spPr>
+        <p:txBody>
+          <a:bodyPr>
+            <a:normAutofit fontScale="85000" lnSpcReduction="10000"/>
+          </a:bodyPr>
+          <a:lstStyle/>
+          <a:p>
+            <a:pPr>
+              <a:buNone/>
+            </a:pPr>
+            <a:r>
+              <a:rPr kumimoji="1" lang="ja-JP" altLang="en-US" dirty="0" smtClean="0"/>
+              <a:t>小さなパズルを解く＝主人公の心の整理を表現する</a:t>
+            </a:r>
+            <a:endParaRPr kumimoji="1" lang="ja-JP" altLang="en-US" dirty="0"/>
+          </a:p>
+        </p:txBody>
+      </p:sp>
+      <p:sp>
+        <p:nvSpPr>
+          <p:cNvPr id="22" name="コンテンツ プレースホルダ 2"/>
+          <p:cNvSpPr txBox="1">
+            <a:spLocks/>
+          </p:cNvSpPr>
+          <p:nvPr/>
+        </p:nvSpPr>
+        <p:spPr>
+          <a:xfrm>
+            <a:off x="3428992" y="4821047"/>
+            <a:ext cx="5286412" cy="1214446"/>
+          </a:xfrm>
+          <a:prstGeom prst="rect">
+            <a:avLst/>
+          </a:prstGeom>
+        </p:spPr>
+        <p:txBody>
+          <a:bodyPr vert="horz" lIns="91440" tIns="45720" rIns="91440" bIns="45720" rtlCol="0">
+            <a:noAutofit/>
+          </a:bodyPr>
+          <a:lstStyle/>
+          <a:p>
+            <a:pPr marL="342900" lvl="0" indent="-342900">
+              <a:spcBef>
+                <a:spcPct val="20000"/>
+              </a:spcBef>
+              <a:defRPr/>
+            </a:pPr>
+            <a:r>
+              <a:rPr lang="ja-JP" altLang="en-US" sz="2000" dirty="0" smtClean="0">
+                <a:solidFill>
+                  <a:schemeClr val="accent3">
+                    <a:lumMod val="50000"/>
+                  </a:schemeClr>
+                </a:solidFill>
+              </a:rPr>
+              <a:t>組み合わせる</a:t>
+            </a:r>
+            <a:r>
+              <a:rPr lang="ja-JP" altLang="en-US" sz="2000" dirty="0" smtClean="0">
+                <a:solidFill>
+                  <a:schemeClr val="accent3">
+                    <a:lumMod val="50000"/>
+                  </a:schemeClr>
+                </a:solidFill>
+              </a:rPr>
+              <a:t>、</a:t>
+            </a:r>
+            <a:r>
+              <a:rPr lang="ja-JP" altLang="en-US" sz="2000" dirty="0" smtClean="0">
+                <a:solidFill>
+                  <a:schemeClr val="accent3">
+                    <a:lumMod val="50000"/>
+                  </a:schemeClr>
+                </a:solidFill>
+              </a:rPr>
+              <a:t>つなげるといった</a:t>
+            </a:r>
+            <a:r>
+              <a:rPr lang="en-US" altLang="ja-JP" sz="2000" dirty="0" smtClean="0">
+                <a:solidFill>
+                  <a:schemeClr val="accent3">
+                    <a:lumMod val="50000"/>
+                  </a:schemeClr>
+                </a:solidFill>
+              </a:rPr>
+              <a:t>"</a:t>
+            </a:r>
+            <a:r>
+              <a:rPr lang="ja-JP" altLang="en-US" sz="2000" dirty="0" smtClean="0">
+                <a:solidFill>
+                  <a:schemeClr val="accent3">
+                    <a:lumMod val="50000"/>
+                  </a:schemeClr>
+                </a:solidFill>
+              </a:rPr>
+              <a:t>動作</a:t>
+            </a:r>
+            <a:r>
+              <a:rPr lang="en-US" altLang="ja-JP" sz="2000" dirty="0" smtClean="0">
+                <a:solidFill>
+                  <a:schemeClr val="accent3">
+                    <a:lumMod val="50000"/>
+                  </a:schemeClr>
+                </a:solidFill>
+              </a:rPr>
+              <a:t>"</a:t>
+            </a:r>
+            <a:r>
+              <a:rPr lang="ja-JP" altLang="en-US" sz="2000" dirty="0" smtClean="0">
+                <a:solidFill>
+                  <a:schemeClr val="accent3">
+                    <a:lumMod val="50000"/>
+                  </a:schemeClr>
+                </a:solidFill>
+              </a:rPr>
+              <a:t>と</a:t>
+            </a:r>
+            <a:endParaRPr lang="en-US" altLang="ja-JP" sz="2000" dirty="0" smtClean="0">
+              <a:solidFill>
+                <a:schemeClr val="accent3">
+                  <a:lumMod val="50000"/>
+                </a:schemeClr>
+              </a:solidFill>
+            </a:endParaRPr>
+          </a:p>
+          <a:p>
+            <a:pPr marL="342900" lvl="0" indent="-342900">
+              <a:spcBef>
+                <a:spcPct val="20000"/>
+              </a:spcBef>
+              <a:defRPr/>
+            </a:pPr>
+            <a:r>
+              <a:rPr lang="ja-JP" altLang="en-US" sz="2000" dirty="0" smtClean="0">
+                <a:solidFill>
+                  <a:schemeClr val="accent3">
+                    <a:lumMod val="50000"/>
+                  </a:schemeClr>
+                </a:solidFill>
+              </a:rPr>
+              <a:t>思い出す、心の整理をするといった</a:t>
+            </a:r>
+            <a:r>
+              <a:rPr lang="en-US" altLang="ja-JP" sz="2000" dirty="0" smtClean="0">
+                <a:solidFill>
+                  <a:schemeClr val="accent3">
+                    <a:lumMod val="50000"/>
+                  </a:schemeClr>
+                </a:solidFill>
+              </a:rPr>
+              <a:t>"</a:t>
+            </a:r>
+            <a:r>
+              <a:rPr lang="ja-JP" altLang="en-US" sz="2000" dirty="0" smtClean="0">
+                <a:solidFill>
+                  <a:schemeClr val="accent3">
+                    <a:lumMod val="50000"/>
+                  </a:schemeClr>
+                </a:solidFill>
+              </a:rPr>
+              <a:t>シナリオ</a:t>
+            </a:r>
+            <a:r>
+              <a:rPr lang="en-US" altLang="ja-JP" sz="2000" dirty="0" smtClean="0">
+                <a:solidFill>
+                  <a:schemeClr val="accent3">
+                    <a:lumMod val="50000"/>
+                  </a:schemeClr>
+                </a:solidFill>
+              </a:rPr>
+              <a:t>"</a:t>
+            </a:r>
+            <a:r>
+              <a:rPr lang="ja-JP" altLang="en-US" sz="2000" dirty="0" smtClean="0">
+                <a:solidFill>
+                  <a:schemeClr val="accent3">
+                    <a:lumMod val="50000"/>
+                  </a:schemeClr>
+                </a:solidFill>
+              </a:rPr>
+              <a:t>を</a:t>
+            </a:r>
+            <a:endParaRPr lang="en-US" altLang="ja-JP" sz="2000" dirty="0" smtClean="0">
+              <a:solidFill>
+                <a:schemeClr val="accent3">
+                  <a:lumMod val="50000"/>
+                </a:schemeClr>
+              </a:solidFill>
+            </a:endParaRPr>
+          </a:p>
+          <a:p>
+            <a:pPr marL="342900" lvl="0" indent="-342900">
+              <a:spcBef>
+                <a:spcPct val="20000"/>
+              </a:spcBef>
+              <a:defRPr/>
+            </a:pPr>
+            <a:r>
+              <a:rPr lang="ja-JP" altLang="en-US" sz="2000" dirty="0" smtClean="0">
+                <a:solidFill>
+                  <a:schemeClr val="accent3">
+                    <a:lumMod val="50000"/>
+                  </a:schemeClr>
+                </a:solidFill>
+              </a:rPr>
+              <a:t>合わせる</a:t>
+            </a:r>
+            <a:r>
+              <a:rPr lang="ja-JP" altLang="en-US" sz="2000" dirty="0" smtClean="0">
+                <a:solidFill>
+                  <a:schemeClr val="accent3">
+                    <a:lumMod val="50000"/>
+                  </a:schemeClr>
+                </a:solidFill>
+              </a:rPr>
+              <a:t>ことで感情の動かすことを目指す</a:t>
+            </a:r>
+            <a:endParaRPr kumimoji="1" lang="ja-JP" altLang="en-US" sz="2000" b="0" i="0" u="none" strike="noStrike" kern="1200" cap="none" spc="0" normalizeH="0" baseline="0" noProof="0" dirty="0">
+              <a:ln>
+                <a:noFill/>
+              </a:ln>
+              <a:solidFill>
+                <a:schemeClr val="accent3">
+                  <a:lumMod val="50000"/>
+                </a:schemeClr>
+              </a:solidFill>
+              <a:effectLst/>
+              <a:uLnTx/>
+              <a:uFillTx/>
+              <a:latin typeface="+mn-lt"/>
+              <a:ea typeface="+mn-ea"/>
+              <a:cs typeface="+mn-cs"/>
+            </a:endParaRPr>
+          </a:p>
+        </p:txBody>
+      </p:sp>
+      <p:pic>
+        <p:nvPicPr>
+          <p:cNvPr id="24" name="図 23" descr="pazzle.png"/>
+          <p:cNvPicPr>
+            <a:picLocks noChangeAspect="1"/>
+          </p:cNvPicPr>
+          <p:nvPr/>
+        </p:nvPicPr>
+        <p:blipFill>
+          <a:blip r:embed="rId2">
+            <a:clrChange>
+              <a:clrFrom>
+                <a:srgbClr val="FFFFFF"/>
+              </a:clrFrom>
+              <a:clrTo>
+                <a:srgbClr val="FFFFFF">
+                  <a:alpha val="0"/>
+                </a:srgbClr>
+              </a:clrTo>
+            </a:clrChange>
+          </a:blip>
+          <a:stretch>
+            <a:fillRect/>
+          </a:stretch>
+        </p:blipFill>
+        <p:spPr>
+          <a:xfrm>
+            <a:off x="857224" y="2928934"/>
+            <a:ext cx="1714500" cy="1714500"/>
+          </a:xfrm>
+          <a:prstGeom prst="rect">
+            <a:avLst/>
+          </a:prstGeom>
+        </p:spPr>
+      </p:pic>
+      <p:sp>
+        <p:nvSpPr>
+          <p:cNvPr id="25" name="コンテンツ プレースホルダ 2"/>
+          <p:cNvSpPr txBox="1">
+            <a:spLocks/>
+          </p:cNvSpPr>
+          <p:nvPr/>
+        </p:nvSpPr>
+        <p:spPr>
+          <a:xfrm>
+            <a:off x="571472" y="4786322"/>
+            <a:ext cx="2286016" cy="1071570"/>
+          </a:xfrm>
+          <a:prstGeom prst="rect">
+            <a:avLst/>
+          </a:prstGeom>
+        </p:spPr>
+        <p:txBody>
+          <a:bodyPr vert="horz" lIns="91440" tIns="45720" rIns="91440" bIns="45720" rtlCol="0">
+            <a:noAutofit/>
+          </a:bodyPr>
+          <a:lstStyle/>
+          <a:p>
+            <a:pPr marL="342900" lvl="0" indent="-342900" algn="ctr">
+              <a:spcBef>
+                <a:spcPct val="20000"/>
+              </a:spcBef>
+              <a:defRPr/>
+            </a:pPr>
+            <a:r>
+              <a:rPr kumimoji="1" lang="ja-JP" altLang="en-US" sz="2000" b="0" i="0" u="none" strike="noStrike" kern="1200" cap="none" spc="0" normalizeH="0" baseline="0" noProof="0" dirty="0" smtClean="0">
+                <a:ln>
+                  <a:noFill/>
+                </a:ln>
+                <a:solidFill>
+                  <a:schemeClr val="accent3">
+                    <a:lumMod val="50000"/>
+                  </a:schemeClr>
+                </a:solidFill>
+                <a:effectLst/>
+                <a:uLnTx/>
+                <a:uFillTx/>
+                <a:latin typeface="+mn-lt"/>
+                <a:ea typeface="+mn-ea"/>
+                <a:cs typeface="+mn-cs"/>
+              </a:rPr>
+              <a:t>マップを歩き</a:t>
+            </a:r>
+            <a:endParaRPr kumimoji="1" lang="en-US" altLang="ja-JP" sz="2000" b="0" i="0" u="none" strike="noStrike" kern="1200" cap="none" spc="0" normalizeH="0" baseline="0" noProof="0" dirty="0" smtClean="0">
+              <a:ln>
+                <a:noFill/>
+              </a:ln>
+              <a:solidFill>
+                <a:schemeClr val="accent3">
+                  <a:lumMod val="50000"/>
+                </a:schemeClr>
+              </a:solidFill>
+              <a:effectLst/>
+              <a:uLnTx/>
+              <a:uFillTx/>
+              <a:latin typeface="+mn-lt"/>
+              <a:ea typeface="+mn-ea"/>
+              <a:cs typeface="+mn-cs"/>
+            </a:endParaRPr>
+          </a:p>
+          <a:p>
+            <a:pPr marL="342900" lvl="0" indent="-342900" algn="ctr">
+              <a:spcBef>
+                <a:spcPct val="20000"/>
+              </a:spcBef>
+              <a:defRPr/>
+            </a:pPr>
+            <a:r>
+              <a:rPr kumimoji="1" lang="en-US" altLang="ja-JP" sz="2000" b="0" i="0" u="none" strike="noStrike" kern="1200" cap="none" spc="0" normalizeH="0" baseline="0" noProof="0" dirty="0" smtClean="0">
+                <a:ln>
+                  <a:noFill/>
+                </a:ln>
+                <a:solidFill>
+                  <a:schemeClr val="accent3">
+                    <a:lumMod val="50000"/>
+                  </a:schemeClr>
+                </a:solidFill>
+                <a:effectLst/>
+                <a:uLnTx/>
+                <a:uFillTx/>
+                <a:latin typeface="+mn-lt"/>
+                <a:ea typeface="+mn-ea"/>
+                <a:cs typeface="+mn-cs"/>
+              </a:rPr>
+              <a:t>“</a:t>
+            </a:r>
+            <a:r>
+              <a:rPr kumimoji="1" lang="ja-JP" altLang="en-US" sz="2000" b="0" i="0" u="none" strike="noStrike" kern="1200" cap="none" spc="0" normalizeH="0" baseline="0" noProof="0" dirty="0" smtClean="0">
+                <a:ln>
+                  <a:noFill/>
+                </a:ln>
+                <a:solidFill>
+                  <a:schemeClr val="accent3">
+                    <a:lumMod val="50000"/>
+                  </a:schemeClr>
+                </a:solidFill>
+                <a:effectLst/>
+                <a:uLnTx/>
+                <a:uFillTx/>
+                <a:latin typeface="+mn-lt"/>
+                <a:ea typeface="+mn-ea"/>
+                <a:cs typeface="+mn-cs"/>
+              </a:rPr>
+              <a:t>思い出の断片</a:t>
+            </a:r>
+            <a:r>
+              <a:rPr kumimoji="1" lang="en-US" altLang="ja-JP" sz="2000" b="0" i="0" u="none" strike="noStrike" kern="1200" cap="none" spc="0" normalizeH="0" baseline="0" noProof="0" dirty="0" smtClean="0">
+                <a:ln>
+                  <a:noFill/>
+                </a:ln>
+                <a:solidFill>
+                  <a:schemeClr val="accent3">
+                    <a:lumMod val="50000"/>
+                  </a:schemeClr>
+                </a:solidFill>
+                <a:effectLst/>
+                <a:uLnTx/>
+                <a:uFillTx/>
+                <a:latin typeface="+mn-lt"/>
+                <a:ea typeface="+mn-ea"/>
+                <a:cs typeface="+mn-cs"/>
+              </a:rPr>
+              <a:t>”</a:t>
+            </a:r>
+          </a:p>
+          <a:p>
+            <a:pPr marL="342900" lvl="0" indent="-342900" algn="ctr">
+              <a:spcBef>
+                <a:spcPct val="20000"/>
+              </a:spcBef>
+              <a:defRPr/>
+            </a:pPr>
+            <a:r>
+              <a:rPr lang="ja-JP" altLang="en-US" sz="2000" dirty="0" smtClean="0">
+                <a:solidFill>
+                  <a:schemeClr val="accent3">
+                    <a:lumMod val="50000"/>
+                  </a:schemeClr>
+                </a:solidFill>
+              </a:rPr>
+              <a:t>を見つける</a:t>
+            </a:r>
+            <a:endParaRPr kumimoji="1" lang="ja-JP" altLang="en-US" sz="2000" b="0" i="0" u="none" strike="noStrike" kern="1200" cap="none" spc="0" normalizeH="0" baseline="0" noProof="0" dirty="0">
+              <a:ln>
+                <a:noFill/>
+              </a:ln>
+              <a:solidFill>
+                <a:schemeClr val="accent3">
+                  <a:lumMod val="50000"/>
+                </a:schemeClr>
+              </a:solidFill>
+              <a:effectLst/>
+              <a:uLnTx/>
+              <a:uFillTx/>
+              <a:latin typeface="+mn-lt"/>
+              <a:ea typeface="+mn-ea"/>
+              <a:cs typeface="+mn-cs"/>
+            </a:endParaRPr>
+          </a:p>
+        </p:txBody>
+      </p:sp>
+      <p:pic>
+        <p:nvPicPr>
+          <p:cNvPr id="1026" name="Picture 2" descr="C:\Users\ytear\OneDrive\ドキュメント\HAL\HF21\09‗資料\tana_seiriseiton_no.png"/>
+          <p:cNvPicPr>
+            <a:picLocks noChangeAspect="1" noChangeArrowheads="1"/>
+          </p:cNvPicPr>
+          <p:nvPr/>
+        </p:nvPicPr>
+        <p:blipFill>
+          <a:blip r:embed="rId3"/>
+          <a:srcRect/>
+          <a:stretch>
+            <a:fillRect/>
+          </a:stretch>
+        </p:blipFill>
+        <p:spPr bwMode="auto">
+          <a:xfrm>
+            <a:off x="5755344" y="2928934"/>
+            <a:ext cx="1543061" cy="1928826"/>
+          </a:xfrm>
+          <a:prstGeom prst="rect">
+            <a:avLst/>
+          </a:prstGeom>
+          <a:noFill/>
+        </p:spPr>
+      </p:pic>
+      <p:pic>
+        <p:nvPicPr>
+          <p:cNvPr id="1027" name="Picture 3" descr="C:\Users\ytear\OneDrive\ドキュメント\HAL\HF21\09‗資料\tana_seiriseiton_yes.png"/>
+          <p:cNvPicPr>
+            <a:picLocks noChangeAspect="1" noChangeArrowheads="1"/>
+          </p:cNvPicPr>
+          <p:nvPr/>
+        </p:nvPicPr>
+        <p:blipFill>
+          <a:blip r:embed="rId4"/>
+          <a:srcRect/>
+          <a:stretch>
+            <a:fillRect/>
+          </a:stretch>
+        </p:blipFill>
+        <p:spPr bwMode="auto">
+          <a:xfrm>
+            <a:off x="7286644" y="2928934"/>
+            <a:ext cx="1543061" cy="1928826"/>
+          </a:xfrm>
+          <a:prstGeom prst="rect">
+            <a:avLst/>
+          </a:prstGeom>
+          <a:noFill/>
+        </p:spPr>
+      </p:pic>
+      <p:pic>
+        <p:nvPicPr>
+          <p:cNvPr id="1028" name="Picture 4" descr="C:\Users\ytear\OneDrive\ドキュメント\HAL\HF21\09‗資料\album_photo.png"/>
+          <p:cNvPicPr>
+            <a:picLocks noChangeAspect="1" noChangeArrowheads="1"/>
+          </p:cNvPicPr>
+          <p:nvPr/>
+        </p:nvPicPr>
+        <p:blipFill>
+          <a:blip r:embed="rId5" cstate="print"/>
+          <a:srcRect/>
+          <a:stretch>
+            <a:fillRect/>
+          </a:stretch>
+        </p:blipFill>
+        <p:spPr bwMode="auto">
+          <a:xfrm>
+            <a:off x="4000496" y="3357562"/>
+            <a:ext cx="1500198" cy="1267667"/>
+          </a:xfrm>
+          <a:prstGeom prst="rect">
+            <a:avLst/>
+          </a:prstGeom>
+          <a:noFill/>
+        </p:spPr>
+      </p:pic>
+      <p:sp>
+        <p:nvSpPr>
+          <p:cNvPr id="30" name="右矢印 29"/>
+          <p:cNvSpPr/>
+          <p:nvPr/>
+        </p:nvSpPr>
+        <p:spPr>
+          <a:xfrm>
+            <a:off x="3000364" y="3429000"/>
+            <a:ext cx="428628" cy="1000132"/>
           </a:xfrm>
           <a:prstGeom prst="rightArrow">
             <a:avLst/>
@@ -6166,12 +5259,12 @@
           <a:p>
             <a:pPr algn="l"/>
             <a:r>
-              <a:rPr kumimoji="1" lang="ja-JP" altLang="en-US" dirty="0" smtClean="0">
+              <a:rPr lang="ja-JP" altLang="en-US" dirty="0" smtClean="0">
                 <a:solidFill>
                   <a:srgbClr val="FF0000"/>
                 </a:solidFill>
               </a:rPr>
-              <a:t>改善ポイント</a:t>
+              <a:t>世界観・ストーリー</a:t>
             </a:r>
             <a:endParaRPr kumimoji="1" lang="ja-JP" altLang="en-US" dirty="0">
               <a:solidFill>
@@ -6183,45 +5276,6 @@
       </p:sp>
       <p:sp>
         <p:nvSpPr>
-          <p:cNvPr id="3" name="コンテンツ プレースホルダ 2"/>
-          <p:cNvSpPr>
-            <a:spLocks noGrp="1"/>
-          </p:cNvSpPr>
-          <p:nvPr>
-            <p:ph idx="1"/>
-          </p:nvPr>
-        </p:nvSpPr>
-        <p:spPr>
-          <a:xfrm>
-            <a:off x="457200" y="1357298"/>
-            <a:ext cx="8229600" cy="614354"/>
-          </a:xfrm>
-        </p:spPr>
-        <p:txBody>
-          <a:bodyPr/>
-          <a:lstStyle/>
-          <a:p>
-            <a:pPr>
-              <a:buNone/>
-            </a:pPr>
-            <a:r>
-              <a:rPr lang="en-US" altLang="ja-JP" dirty="0" smtClean="0"/>
-              <a:t>2</a:t>
-            </a:r>
-            <a:r>
-              <a:rPr kumimoji="1" lang="ja-JP" altLang="en-US" dirty="0" err="1" smtClean="0"/>
-              <a:t>．</a:t>
-            </a:r>
-            <a:r>
-              <a:rPr kumimoji="1" lang="ja-JP" altLang="en-US" dirty="0" smtClean="0"/>
-              <a:t>アクションの追加</a:t>
-            </a:r>
-            <a:endParaRPr kumimoji="1" lang="ja-JP" altLang="en-US" dirty="0"/>
-          </a:p>
-        </p:txBody>
-      </p:sp>
-      <p:sp>
-        <p:nvSpPr>
           <p:cNvPr id="40" name="コンテンツ プレースホルダ 2"/>
           <p:cNvSpPr txBox="1">
             <a:spLocks/>
@@ -6230,8 +5284,8 @@
         </p:nvSpPr>
         <p:spPr>
           <a:xfrm>
-            <a:off x="479078" y="2520332"/>
-            <a:ext cx="8229600" cy="614354"/>
+            <a:off x="479078" y="1428736"/>
+            <a:ext cx="8229600" cy="4724750"/>
           </a:xfrm>
           <a:prstGeom prst="rect">
             <a:avLst/>
@@ -6239,583 +5293,374 @@
         </p:spPr>
         <p:txBody>
           <a:bodyPr vert="horz" lIns="91440" tIns="45720" rIns="91440" bIns="45720" rtlCol="0">
-            <a:normAutofit/>
+            <a:noAutofit/>
           </a:bodyPr>
           <a:lstStyle/>
           <a:p>
-            <a:pPr marL="342900" marR="0" lvl="0" indent="-342900" algn="ctr" defTabSz="914400" rtl="0" eaLnBrk="1" fontAlgn="auto" latinLnBrk="0" hangingPunct="1">
-              <a:lnSpc>
-                <a:spcPct val="100000"/>
-              </a:lnSpc>
+            <a:pPr marL="342900" lvl="0" indent="-342900">
               <a:spcBef>
                 <a:spcPct val="20000"/>
               </a:spcBef>
-              <a:spcAft>
-                <a:spcPts val="0"/>
-              </a:spcAft>
-              <a:buClrTx/>
-              <a:buSzTx/>
-              <a:buFont typeface="Arial" pitchFamily="34" charset="0"/>
-              <a:buNone/>
-              <a:tabLst/>
               <a:defRPr/>
             </a:pPr>
             <a:r>
-              <a:rPr kumimoji="1" lang="ja-JP" altLang="en-US" sz="2000" b="0" i="0" u="none" strike="noStrike" kern="1200" cap="none" spc="0" normalizeH="0" baseline="0" noProof="0" dirty="0" smtClean="0">
-                <a:ln>
-                  <a:noFill/>
-                </a:ln>
+              <a:rPr lang="ja-JP" altLang="en-US" dirty="0" smtClean="0">
                 <a:solidFill>
                   <a:schemeClr val="accent3">
                     <a:lumMod val="50000"/>
                   </a:schemeClr>
                 </a:solidFill>
-                <a:effectLst/>
-                <a:uLnTx/>
-                <a:uFillTx/>
-                <a:latin typeface="+mn-lt"/>
-                <a:ea typeface="+mn-ea"/>
-                <a:cs typeface="+mn-cs"/>
-              </a:rPr>
-              <a:t>新しい動きで進化を感じさせる</a:t>
-            </a:r>
-            <a:endParaRPr kumimoji="1" lang="ja-JP" altLang="en-US" sz="2000" b="0" i="0" u="none" strike="noStrike" kern="1200" cap="none" spc="0" normalizeH="0" baseline="0" noProof="0" dirty="0">
-              <a:ln>
-                <a:noFill/>
-              </a:ln>
+              </a:rPr>
+              <a:t>飼い猫のロサが死んだ</a:t>
+            </a:r>
+          </a:p>
+          <a:p>
+            <a:pPr marL="342900" lvl="0" indent="-342900">
+              <a:spcBef>
+                <a:spcPct val="20000"/>
+              </a:spcBef>
+              <a:defRPr/>
+            </a:pPr>
+            <a:r>
+              <a:rPr lang="ja-JP" altLang="en-US" dirty="0" smtClean="0">
+                <a:solidFill>
+                  <a:schemeClr val="accent3">
+                    <a:lumMod val="50000"/>
+                  </a:schemeClr>
+                </a:solidFill>
+              </a:rPr>
+              <a:t>私が子供の時から一緒にいた猫だ</a:t>
+            </a:r>
+          </a:p>
+          <a:p>
+            <a:pPr marL="342900" lvl="0" indent="-342900">
+              <a:spcBef>
+                <a:spcPct val="20000"/>
+              </a:spcBef>
+              <a:defRPr/>
+            </a:pPr>
+            <a:r>
+              <a:rPr lang="ja-JP" altLang="en-US" dirty="0" smtClean="0">
+                <a:solidFill>
+                  <a:schemeClr val="accent3">
+                    <a:lumMod val="50000"/>
+                  </a:schemeClr>
+                </a:solidFill>
+              </a:rPr>
+              <a:t>思い出の品を一緒に火葬できるそうだ</a:t>
+            </a:r>
+          </a:p>
+          <a:p>
+            <a:pPr marL="342900" lvl="0" indent="-342900">
+              <a:spcBef>
+                <a:spcPct val="20000"/>
+              </a:spcBef>
+              <a:defRPr/>
+            </a:pPr>
+            <a:r>
+              <a:rPr lang="ja-JP" altLang="en-US" dirty="0" smtClean="0">
+                <a:solidFill>
+                  <a:schemeClr val="accent3">
+                    <a:lumMod val="50000"/>
+                  </a:schemeClr>
+                </a:solidFill>
+              </a:rPr>
+              <a:t>家に帰り、まとめてみよう</a:t>
+            </a:r>
+          </a:p>
+          <a:p>
+            <a:pPr marL="342900" lvl="0" indent="-342900">
+              <a:spcBef>
+                <a:spcPct val="20000"/>
+              </a:spcBef>
+              <a:defRPr/>
+            </a:pPr>
+            <a:endParaRPr lang="ja-JP" altLang="en-US" dirty="0" smtClean="0">
               <a:solidFill>
                 <a:schemeClr val="accent3">
                   <a:lumMod val="50000"/>
                 </a:schemeClr>
               </a:solidFill>
-              <a:effectLst/>
-              <a:uLnTx/>
-              <a:uFillTx/>
-              <a:latin typeface="+mn-lt"/>
-              <a:ea typeface="+mn-ea"/>
-              <a:cs typeface="+mn-cs"/>
             </a:endParaRPr>
           </a:p>
-        </p:txBody>
-      </p:sp>
-      <p:sp>
-        <p:nvSpPr>
-          <p:cNvPr id="24" name="正方形/長方形 23"/>
-          <p:cNvSpPr/>
-          <p:nvPr/>
-        </p:nvSpPr>
-        <p:spPr>
-          <a:xfrm>
-            <a:off x="357158" y="3407726"/>
-            <a:ext cx="2151304" cy="2214578"/>
-          </a:xfrm>
-          <a:prstGeom prst="rect">
-            <a:avLst/>
-          </a:prstGeom>
-        </p:spPr>
-        <p:style>
-          <a:lnRef idx="2">
-            <a:schemeClr val="accent1">
-              <a:shade val="50000"/>
-            </a:schemeClr>
-          </a:lnRef>
-          <a:fillRef idx="1">
-            <a:schemeClr val="accent1"/>
-          </a:fillRef>
-          <a:effectRef idx="0">
-            <a:schemeClr val="accent1"/>
-          </a:effectRef>
-          <a:fontRef idx="minor">
-            <a:schemeClr val="lt1"/>
-          </a:fontRef>
-        </p:style>
-        <p:txBody>
-          <a:bodyPr rtlCol="0" anchor="ctr"/>
-          <a:lstStyle/>
-          <a:p>
-            <a:pPr algn="ctr"/>
-            <a:endParaRPr kumimoji="1" lang="ja-JP" altLang="en-US"/>
+          <a:p>
+            <a:pPr marL="342900" lvl="0" indent="-342900">
+              <a:spcBef>
+                <a:spcPct val="20000"/>
+              </a:spcBef>
+              <a:defRPr/>
+            </a:pPr>
+            <a:r>
+              <a:rPr lang="ja-JP" altLang="en-US" dirty="0" smtClean="0">
+                <a:solidFill>
+                  <a:schemeClr val="accent3">
+                    <a:lumMod val="50000"/>
+                  </a:schemeClr>
+                </a:solidFill>
+              </a:rPr>
+              <a:t>扉を開ければ声が聞こえる気がする、もう居ないのに</a:t>
+            </a:r>
+          </a:p>
+          <a:p>
+            <a:pPr marL="342900" lvl="0" indent="-342900">
+              <a:spcBef>
+                <a:spcPct val="20000"/>
+              </a:spcBef>
+              <a:defRPr/>
+            </a:pPr>
+            <a:r>
+              <a:rPr lang="ja-JP" altLang="en-US" dirty="0" smtClean="0">
+                <a:solidFill>
+                  <a:schemeClr val="accent3">
+                    <a:lumMod val="50000"/>
+                  </a:schemeClr>
+                </a:solidFill>
+              </a:rPr>
+              <a:t>いつもの椅子に温もりが残っている気がする</a:t>
+            </a:r>
+            <a:r>
+              <a:rPr lang="ja-JP" altLang="en-US" dirty="0" smtClean="0">
+                <a:solidFill>
+                  <a:schemeClr val="accent3">
+                    <a:lumMod val="50000"/>
+                  </a:schemeClr>
+                </a:solidFill>
+              </a:rPr>
+              <a:t>、抜け毛だけ</a:t>
+            </a:r>
+            <a:r>
+              <a:rPr lang="ja-JP" altLang="en-US" dirty="0" smtClean="0">
+                <a:solidFill>
+                  <a:schemeClr val="accent3">
+                    <a:lumMod val="50000"/>
+                  </a:schemeClr>
+                </a:solidFill>
+              </a:rPr>
+              <a:t>しかないのに</a:t>
+            </a:r>
+          </a:p>
+          <a:p>
+            <a:pPr marL="342900" lvl="0" indent="-342900">
+              <a:spcBef>
+                <a:spcPct val="20000"/>
+              </a:spcBef>
+              <a:defRPr/>
+            </a:pPr>
+            <a:r>
+              <a:rPr lang="ja-JP" altLang="en-US" dirty="0" smtClean="0">
+                <a:solidFill>
+                  <a:schemeClr val="accent3">
+                    <a:lumMod val="50000"/>
+                  </a:schemeClr>
+                </a:solidFill>
+              </a:rPr>
+              <a:t>食事の時だけ甘えてくるのは最期まで治らなかった、食器皿はもう必要ないのに</a:t>
+            </a:r>
+          </a:p>
+          <a:p>
+            <a:pPr marL="342900" lvl="0" indent="-342900">
+              <a:spcBef>
+                <a:spcPct val="20000"/>
+              </a:spcBef>
+              <a:defRPr/>
+            </a:pPr>
+            <a:r>
+              <a:rPr lang="ja-JP" altLang="en-US" dirty="0" smtClean="0">
+                <a:solidFill>
+                  <a:schemeClr val="accent3">
+                    <a:lumMod val="50000"/>
+                  </a:schemeClr>
+                </a:solidFill>
+              </a:rPr>
+              <a:t>写真帳を手に取る</a:t>
+            </a:r>
+          </a:p>
+          <a:p>
+            <a:pPr marL="342900" lvl="0" indent="-342900">
+              <a:spcBef>
+                <a:spcPct val="20000"/>
+              </a:spcBef>
+              <a:defRPr/>
+            </a:pPr>
+            <a:r>
+              <a:rPr lang="ja-JP" altLang="en-US" dirty="0" smtClean="0">
+                <a:solidFill>
+                  <a:schemeClr val="accent3">
+                    <a:lumMod val="50000"/>
+                  </a:schemeClr>
+                </a:solidFill>
+              </a:rPr>
+              <a:t>いつだってロサが傍にいた</a:t>
+            </a:r>
+          </a:p>
+          <a:p>
+            <a:pPr marL="342900" lvl="0" indent="-342900">
+              <a:spcBef>
+                <a:spcPct val="20000"/>
+              </a:spcBef>
+              <a:defRPr/>
+            </a:pPr>
+            <a:r>
+              <a:rPr lang="ja-JP" altLang="en-US" dirty="0" smtClean="0">
+                <a:solidFill>
+                  <a:schemeClr val="accent3">
+                    <a:lumMod val="50000"/>
+                  </a:schemeClr>
+                </a:solidFill>
+              </a:rPr>
+              <a:t>ページをめくる度、</a:t>
+            </a:r>
+            <a:r>
+              <a:rPr lang="ja-JP" altLang="en-US" dirty="0" smtClean="0">
+                <a:solidFill>
+                  <a:schemeClr val="accent3">
+                    <a:lumMod val="50000"/>
+                  </a:schemeClr>
+                </a:solidFill>
+              </a:rPr>
+              <a:t>全部思い出せる</a:t>
+            </a:r>
+          </a:p>
+          <a:p>
+            <a:pPr marL="342900" lvl="0" indent="-342900">
+              <a:spcBef>
+                <a:spcPct val="20000"/>
+              </a:spcBef>
+              <a:defRPr/>
+            </a:pPr>
+            <a:r>
+              <a:rPr lang="ja-JP" altLang="en-US" dirty="0" smtClean="0">
+                <a:solidFill>
+                  <a:schemeClr val="accent3">
+                    <a:lumMod val="50000"/>
+                  </a:schemeClr>
+                </a:solidFill>
+              </a:rPr>
+              <a:t>でも全部は渡せない</a:t>
+            </a:r>
+          </a:p>
+          <a:p>
+            <a:pPr marL="342900" lvl="0" indent="-342900">
+              <a:spcBef>
+                <a:spcPct val="20000"/>
+              </a:spcBef>
+              <a:defRPr/>
+            </a:pPr>
+            <a:r>
+              <a:rPr lang="ja-JP" altLang="en-US" dirty="0" smtClean="0">
+                <a:solidFill>
+                  <a:schemeClr val="accent3">
+                    <a:lumMod val="50000"/>
+                  </a:schemeClr>
+                </a:solidFill>
+              </a:rPr>
+              <a:t>ロサ、私の可愛い薔薇の</a:t>
+            </a:r>
+            <a:r>
+              <a:rPr lang="ja-JP" altLang="en-US" dirty="0" smtClean="0">
+                <a:solidFill>
+                  <a:schemeClr val="accent3">
+                    <a:lumMod val="50000"/>
+                  </a:schemeClr>
+                </a:solidFill>
+              </a:rPr>
+              <a:t>子</a:t>
+            </a:r>
+            <a:endParaRPr lang="en-US" altLang="ja-JP" dirty="0" smtClean="0">
+              <a:solidFill>
+                <a:schemeClr val="accent3">
+                  <a:lumMod val="50000"/>
+                </a:schemeClr>
+              </a:solidFill>
+            </a:endParaRPr>
+          </a:p>
+          <a:p>
+            <a:pPr marL="342900" lvl="0" indent="-342900">
+              <a:spcBef>
+                <a:spcPct val="20000"/>
+              </a:spcBef>
+              <a:defRPr/>
+            </a:pPr>
+            <a:r>
+              <a:rPr lang="ja-JP" altLang="en-US" dirty="0" smtClean="0">
+                <a:solidFill>
+                  <a:schemeClr val="accent3">
+                    <a:lumMod val="50000"/>
+                  </a:schemeClr>
+                </a:solidFill>
+              </a:rPr>
+              <a:t>もう少しだけ、一緒にいて</a:t>
+            </a:r>
+            <a:endParaRPr lang="ja-JP" altLang="en-US" dirty="0" smtClean="0">
+              <a:solidFill>
+                <a:schemeClr val="accent3">
+                  <a:lumMod val="50000"/>
+                </a:schemeClr>
+              </a:solidFill>
+            </a:endParaRPr>
           </a:p>
         </p:txBody>
       </p:sp>
       <p:pic>
         <p:nvPicPr>
-          <p:cNvPr id="25" name="図 24" descr="starwars-jedi-fallen-order-2-33.jpg"/>
+          <p:cNvPr id="6" name="図 5" descr="techou.png"/>
           <p:cNvPicPr>
             <a:picLocks noChangeAspect="1"/>
           </p:cNvPicPr>
           <p:nvPr/>
         </p:nvPicPr>
         <p:blipFill>
-          <a:blip r:embed="rId2"/>
-          <a:srcRect l="17578" r="26983"/>
+          <a:blip r:embed="rId2" cstate="print"/>
           <a:stretch>
             <a:fillRect/>
           </a:stretch>
         </p:blipFill>
         <p:spPr>
           <a:xfrm>
-            <a:off x="6643702" y="3407726"/>
-            <a:ext cx="2182652" cy="2214578"/>
+            <a:off x="6929454" y="5143512"/>
+            <a:ext cx="1500198" cy="1406436"/>
           </a:xfrm>
           <a:prstGeom prst="rect">
             <a:avLst/>
           </a:prstGeom>
         </p:spPr>
       </p:pic>
-      <p:sp>
-        <p:nvSpPr>
-          <p:cNvPr id="28" name="正方形/長方形 27"/>
-          <p:cNvSpPr/>
+      <p:pic>
+        <p:nvPicPr>
+          <p:cNvPr id="7" name="図 6" descr="techou.png"/>
+          <p:cNvPicPr>
+            <a:picLocks noChangeAspect="1"/>
+          </p:cNvPicPr>
           <p:nvPr/>
-        </p:nvSpPr>
+        </p:nvPicPr>
+        <p:blipFill>
+          <a:blip r:embed="rId3">
+            <a:clrChange>
+              <a:clrFrom>
+                <a:srgbClr val="FFFFFF"/>
+              </a:clrFrom>
+              <a:clrTo>
+                <a:srgbClr val="FFFFFF">
+                  <a:alpha val="0"/>
+                </a:srgbClr>
+              </a:clrTo>
+            </a:clrChange>
+          </a:blip>
+          <a:srcRect l="42059" t="5079" b="54286"/>
+          <a:stretch>
+            <a:fillRect/>
+          </a:stretch>
+        </p:blipFill>
         <p:spPr>
           <a:xfrm>
-            <a:off x="3603762" y="3407726"/>
-            <a:ext cx="2151304" cy="2214578"/>
+            <a:off x="5214942" y="5000636"/>
+            <a:ext cx="1785950" cy="1305405"/>
           </a:xfrm>
           <a:prstGeom prst="rect">
             <a:avLst/>
           </a:prstGeom>
         </p:spPr>
-        <p:style>
-          <a:lnRef idx="2">
-            <a:schemeClr val="accent1">
-              <a:shade val="50000"/>
-            </a:schemeClr>
-          </a:lnRef>
-          <a:fillRef idx="1">
-            <a:schemeClr val="accent1"/>
-          </a:fillRef>
-          <a:effectRef idx="0">
-            <a:schemeClr val="accent1"/>
-          </a:effectRef>
-          <a:fontRef idx="minor">
-            <a:schemeClr val="lt1"/>
-          </a:fontRef>
-        </p:style>
-        <p:txBody>
-          <a:bodyPr rtlCol="0" anchor="ctr"/>
-          <a:lstStyle/>
-          <a:p>
-            <a:pPr algn="ctr"/>
-            <a:endParaRPr kumimoji="1" lang="ja-JP" altLang="en-US"/>
-          </a:p>
-        </p:txBody>
-      </p:sp>
-      <p:sp>
-        <p:nvSpPr>
-          <p:cNvPr id="29" name="右矢印 28"/>
-          <p:cNvSpPr/>
-          <p:nvPr/>
-        </p:nvSpPr>
-        <p:spPr>
-          <a:xfrm>
-            <a:off x="2842036" y="4122106"/>
-            <a:ext cx="428628" cy="785818"/>
-          </a:xfrm>
-          <a:prstGeom prst="rightArrow">
-            <a:avLst/>
-          </a:prstGeom>
-        </p:spPr>
-        <p:style>
-          <a:lnRef idx="2">
-            <a:schemeClr val="accent1">
-              <a:shade val="50000"/>
-            </a:schemeClr>
-          </a:lnRef>
-          <a:fillRef idx="1">
-            <a:schemeClr val="accent1"/>
-          </a:fillRef>
-          <a:effectRef idx="0">
-            <a:schemeClr val="accent1"/>
-          </a:effectRef>
-          <a:fontRef idx="minor">
-            <a:schemeClr val="lt1"/>
-          </a:fontRef>
-        </p:style>
-        <p:txBody>
-          <a:bodyPr rtlCol="0" anchor="ctr"/>
-          <a:lstStyle/>
-          <a:p>
-            <a:pPr algn="ctr"/>
-            <a:endParaRPr kumimoji="1" lang="ja-JP" altLang="en-US"/>
-          </a:p>
-        </p:txBody>
-      </p:sp>
-      <p:sp>
-        <p:nvSpPr>
-          <p:cNvPr id="31" name="右矢印 30"/>
-          <p:cNvSpPr/>
-          <p:nvPr/>
-        </p:nvSpPr>
-        <p:spPr>
-          <a:xfrm>
-            <a:off x="5988219" y="4122106"/>
-            <a:ext cx="428628" cy="785818"/>
-          </a:xfrm>
-          <a:prstGeom prst="rightArrow">
-            <a:avLst/>
-          </a:prstGeom>
-        </p:spPr>
-        <p:style>
-          <a:lnRef idx="2">
-            <a:schemeClr val="accent1">
-              <a:shade val="50000"/>
-            </a:schemeClr>
-          </a:lnRef>
-          <a:fillRef idx="1">
-            <a:schemeClr val="accent1"/>
-          </a:fillRef>
-          <a:effectRef idx="0">
-            <a:schemeClr val="accent1"/>
-          </a:effectRef>
-          <a:fontRef idx="minor">
-            <a:schemeClr val="lt1"/>
-          </a:fontRef>
-        </p:style>
-        <p:txBody>
-          <a:bodyPr rtlCol="0" anchor="ctr"/>
-          <a:lstStyle/>
-          <a:p>
-            <a:pPr algn="ctr"/>
-            <a:endParaRPr kumimoji="1" lang="ja-JP" altLang="en-US"/>
-          </a:p>
-        </p:txBody>
-      </p:sp>
-      <p:sp>
-        <p:nvSpPr>
-          <p:cNvPr id="32" name="コンテンツ プレースホルダ 2"/>
-          <p:cNvSpPr txBox="1">
-            <a:spLocks/>
-          </p:cNvSpPr>
-          <p:nvPr/>
-        </p:nvSpPr>
-        <p:spPr>
-          <a:xfrm>
-            <a:off x="428596" y="5735018"/>
-            <a:ext cx="2043098" cy="1286202"/>
-          </a:xfrm>
-          <a:prstGeom prst="rect">
-            <a:avLst/>
-          </a:prstGeom>
-        </p:spPr>
-        <p:txBody>
-          <a:bodyPr vert="horz" lIns="91440" tIns="45720" rIns="91440" bIns="45720" rtlCol="0">
-            <a:noAutofit/>
-          </a:bodyPr>
-          <a:lstStyle/>
-          <a:p>
-            <a:pPr marL="342900" marR="0" lvl="0" indent="-342900" algn="ctr" defTabSz="914400" rtl="0" eaLnBrk="1" fontAlgn="auto" latinLnBrk="0" hangingPunct="1">
-              <a:lnSpc>
-                <a:spcPct val="100000"/>
-              </a:lnSpc>
-              <a:spcBef>
-                <a:spcPct val="20000"/>
-              </a:spcBef>
-              <a:spcAft>
-                <a:spcPts val="0"/>
-              </a:spcAft>
-              <a:buClrTx/>
-              <a:buSzTx/>
-              <a:buFont typeface="Arial" pitchFamily="34" charset="0"/>
-              <a:buNone/>
-              <a:tabLst/>
-              <a:defRPr/>
-            </a:pPr>
-            <a:r>
-              <a:rPr kumimoji="1" lang="ja-JP" altLang="en-US" sz="1600" b="0" i="0" u="none" strike="noStrike" kern="1200" cap="none" spc="0" normalizeH="0" baseline="0" noProof="0" dirty="0" smtClean="0">
-                <a:ln>
-                  <a:noFill/>
-                </a:ln>
-                <a:solidFill>
-                  <a:schemeClr val="tx1"/>
-                </a:solidFill>
-                <a:effectLst/>
-                <a:uLnTx/>
-                <a:uFillTx/>
-                <a:latin typeface="+mn-lt"/>
-                <a:ea typeface="+mn-ea"/>
-                <a:cs typeface="+mn-cs"/>
-              </a:rPr>
-              <a:t>ジャンプ</a:t>
-            </a:r>
-            <a:endParaRPr kumimoji="1" lang="en-US" altLang="ja-JP" sz="1600" b="0" i="0" u="none" strike="noStrike" kern="1200" cap="none" spc="0" normalizeH="0" baseline="0" noProof="0" dirty="0" smtClean="0">
-              <a:ln>
-                <a:noFill/>
-              </a:ln>
-              <a:solidFill>
-                <a:schemeClr val="tx1"/>
-              </a:solidFill>
-              <a:effectLst/>
-              <a:uLnTx/>
-              <a:uFillTx/>
-              <a:latin typeface="+mn-lt"/>
-              <a:ea typeface="+mn-ea"/>
-              <a:cs typeface="+mn-cs"/>
-            </a:endParaRPr>
-          </a:p>
-        </p:txBody>
-      </p:sp>
-      <p:sp>
-        <p:nvSpPr>
-          <p:cNvPr id="33" name="コンテンツ プレースホルダ 2"/>
-          <p:cNvSpPr txBox="1">
-            <a:spLocks/>
-          </p:cNvSpPr>
-          <p:nvPr/>
-        </p:nvSpPr>
-        <p:spPr>
-          <a:xfrm>
-            <a:off x="3643306" y="5735018"/>
-            <a:ext cx="2043098" cy="1286202"/>
-          </a:xfrm>
-          <a:prstGeom prst="rect">
-            <a:avLst/>
-          </a:prstGeom>
-        </p:spPr>
-        <p:txBody>
-          <a:bodyPr vert="horz" lIns="91440" tIns="45720" rIns="91440" bIns="45720" rtlCol="0">
-            <a:noAutofit/>
-          </a:bodyPr>
-          <a:lstStyle/>
-          <a:p>
-            <a:pPr marL="342900" marR="0" lvl="0" indent="-342900" algn="ctr" defTabSz="914400" rtl="0" eaLnBrk="1" fontAlgn="auto" latinLnBrk="0" hangingPunct="1">
-              <a:lnSpc>
-                <a:spcPct val="100000"/>
-              </a:lnSpc>
-              <a:spcBef>
-                <a:spcPct val="20000"/>
-              </a:spcBef>
-              <a:spcAft>
-                <a:spcPts val="0"/>
-              </a:spcAft>
-              <a:buClrTx/>
-              <a:buSzTx/>
-              <a:buFont typeface="Arial" pitchFamily="34" charset="0"/>
-              <a:buNone/>
-              <a:tabLst/>
-              <a:defRPr/>
-            </a:pPr>
-            <a:r>
-              <a:rPr kumimoji="1" lang="ja-JP" altLang="en-US" sz="1600" b="0" i="0" u="none" strike="noStrike" kern="1200" cap="none" spc="0" normalizeH="0" baseline="0" noProof="0" dirty="0" smtClean="0">
-                <a:ln>
-                  <a:noFill/>
-                </a:ln>
-                <a:solidFill>
-                  <a:schemeClr val="tx1"/>
-                </a:solidFill>
-                <a:effectLst/>
-                <a:uLnTx/>
-                <a:uFillTx/>
-                <a:latin typeface="+mn-lt"/>
-                <a:ea typeface="+mn-ea"/>
-                <a:cs typeface="+mn-cs"/>
-              </a:rPr>
-              <a:t>ジャンプ</a:t>
-            </a:r>
-            <a:endParaRPr kumimoji="1" lang="en-US" altLang="ja-JP" sz="1600" b="0" i="0" u="none" strike="noStrike" kern="1200" cap="none" spc="0" normalizeH="0" baseline="0" noProof="0" dirty="0" smtClean="0">
-              <a:ln>
-                <a:noFill/>
-              </a:ln>
-              <a:solidFill>
-                <a:schemeClr val="tx1"/>
-              </a:solidFill>
-              <a:effectLst/>
-              <a:uLnTx/>
-              <a:uFillTx/>
-              <a:latin typeface="+mn-lt"/>
-              <a:ea typeface="+mn-ea"/>
-              <a:cs typeface="+mn-cs"/>
-            </a:endParaRPr>
-          </a:p>
-          <a:p>
-            <a:pPr marL="342900" marR="0" lvl="0" indent="-342900" algn="ctr" defTabSz="914400" rtl="0" eaLnBrk="1" fontAlgn="auto" latinLnBrk="0" hangingPunct="1">
-              <a:lnSpc>
-                <a:spcPct val="100000"/>
-              </a:lnSpc>
-              <a:spcBef>
-                <a:spcPct val="20000"/>
-              </a:spcBef>
-              <a:spcAft>
-                <a:spcPts val="0"/>
-              </a:spcAft>
-              <a:buClrTx/>
-              <a:buSzTx/>
-              <a:buFont typeface="Arial" pitchFamily="34" charset="0"/>
-              <a:buNone/>
-              <a:tabLst/>
-              <a:defRPr/>
-            </a:pPr>
-            <a:r>
-              <a:rPr lang="ja-JP" altLang="en-US" sz="1600" dirty="0" smtClean="0"/>
-              <a:t>スライディング</a:t>
-            </a:r>
-            <a:endParaRPr kumimoji="1" lang="en-US" altLang="ja-JP" sz="1600" b="0" i="0" u="none" strike="noStrike" kern="1200" cap="none" spc="0" normalizeH="0" baseline="0" noProof="0" dirty="0" smtClean="0">
-              <a:ln>
-                <a:noFill/>
-              </a:ln>
-              <a:solidFill>
-                <a:schemeClr val="tx1"/>
-              </a:solidFill>
-              <a:effectLst/>
-              <a:uLnTx/>
-              <a:uFillTx/>
-              <a:latin typeface="+mn-lt"/>
-              <a:ea typeface="+mn-ea"/>
-              <a:cs typeface="+mn-cs"/>
-            </a:endParaRPr>
-          </a:p>
-        </p:txBody>
-      </p:sp>
-      <p:sp>
-        <p:nvSpPr>
-          <p:cNvPr id="35" name="コンテンツ プレースホルダ 2"/>
-          <p:cNvSpPr txBox="1">
-            <a:spLocks/>
-          </p:cNvSpPr>
-          <p:nvPr/>
-        </p:nvSpPr>
-        <p:spPr>
-          <a:xfrm>
-            <a:off x="6715140" y="5735018"/>
-            <a:ext cx="2043098" cy="1286202"/>
-          </a:xfrm>
-          <a:prstGeom prst="rect">
-            <a:avLst/>
-          </a:prstGeom>
-        </p:spPr>
-        <p:txBody>
-          <a:bodyPr vert="horz" lIns="91440" tIns="45720" rIns="91440" bIns="45720" rtlCol="0">
-            <a:noAutofit/>
-          </a:bodyPr>
-          <a:lstStyle/>
-          <a:p>
-            <a:pPr marL="342900" marR="0" lvl="0" indent="-342900" algn="ctr" defTabSz="914400" rtl="0" eaLnBrk="1" fontAlgn="auto" latinLnBrk="0" hangingPunct="1">
-              <a:lnSpc>
-                <a:spcPct val="100000"/>
-              </a:lnSpc>
-              <a:spcBef>
-                <a:spcPct val="20000"/>
-              </a:spcBef>
-              <a:spcAft>
-                <a:spcPts val="0"/>
-              </a:spcAft>
-              <a:buClrTx/>
-              <a:buSzTx/>
-              <a:buFont typeface="Arial" pitchFamily="34" charset="0"/>
-              <a:buNone/>
-              <a:tabLst/>
-              <a:defRPr/>
-            </a:pPr>
-            <a:r>
-              <a:rPr kumimoji="1" lang="ja-JP" altLang="en-US" sz="1600" b="0" i="0" u="none" strike="noStrike" kern="1200" cap="none" spc="0" normalizeH="0" baseline="0" noProof="0" dirty="0" smtClean="0">
-                <a:ln>
-                  <a:noFill/>
-                </a:ln>
-                <a:solidFill>
-                  <a:schemeClr val="tx1"/>
-                </a:solidFill>
-                <a:effectLst/>
-                <a:uLnTx/>
-                <a:uFillTx/>
-                <a:latin typeface="+mn-lt"/>
-                <a:ea typeface="+mn-ea"/>
-                <a:cs typeface="+mn-cs"/>
-              </a:rPr>
-              <a:t>ジャンプ</a:t>
-            </a:r>
-            <a:endParaRPr kumimoji="1" lang="en-US" altLang="ja-JP" sz="1600" b="0" i="0" u="none" strike="noStrike" kern="1200" cap="none" spc="0" normalizeH="0" baseline="0" noProof="0" dirty="0" smtClean="0">
-              <a:ln>
-                <a:noFill/>
-              </a:ln>
-              <a:solidFill>
-                <a:schemeClr val="tx1"/>
-              </a:solidFill>
-              <a:effectLst/>
-              <a:uLnTx/>
-              <a:uFillTx/>
-              <a:latin typeface="+mn-lt"/>
-              <a:ea typeface="+mn-ea"/>
-              <a:cs typeface="+mn-cs"/>
-            </a:endParaRPr>
-          </a:p>
-          <a:p>
-            <a:pPr marL="342900" marR="0" lvl="0" indent="-342900" algn="ctr" defTabSz="914400" rtl="0" eaLnBrk="1" fontAlgn="auto" latinLnBrk="0" hangingPunct="1">
-              <a:lnSpc>
-                <a:spcPct val="100000"/>
-              </a:lnSpc>
-              <a:spcBef>
-                <a:spcPct val="20000"/>
-              </a:spcBef>
-              <a:spcAft>
-                <a:spcPts val="0"/>
-              </a:spcAft>
-              <a:buClrTx/>
-              <a:buSzTx/>
-              <a:buFont typeface="Arial" pitchFamily="34" charset="0"/>
-              <a:buNone/>
-              <a:tabLst/>
-              <a:defRPr/>
-            </a:pPr>
-            <a:r>
-              <a:rPr lang="ja-JP" altLang="en-US" sz="1600" dirty="0" smtClean="0"/>
-              <a:t>スライディング</a:t>
-            </a:r>
-            <a:endParaRPr lang="en-US" altLang="ja-JP" sz="1600" dirty="0" smtClean="0"/>
-          </a:p>
-          <a:p>
-            <a:pPr marL="342900" marR="0" lvl="0" indent="-342900" algn="ctr" defTabSz="914400" rtl="0" eaLnBrk="1" fontAlgn="auto" latinLnBrk="0" hangingPunct="1">
-              <a:lnSpc>
-                <a:spcPct val="100000"/>
-              </a:lnSpc>
-              <a:spcBef>
-                <a:spcPct val="20000"/>
-              </a:spcBef>
-              <a:spcAft>
-                <a:spcPts val="0"/>
-              </a:spcAft>
-              <a:buClrTx/>
-              <a:buSzTx/>
-              <a:buFont typeface="Arial" pitchFamily="34" charset="0"/>
-              <a:buNone/>
-              <a:tabLst/>
-              <a:defRPr/>
-            </a:pPr>
-            <a:r>
-              <a:rPr kumimoji="1" lang="ja-JP" altLang="en-US" sz="1600" b="0" i="0" u="none" strike="noStrike" kern="1200" cap="none" spc="0" normalizeH="0" baseline="0" noProof="0" dirty="0" smtClean="0">
-                <a:ln>
-                  <a:noFill/>
-                </a:ln>
-                <a:solidFill>
-                  <a:schemeClr val="tx1"/>
-                </a:solidFill>
-                <a:effectLst/>
-                <a:uLnTx/>
-                <a:uFillTx/>
-                <a:latin typeface="+mn-lt"/>
-                <a:ea typeface="+mn-ea"/>
-                <a:cs typeface="+mn-cs"/>
-              </a:rPr>
-              <a:t>壁走り</a:t>
-            </a:r>
-            <a:endParaRPr kumimoji="1" lang="en-US" altLang="ja-JP" sz="1600" b="0" i="0" u="none" strike="noStrike" kern="1200" cap="none" spc="0" normalizeH="0" baseline="0" noProof="0" dirty="0" smtClean="0">
-              <a:ln>
-                <a:noFill/>
-              </a:ln>
-              <a:solidFill>
-                <a:schemeClr val="tx1"/>
-              </a:solidFill>
-              <a:effectLst/>
-              <a:uLnTx/>
-              <a:uFillTx/>
-              <a:latin typeface="+mn-lt"/>
-              <a:ea typeface="+mn-ea"/>
-              <a:cs typeface="+mn-cs"/>
-            </a:endParaRPr>
-          </a:p>
-        </p:txBody>
-      </p:sp>
+      </p:pic>
     </p:spTree>
   </p:cSld>
   <p:clrMapOvr>
@@ -6863,7 +5708,7 @@
                   <a:srgbClr val="FF0000"/>
                 </a:solidFill>
               </a:rPr>
-              <a:t>改善ポイント</a:t>
+              <a:t>懸念点</a:t>
             </a:r>
             <a:endParaRPr kumimoji="1" lang="ja-JP" altLang="en-US" dirty="0">
               <a:solidFill>
@@ -6897,16 +5742,8 @@
               <a:buNone/>
             </a:pPr>
             <a:r>
-              <a:rPr kumimoji="1" lang="en-US" altLang="ja-JP" dirty="0" smtClean="0"/>
-              <a:t>3</a:t>
-            </a:r>
-            <a:r>
-              <a:rPr kumimoji="1" lang="ja-JP" altLang="en-US" dirty="0" err="1" smtClean="0"/>
-              <a:t>．</a:t>
-            </a:r>
-            <a:r>
               <a:rPr kumimoji="1" lang="ja-JP" altLang="en-US" dirty="0" smtClean="0"/>
-              <a:t>新しい技術への挑戦</a:t>
+              <a:t>アセット制作の難易度</a:t>
             </a:r>
             <a:endParaRPr kumimoji="1" lang="ja-JP" altLang="en-US" dirty="0"/>
           </a:p>
@@ -6922,8 +5759,8 @@
         </p:nvSpPr>
         <p:spPr>
           <a:xfrm>
-            <a:off x="479078" y="2276150"/>
-            <a:ext cx="8229600" cy="1152850"/>
+            <a:off x="1500166" y="2285992"/>
+            <a:ext cx="3807170" cy="1152850"/>
           </a:xfrm>
           <a:prstGeom prst="rect">
             <a:avLst/>
@@ -6953,17 +5790,7 @@
               <a:defRPr/>
             </a:pPr>
             <a:r>
-              <a:rPr lang="ja-JP" altLang="en-US" dirty="0" smtClean="0">
-                <a:solidFill>
-                  <a:schemeClr val="accent3">
-                    <a:lumMod val="50000"/>
-                  </a:schemeClr>
-                </a:solidFill>
-              </a:rPr>
-              <a:t>学校配布データを中心とした</a:t>
-            </a:r>
-            <a:r>
-              <a:rPr kumimoji="1" lang="en-US" altLang="ja-JP" b="0" i="0" u="none" strike="noStrike" kern="1200" cap="none" spc="0" normalizeH="0" baseline="0" noProof="0" dirty="0" smtClean="0">
+              <a:rPr kumimoji="1" lang="ja-JP" altLang="en-US" sz="2000" b="0" i="0" u="none" strike="noStrike" kern="1200" cap="none" spc="0" normalizeH="0" baseline="0" noProof="0" dirty="0" smtClean="0">
                 <a:ln>
                   <a:noFill/>
                 </a:ln>
@@ -6979,10 +5806,10 @@
                 <a:ea typeface="+mn-ea"/>
                 <a:cs typeface="+mn-cs"/>
               </a:rPr>
-              <a:t>DirectX11	</a:t>
-            </a:r>
-            <a:r>
-              <a:rPr kumimoji="1" lang="ja-JP" altLang="en-US" b="0" i="0" u="none" strike="noStrike" kern="1200" cap="none" spc="0" normalizeH="0" baseline="0" noProof="0" dirty="0" smtClean="0">
+              <a:t>テキスト</a:t>
+            </a:r>
+            <a:r>
+              <a:rPr kumimoji="1" lang="en-US" altLang="ja-JP" sz="2000" b="0" i="0" u="none" strike="noStrike" kern="1200" cap="none" spc="0" normalizeH="0" baseline="0" noProof="0" dirty="0" smtClean="0">
                 <a:ln>
                   <a:noFill/>
                 </a:ln>
@@ -6998,10 +5825,10 @@
                 <a:ea typeface="+mn-ea"/>
                 <a:cs typeface="+mn-cs"/>
               </a:rPr>
-              <a:t>→ 汎用エンジンである</a:t>
-            </a:r>
-            <a:r>
-              <a:rPr kumimoji="1" lang="en-US" altLang="ja-JP" b="0" i="0" u="none" strike="noStrike" kern="1200" cap="none" spc="0" normalizeH="0" baseline="0" noProof="0" dirty="0" smtClean="0">
+              <a:t>AVG</a:t>
+            </a:r>
+            <a:r>
+              <a:rPr kumimoji="1" lang="ja-JP" altLang="en-US" sz="2000" b="0" i="0" u="none" strike="noStrike" kern="1200" cap="none" spc="0" normalizeH="0" baseline="0" noProof="0" dirty="0" smtClean="0">
                 <a:ln>
                   <a:noFill/>
                 </a:ln>
@@ -7017,286 +5844,9 @@
                 <a:ea typeface="+mn-ea"/>
                 <a:cs typeface="+mn-cs"/>
               </a:rPr>
-              <a:t>Unreal Engine 5</a:t>
-            </a:r>
-          </a:p>
-          <a:p>
-            <a:pPr marL="342900" marR="0" lvl="0" indent="-342900" defTabSz="914400" rtl="0" eaLnBrk="1" fontAlgn="auto" latinLnBrk="0" hangingPunct="1">
-              <a:lnSpc>
-                <a:spcPct val="100000"/>
-              </a:lnSpc>
-              <a:spcBef>
-                <a:spcPct val="20000"/>
-              </a:spcBef>
-              <a:spcAft>
-                <a:spcPts val="0"/>
-              </a:spcAft>
-              <a:buClrTx/>
-              <a:buSzTx/>
-              <a:buFont typeface="Arial" pitchFamily="34" charset="0"/>
-              <a:buNone/>
-              <a:tabLst/>
-              <a:defRPr/>
-            </a:pPr>
-            <a:r>
-              <a:rPr lang="en-US" altLang="ja-JP" dirty="0" smtClean="0">
-                <a:solidFill>
-                  <a:schemeClr val="accent3">
-                    <a:lumMod val="50000"/>
-                  </a:schemeClr>
-                </a:solidFill>
-              </a:rPr>
-              <a:t>C</a:t>
-            </a:r>
-            <a:r>
-              <a:rPr lang="ja-JP" altLang="en-US" dirty="0" smtClean="0">
-                <a:solidFill>
-                  <a:schemeClr val="accent3">
-                    <a:lumMod val="50000"/>
-                  </a:schemeClr>
-                </a:solidFill>
-              </a:rPr>
-              <a:t>言語での手続き型プログラミング</a:t>
-            </a:r>
-            <a:r>
-              <a:rPr lang="en-US" altLang="ja-JP" dirty="0" smtClean="0">
-                <a:solidFill>
-                  <a:schemeClr val="accent3">
-                    <a:lumMod val="50000"/>
-                  </a:schemeClr>
-                </a:solidFill>
-              </a:rPr>
-              <a:t>	</a:t>
-            </a:r>
-            <a:r>
-              <a:rPr lang="ja-JP" altLang="en-US" dirty="0" smtClean="0">
-                <a:solidFill>
-                  <a:schemeClr val="accent3">
-                    <a:lumMod val="50000"/>
-                  </a:schemeClr>
-                </a:solidFill>
-              </a:rPr>
-              <a:t>→ </a:t>
-            </a:r>
-            <a:r>
-              <a:rPr lang="en-US" altLang="ja-JP" dirty="0" err="1" smtClean="0">
-                <a:solidFill>
-                  <a:schemeClr val="accent3">
-                    <a:lumMod val="50000"/>
-                  </a:schemeClr>
-                </a:solidFill>
-              </a:rPr>
-              <a:t>BluePrint</a:t>
-            </a:r>
-            <a:r>
-              <a:rPr lang="ja-JP" altLang="en-US" dirty="0" err="1" smtClean="0">
-                <a:solidFill>
-                  <a:schemeClr val="accent3">
-                    <a:lumMod val="50000"/>
-                  </a:schemeClr>
-                </a:solidFill>
-              </a:rPr>
-              <a:t>での</a:t>
-            </a:r>
-            <a:r>
-              <a:rPr lang="ja-JP" altLang="en-US" dirty="0" smtClean="0">
-                <a:solidFill>
-                  <a:schemeClr val="accent3">
-                    <a:lumMod val="50000"/>
-                  </a:schemeClr>
-                </a:solidFill>
-              </a:rPr>
-              <a:t>ビジュアルスクリプティング</a:t>
-            </a:r>
-            <a:endParaRPr lang="en-US" altLang="ja-JP" dirty="0" smtClean="0">
-              <a:solidFill>
-                <a:schemeClr val="accent3">
-                  <a:lumMod val="50000"/>
-                </a:schemeClr>
-              </a:solidFill>
-            </a:endParaRPr>
-          </a:p>
-          <a:p>
-            <a:pPr marL="342900" marR="0" lvl="0" indent="-342900" defTabSz="914400" rtl="0" eaLnBrk="1" fontAlgn="auto" latinLnBrk="0" hangingPunct="1">
-              <a:lnSpc>
-                <a:spcPct val="100000"/>
-              </a:lnSpc>
-              <a:spcBef>
-                <a:spcPct val="20000"/>
-              </a:spcBef>
-              <a:spcAft>
-                <a:spcPts val="0"/>
-              </a:spcAft>
-              <a:buClrTx/>
-              <a:buSzTx/>
-              <a:buFont typeface="Arial" pitchFamily="34" charset="0"/>
-              <a:buNone/>
-              <a:tabLst/>
-              <a:defRPr/>
-            </a:pPr>
-            <a:r>
-              <a:rPr kumimoji="1" lang="en-US" altLang="ja-JP" b="0" i="0" u="none" strike="noStrike" kern="1200" cap="none" spc="0" normalizeH="0" baseline="0" noProof="0" dirty="0" err="1" smtClean="0">
-                <a:ln>
-                  <a:noFill/>
-                </a:ln>
-                <a:solidFill>
-                  <a:schemeClr val="accent3">
-                    <a:lumMod val="50000"/>
-                  </a:schemeClr>
-                </a:solidFill>
-                <a:effectLst/>
-                <a:uLnTx/>
-                <a:uFillTx/>
-                <a:latin typeface="+mn-lt"/>
-                <a:ea typeface="+mn-ea"/>
-                <a:cs typeface="+mn-cs"/>
-              </a:rPr>
-              <a:t>VisualStudio</a:t>
-            </a:r>
-            <a:r>
-              <a:rPr kumimoji="1" lang="ja-JP" altLang="en-US" b="0" i="0" u="none" strike="noStrike" kern="1200" cap="none" spc="0" normalizeH="0" baseline="0" noProof="0" dirty="0" err="1" smtClean="0">
-                <a:ln>
-                  <a:noFill/>
-                </a:ln>
-                <a:solidFill>
-                  <a:schemeClr val="accent3">
-                    <a:lumMod val="50000"/>
-                  </a:schemeClr>
-                </a:solidFill>
-                <a:effectLst/>
-                <a:uLnTx/>
-                <a:uFillTx/>
-                <a:latin typeface="+mn-lt"/>
-                <a:ea typeface="+mn-ea"/>
-                <a:cs typeface="+mn-cs"/>
-              </a:rPr>
-              <a:t>での</a:t>
-            </a:r>
-            <a:r>
-              <a:rPr kumimoji="1" lang="ja-JP" altLang="en-US" b="0" i="0" u="none" strike="noStrike" kern="1200" cap="none" spc="0" normalizeH="0" baseline="0" noProof="0" dirty="0" smtClean="0">
-                <a:ln>
-                  <a:noFill/>
-                </a:ln>
-                <a:solidFill>
-                  <a:schemeClr val="accent3">
-                    <a:lumMod val="50000"/>
-                  </a:schemeClr>
-                </a:solidFill>
-                <a:effectLst/>
-                <a:uLnTx/>
-                <a:uFillTx/>
-                <a:latin typeface="+mn-lt"/>
-                <a:ea typeface="+mn-ea"/>
-                <a:cs typeface="+mn-cs"/>
-              </a:rPr>
-              <a:t>ビルド</a:t>
-            </a:r>
-            <a:r>
-              <a:rPr kumimoji="1" lang="en-US" altLang="ja-JP" b="0" i="0" u="none" strike="noStrike" kern="1200" cap="none" spc="0" normalizeH="0" baseline="0" noProof="0" dirty="0" smtClean="0">
-                <a:ln>
-                  <a:noFill/>
-                </a:ln>
-                <a:solidFill>
-                  <a:schemeClr val="accent3">
-                    <a:lumMod val="50000"/>
-                  </a:schemeClr>
-                </a:solidFill>
-                <a:effectLst/>
-                <a:uLnTx/>
-                <a:uFillTx/>
-                <a:latin typeface="+mn-lt"/>
-                <a:ea typeface="+mn-ea"/>
-                <a:cs typeface="+mn-cs"/>
-              </a:rPr>
-              <a:t>&amp;</a:t>
-            </a:r>
-            <a:r>
-              <a:rPr kumimoji="1" lang="ja-JP" altLang="en-US" b="0" i="0" u="none" strike="noStrike" kern="1200" cap="none" spc="0" normalizeH="0" baseline="0" noProof="0" dirty="0" smtClean="0">
-                <a:ln>
-                  <a:noFill/>
-                </a:ln>
-                <a:solidFill>
-                  <a:schemeClr val="accent3">
-                    <a:lumMod val="50000"/>
-                  </a:schemeClr>
-                </a:solidFill>
-                <a:effectLst/>
-                <a:uLnTx/>
-                <a:uFillTx/>
-                <a:latin typeface="+mn-lt"/>
-                <a:ea typeface="+mn-ea"/>
-                <a:cs typeface="+mn-cs"/>
-              </a:rPr>
-              <a:t>チェック</a:t>
-            </a:r>
-            <a:r>
-              <a:rPr lang="en-US" altLang="ja-JP" dirty="0" smtClean="0">
-                <a:solidFill>
-                  <a:schemeClr val="accent3">
-                    <a:lumMod val="50000"/>
-                  </a:schemeClr>
-                </a:solidFill>
-              </a:rPr>
-              <a:t>	</a:t>
-            </a:r>
-            <a:r>
-              <a:rPr kumimoji="1" lang="ja-JP" altLang="en-US" b="0" i="0" u="none" strike="noStrike" kern="1200" cap="none" spc="0" normalizeH="0" baseline="0" noProof="0" dirty="0" smtClean="0">
-                <a:ln>
-                  <a:noFill/>
-                </a:ln>
-                <a:solidFill>
-                  <a:schemeClr val="accent3">
-                    <a:lumMod val="50000"/>
-                  </a:schemeClr>
-                </a:solidFill>
-                <a:effectLst/>
-                <a:uLnTx/>
-                <a:uFillTx/>
-                <a:latin typeface="+mn-lt"/>
-                <a:ea typeface="+mn-ea"/>
-                <a:cs typeface="+mn-cs"/>
-              </a:rPr>
-              <a:t>→ </a:t>
-            </a:r>
-            <a:r>
-              <a:rPr kumimoji="1" lang="en-US" altLang="ja-JP" b="0" i="0" u="none" strike="noStrike" kern="1200" cap="none" spc="0" normalizeH="0" baseline="0" noProof="0" dirty="0" smtClean="0">
-                <a:ln>
-                  <a:noFill/>
-                </a:ln>
-                <a:solidFill>
-                  <a:schemeClr val="accent3">
-                    <a:lumMod val="50000"/>
-                  </a:schemeClr>
-                </a:solidFill>
-                <a:effectLst/>
-                <a:uLnTx/>
-                <a:uFillTx/>
-                <a:latin typeface="+mn-lt"/>
-                <a:ea typeface="+mn-ea"/>
-                <a:cs typeface="+mn-cs"/>
-              </a:rPr>
-              <a:t>GUI</a:t>
-            </a:r>
-            <a:r>
-              <a:rPr kumimoji="1" lang="ja-JP" altLang="en-US" b="0" i="0" u="none" strike="noStrike" kern="1200" cap="none" spc="0" normalizeH="0" baseline="0" noProof="0" dirty="0" smtClean="0">
-                <a:ln>
-                  <a:noFill/>
-                </a:ln>
-                <a:solidFill>
-                  <a:schemeClr val="accent3">
-                    <a:lumMod val="50000"/>
-                  </a:schemeClr>
-                </a:solidFill>
-                <a:effectLst/>
-                <a:uLnTx/>
-                <a:uFillTx/>
-                <a:latin typeface="+mn-lt"/>
-                <a:ea typeface="+mn-ea"/>
-                <a:cs typeface="+mn-cs"/>
-              </a:rPr>
-              <a:t>によるリアルタイムデバッグ</a:t>
-            </a:r>
-            <a:endParaRPr kumimoji="1" lang="ja-JP" altLang="en-US" b="0" i="0" u="none" strike="noStrike" kern="1200" cap="none" spc="0" normalizeH="0" baseline="0" noProof="0" dirty="0">
+              <a:t>ではなく</a:t>
+            </a:r>
+            <a:endParaRPr kumimoji="1" lang="en-US" altLang="ja-JP" sz="2000" b="0" i="0" u="none" strike="noStrike" kern="1200" cap="none" spc="0" normalizeH="0" baseline="0" noProof="0" dirty="0" smtClean="0">
               <a:ln>
                 <a:noFill/>
               </a:ln>
@@ -7313,263 +5863,6 @@
               <a:cs typeface="+mn-cs"/>
             </a:endParaRPr>
           </a:p>
-        </p:txBody>
-      </p:sp>
-      <p:pic>
-        <p:nvPicPr>
-          <p:cNvPr id="13" name="図 12" descr="c.png"/>
-          <p:cNvPicPr>
-            <a:picLocks noChangeAspect="1"/>
-          </p:cNvPicPr>
-          <p:nvPr/>
-        </p:nvPicPr>
-        <p:blipFill>
-          <a:blip r:embed="rId2"/>
-          <a:srcRect l="30949" t="8036" r="31654" b="8928"/>
-          <a:stretch>
-            <a:fillRect/>
-          </a:stretch>
-        </p:blipFill>
-        <p:spPr>
-          <a:xfrm>
-            <a:off x="786422" y="5072074"/>
-            <a:ext cx="868778" cy="928694"/>
-          </a:xfrm>
-          <a:prstGeom prst="rect">
-            <a:avLst/>
-          </a:prstGeom>
-        </p:spPr>
-      </p:pic>
-      <p:pic>
-        <p:nvPicPr>
-          <p:cNvPr id="14" name="図 13" descr="210px-UE_Logo_Black_Centered.svg.png"/>
-          <p:cNvPicPr>
-            <a:picLocks noChangeAspect="1"/>
-          </p:cNvPicPr>
-          <p:nvPr/>
-        </p:nvPicPr>
-        <p:blipFill>
-          <a:blip r:embed="rId3"/>
-          <a:stretch>
-            <a:fillRect/>
-          </a:stretch>
-        </p:blipFill>
-        <p:spPr>
-          <a:xfrm>
-            <a:off x="6194436" y="3714752"/>
-            <a:ext cx="1113683" cy="1214446"/>
-          </a:xfrm>
-          <a:prstGeom prst="rect">
-            <a:avLst/>
-          </a:prstGeom>
-        </p:spPr>
-      </p:pic>
-      <p:pic>
-        <p:nvPicPr>
-          <p:cNvPr id="15" name="図 14" descr="eye_ganseihirou_computer_man.png"/>
-          <p:cNvPicPr>
-            <a:picLocks noChangeAspect="1"/>
-          </p:cNvPicPr>
-          <p:nvPr/>
-        </p:nvPicPr>
-        <p:blipFill>
-          <a:blip r:embed="rId4"/>
-          <a:stretch>
-            <a:fillRect/>
-          </a:stretch>
-        </p:blipFill>
-        <p:spPr>
-          <a:xfrm>
-            <a:off x="2021506" y="4643446"/>
-            <a:ext cx="1619264" cy="1619264"/>
-          </a:xfrm>
-          <a:prstGeom prst="rect">
-            <a:avLst/>
-          </a:prstGeom>
-        </p:spPr>
-      </p:pic>
-      <p:pic>
-        <p:nvPicPr>
-          <p:cNvPr id="16" name="図 15" descr="hacker_white1_smile.png"/>
-          <p:cNvPicPr>
-            <a:picLocks noChangeAspect="1"/>
-          </p:cNvPicPr>
-          <p:nvPr/>
-        </p:nvPicPr>
-        <p:blipFill>
-          <a:blip r:embed="rId5"/>
-          <a:stretch>
-            <a:fillRect/>
-          </a:stretch>
-        </p:blipFill>
-        <p:spPr>
-          <a:xfrm>
-            <a:off x="7449522" y="4643446"/>
-            <a:ext cx="1214446" cy="1597955"/>
-          </a:xfrm>
-          <a:prstGeom prst="rect">
-            <a:avLst/>
-          </a:prstGeom>
-        </p:spPr>
-      </p:pic>
-      <p:pic>
-        <p:nvPicPr>
-          <p:cNvPr id="18" name="図 17" descr="dx10_logo.png"/>
-          <p:cNvPicPr>
-            <a:picLocks noChangeAspect="1"/>
-          </p:cNvPicPr>
-          <p:nvPr/>
-        </p:nvPicPr>
-        <p:blipFill>
-          <a:blip r:embed="rId6"/>
-          <a:stretch>
-            <a:fillRect/>
-          </a:stretch>
-        </p:blipFill>
-        <p:spPr>
-          <a:xfrm>
-            <a:off x="807060" y="3857628"/>
-            <a:ext cx="2428892" cy="527024"/>
-          </a:xfrm>
-          <a:prstGeom prst="rect">
-            <a:avLst/>
-          </a:prstGeom>
-        </p:spPr>
-      </p:pic>
-      <p:pic>
-        <p:nvPicPr>
-          <p:cNvPr id="19" name="図 18" descr="BPCommTopic.jpg"/>
-          <p:cNvPicPr>
-            <a:picLocks noChangeAspect="1"/>
-          </p:cNvPicPr>
-          <p:nvPr/>
-        </p:nvPicPr>
-        <p:blipFill>
-          <a:blip r:embed="rId7"/>
-          <a:stretch>
-            <a:fillRect/>
-          </a:stretch>
-        </p:blipFill>
-        <p:spPr>
-          <a:xfrm>
-            <a:off x="5092068" y="5072074"/>
-            <a:ext cx="2143140" cy="886817"/>
-          </a:xfrm>
-          <a:prstGeom prst="rect">
-            <a:avLst/>
-          </a:prstGeom>
-        </p:spPr>
-      </p:pic>
-    </p:spTree>
-  </p:cSld>
-  <p:clrMapOvr>
-    <a:masterClrMapping/>
-  </p:clrMapOvr>
-</p:sld>
-</file>
-
-<file path=ppt/slides/slide7.xml><?xml version="1.0" encoding="utf-8"?>
-<p:sld xmlns:a="http://schemas.openxmlformats.org/drawingml/2006/main" xmlns:r="http://schemas.openxmlformats.org/officeDocument/2006/relationships" xmlns:p="http://schemas.openxmlformats.org/presentationml/2006/main">
-  <p:cSld>
-    <p:spTree>
-      <p:nvGrpSpPr>
-        <p:cNvPr id="1" name=""/>
-        <p:cNvGrpSpPr/>
-        <p:nvPr/>
-      </p:nvGrpSpPr>
-      <p:grpSpPr>
-        <a:xfrm>
-          <a:off x="0" y="0"/>
-          <a:ext cx="0" cy="0"/>
-          <a:chOff x="0" y="0"/>
-          <a:chExt cx="0" cy="0"/>
-        </a:xfrm>
-      </p:grpSpPr>
-      <p:sp>
-        <p:nvSpPr>
-          <p:cNvPr id="2" name="タイトル 1"/>
-          <p:cNvSpPr>
-            <a:spLocks noGrp="1"/>
-          </p:cNvSpPr>
-          <p:nvPr>
-            <p:ph type="title"/>
-          </p:nvPr>
-        </p:nvSpPr>
-        <p:spPr/>
-        <p:txBody>
-          <a:bodyPr/>
-          <a:lstStyle/>
-          <a:p>
-            <a:pPr algn="l"/>
-            <a:r>
-              <a:rPr lang="ja-JP" altLang="en-US" dirty="0" smtClean="0">
-                <a:solidFill>
-                  <a:srgbClr val="FF0000"/>
-                </a:solidFill>
-              </a:rPr>
-              <a:t>世界観・ストーリー</a:t>
-            </a:r>
-            <a:endParaRPr kumimoji="1" lang="ja-JP" altLang="en-US" dirty="0">
-              <a:solidFill>
-                <a:srgbClr val="FF0000"/>
-              </a:solidFill>
-            </a:endParaRPr>
-          </a:p>
-        </p:txBody>
-      </p:sp>
-      <p:sp>
-        <p:nvSpPr>
-          <p:cNvPr id="3" name="コンテンツ プレースホルダ 2"/>
-          <p:cNvSpPr>
-            <a:spLocks noGrp="1"/>
-          </p:cNvSpPr>
-          <p:nvPr>
-            <p:ph idx="1"/>
-          </p:nvPr>
-        </p:nvSpPr>
-        <p:spPr>
-          <a:xfrm>
-            <a:off x="457200" y="1357298"/>
-            <a:ext cx="8229600" cy="614354"/>
-          </a:xfrm>
-        </p:spPr>
-        <p:txBody>
-          <a:bodyPr/>
-          <a:lstStyle/>
-          <a:p>
-            <a:pPr>
-              <a:buNone/>
-            </a:pPr>
-            <a:r>
-              <a:rPr lang="ja-JP" altLang="en-US" dirty="0" smtClean="0"/>
-              <a:t>Ｆｖｆｖ</a:t>
-            </a:r>
-            <a:endParaRPr kumimoji="1" lang="ja-JP" altLang="en-US" dirty="0"/>
-          </a:p>
-        </p:txBody>
-      </p:sp>
-      <p:sp>
-        <p:nvSpPr>
-          <p:cNvPr id="40" name="コンテンツ プレースホルダ 2"/>
-          <p:cNvSpPr txBox="1">
-            <a:spLocks/>
-          </p:cNvSpPr>
-          <p:nvPr/>
-        </p:nvSpPr>
-        <p:spPr>
-          <a:xfrm>
-            <a:off x="479078" y="2276150"/>
-            <a:ext cx="8229600" cy="1152850"/>
-          </a:xfrm>
-          <a:prstGeom prst="rect">
-            <a:avLst/>
-          </a:prstGeom>
-        </p:spPr>
-        <p:txBody>
-          <a:bodyPr vert="horz" lIns="91440" tIns="45720" rIns="91440" bIns="45720" rtlCol="0">
-            <a:noAutofit/>
-          </a:bodyPr>
-          <a:lstStyle/>
           <a:p>
             <a:pPr marL="342900" marR="0" lvl="0" indent="-342900" defTabSz="914400" rtl="0" eaLnBrk="1" fontAlgn="auto" latinLnBrk="0" hangingPunct="1">
               <a:lnSpc>
@@ -7589,7 +5882,7 @@
               <a:defRPr/>
             </a:pPr>
             <a:r>
-              <a:rPr kumimoji="1" lang="ja-JP" altLang="en-US" b="0" i="0" u="none" strike="noStrike" kern="1200" cap="none" spc="0" normalizeH="0" baseline="0" noProof="0" dirty="0" smtClean="0">
+              <a:rPr kumimoji="1" lang="ja-JP" altLang="en-US" sz="2000" b="0" i="0" u="none" strike="noStrike" kern="1200" cap="none" spc="0" normalizeH="0" baseline="0" noProof="0" dirty="0" smtClean="0">
                 <a:ln>
                   <a:noFill/>
                 </a:ln>
@@ -7605,9 +5898,47 @@
                 <a:ea typeface="+mn-ea"/>
                 <a:cs typeface="+mn-cs"/>
               </a:rPr>
-              <a:t>Ｆｖｆ</a:t>
-            </a:r>
-            <a:endParaRPr kumimoji="1" lang="ja-JP" altLang="en-US" b="0" i="0" u="none" strike="noStrike" kern="1200" cap="none" spc="0" normalizeH="0" baseline="0" noProof="0" dirty="0">
+              <a:t>キャラ物</a:t>
+            </a:r>
+            <a:r>
+              <a:rPr kumimoji="1" lang="en-US" altLang="ja-JP" sz="2000" b="0" i="0" u="none" strike="noStrike" kern="1200" cap="none" spc="0" normalizeH="0" baseline="0" noProof="0" dirty="0" smtClean="0">
+                <a:ln>
+                  <a:noFill/>
+                </a:ln>
+                <a:solidFill>
+                  <a:schemeClr val="accent3">
+                    <a:lumMod val="50000"/>
+                  </a:schemeClr>
+                </a:solidFill>
+                <a:effectLst/>
+                <a:uLnTx/>
+                <a:uFillTx/>
+                <a:latin typeface="+mn-lt"/>
+                <a:ea typeface="+mn-ea"/>
+                <a:cs typeface="+mn-cs"/>
+              </a:rPr>
+              <a:t>AVG</a:t>
+            </a:r>
+            <a:r>
+              <a:rPr kumimoji="1" lang="ja-JP" altLang="en-US" sz="2000" b="0" i="0" u="none" strike="noStrike" kern="1200" cap="none" spc="0" normalizeH="0" baseline="0" noProof="0" dirty="0" smtClean="0">
+                <a:ln>
+                  <a:noFill/>
+                </a:ln>
+                <a:solidFill>
+                  <a:schemeClr val="accent3">
+                    <a:lumMod val="50000"/>
+                  </a:schemeClr>
+                </a:solidFill>
+                <a:effectLst/>
+                <a:uLnTx/>
+                <a:uFillTx/>
+                <a:latin typeface="+mn-lt"/>
+                <a:ea typeface="+mn-ea"/>
+                <a:cs typeface="+mn-cs"/>
+              </a:rPr>
+              <a:t>にする以上</a:t>
+            </a:r>
+            <a:endParaRPr kumimoji="1" lang="en-US" altLang="ja-JP" sz="2000" b="0" i="0" u="none" strike="noStrike" kern="1200" cap="none" spc="0" normalizeH="0" baseline="0" noProof="0" dirty="0" smtClean="0">
               <a:ln>
                 <a:noFill/>
               </a:ln>
@@ -7615,6 +5946,395 @@
                 <a:schemeClr val="accent3">
                   <a:lumMod val="50000"/>
                 </a:schemeClr>
+              </a:solidFill>
+              <a:effectLst/>
+              <a:uLnTx/>
+              <a:uFillTx/>
+              <a:latin typeface="+mn-lt"/>
+              <a:ea typeface="+mn-ea"/>
+              <a:cs typeface="+mn-cs"/>
+            </a:endParaRPr>
+          </a:p>
+          <a:p>
+            <a:pPr marL="342900" marR="0" lvl="0" indent="-342900" defTabSz="914400" rtl="0" eaLnBrk="1" fontAlgn="auto" latinLnBrk="0" hangingPunct="1">
+              <a:lnSpc>
+                <a:spcPct val="100000"/>
+              </a:lnSpc>
+              <a:spcBef>
+                <a:spcPct val="20000"/>
+              </a:spcBef>
+              <a:spcAft>
+                <a:spcPts val="0"/>
+              </a:spcAft>
+              <a:buClrTx/>
+              <a:buSzTx/>
+              <a:buFont typeface="Arial" pitchFamily="34" charset="0"/>
+              <a:buNone/>
+              <a:tabLst/>
+              <a:defRPr/>
+            </a:pPr>
+            <a:r>
+              <a:rPr lang="ja-JP" altLang="en-US" sz="2000" dirty="0" smtClean="0">
+                <a:solidFill>
+                  <a:schemeClr val="accent3">
+                    <a:lumMod val="50000"/>
+                  </a:schemeClr>
+                </a:solidFill>
+              </a:rPr>
+              <a:t>絵を大量に用意する必要がある</a:t>
+            </a:r>
+            <a:endParaRPr kumimoji="1" lang="ja-JP" altLang="en-US" sz="2000" b="0" i="0" u="none" strike="noStrike" kern="1200" cap="none" spc="0" normalizeH="0" baseline="0" noProof="0" dirty="0">
+              <a:ln>
+                <a:noFill/>
+              </a:ln>
+              <a:solidFill>
+                <a:schemeClr val="accent3">
+                  <a:lumMod val="50000"/>
+                </a:schemeClr>
+              </a:solidFill>
+              <a:effectLst/>
+              <a:uLnTx/>
+              <a:uFillTx/>
+              <a:latin typeface="+mn-lt"/>
+              <a:ea typeface="+mn-ea"/>
+              <a:cs typeface="+mn-cs"/>
+            </a:endParaRPr>
+          </a:p>
+        </p:txBody>
+      </p:sp>
+      <p:sp>
+        <p:nvSpPr>
+          <p:cNvPr id="11" name="コンテンツ プレースホルダ 2"/>
+          <p:cNvSpPr txBox="1">
+            <a:spLocks/>
+          </p:cNvSpPr>
+          <p:nvPr/>
+        </p:nvSpPr>
+        <p:spPr>
+          <a:xfrm>
+            <a:off x="1428728" y="4786322"/>
+            <a:ext cx="4286280" cy="1285884"/>
+          </a:xfrm>
+          <a:prstGeom prst="rect">
+            <a:avLst/>
+          </a:prstGeom>
+        </p:spPr>
+        <p:txBody>
+          <a:bodyPr vert="horz" lIns="91440" tIns="45720" rIns="91440" bIns="45720" rtlCol="0">
+            <a:noAutofit/>
+          </a:bodyPr>
+          <a:lstStyle/>
+          <a:p>
+            <a:pPr marL="342900" marR="0" lvl="0" indent="-342900" defTabSz="914400" rtl="0" eaLnBrk="1" fontAlgn="auto" latinLnBrk="0" hangingPunct="1">
+              <a:lnSpc>
+                <a:spcPct val="100000"/>
+              </a:lnSpc>
+              <a:spcBef>
+                <a:spcPct val="20000"/>
+              </a:spcBef>
+              <a:spcAft>
+                <a:spcPts val="0"/>
+              </a:spcAft>
+              <a:buClrTx/>
+              <a:buSzTx/>
+              <a:buFont typeface="Arial" pitchFamily="34" charset="0"/>
+              <a:buNone/>
+              <a:tabLst/>
+              <a:defRPr/>
+            </a:pPr>
+            <a:r>
+              <a:rPr kumimoji="1" lang="en-US" altLang="ja-JP" sz="2400" b="0" i="0" u="none" strike="noStrike" kern="1200" cap="none" spc="0" normalizeH="0" baseline="0" noProof="0" dirty="0" smtClean="0">
+                <a:ln>
+                  <a:noFill/>
+                </a:ln>
+                <a:solidFill>
+                  <a:schemeClr val="accent3">
+                    <a:lumMod val="50000"/>
+                  </a:schemeClr>
+                </a:solidFill>
+                <a:effectLst/>
+                <a:uLnTx/>
+                <a:uFillTx/>
+                <a:latin typeface="+mn-lt"/>
+                <a:ea typeface="+mn-ea"/>
+                <a:cs typeface="+mn-cs"/>
+              </a:rPr>
+              <a:t>AI</a:t>
+            </a:r>
+            <a:r>
+              <a:rPr kumimoji="1" lang="ja-JP" altLang="en-US" sz="2400" b="0" i="0" u="none" strike="noStrike" kern="1200" cap="none" spc="0" normalizeH="0" baseline="0" noProof="0" dirty="0" smtClean="0">
+                <a:ln>
+                  <a:noFill/>
+                </a:ln>
+                <a:solidFill>
+                  <a:schemeClr val="accent3">
+                    <a:lumMod val="50000"/>
+                  </a:schemeClr>
+                </a:solidFill>
+                <a:effectLst/>
+                <a:uLnTx/>
+                <a:uFillTx/>
+                <a:latin typeface="+mn-lt"/>
+                <a:ea typeface="+mn-ea"/>
+                <a:cs typeface="+mn-cs"/>
+              </a:rPr>
+              <a:t>技術の利用を検討してみる</a:t>
+            </a:r>
+            <a:endParaRPr kumimoji="1" lang="en-US" altLang="ja-JP" sz="2400" b="0" i="0" u="none" strike="noStrike" kern="1200" cap="none" spc="0" normalizeH="0" baseline="0" noProof="0" dirty="0" smtClean="0">
+              <a:ln>
+                <a:noFill/>
+              </a:ln>
+              <a:solidFill>
+                <a:schemeClr val="accent3">
+                  <a:lumMod val="50000"/>
+                </a:schemeClr>
+              </a:solidFill>
+              <a:effectLst/>
+              <a:uLnTx/>
+              <a:uFillTx/>
+              <a:latin typeface="+mn-lt"/>
+              <a:ea typeface="+mn-ea"/>
+              <a:cs typeface="+mn-cs"/>
+            </a:endParaRPr>
+          </a:p>
+          <a:p>
+            <a:pPr marL="342900" marR="0" lvl="0" indent="-342900" defTabSz="914400" rtl="0" eaLnBrk="1" fontAlgn="auto" latinLnBrk="0" hangingPunct="1">
+              <a:lnSpc>
+                <a:spcPct val="100000"/>
+              </a:lnSpc>
+              <a:spcBef>
+                <a:spcPct val="20000"/>
+              </a:spcBef>
+              <a:spcAft>
+                <a:spcPts val="0"/>
+              </a:spcAft>
+              <a:buClrTx/>
+              <a:buSzTx/>
+              <a:buFont typeface="Arial" pitchFamily="34" charset="0"/>
+              <a:buNone/>
+              <a:tabLst/>
+              <a:defRPr/>
+            </a:pPr>
+            <a:r>
+              <a:rPr lang="ja-JP" altLang="en-US" sz="2400" dirty="0" smtClean="0">
+                <a:solidFill>
+                  <a:schemeClr val="accent3">
+                    <a:lumMod val="50000"/>
+                  </a:schemeClr>
+                </a:solidFill>
+              </a:rPr>
+              <a:t>背景画像　　→　</a:t>
+            </a:r>
+            <a:r>
+              <a:rPr lang="en-US" altLang="ja-JP" sz="2400" dirty="0" err="1" smtClean="0">
+                <a:solidFill>
+                  <a:schemeClr val="accent3">
+                    <a:lumMod val="50000"/>
+                  </a:schemeClr>
+                </a:solidFill>
+              </a:rPr>
+              <a:t>Midjourny</a:t>
+            </a:r>
+            <a:endParaRPr lang="en-US" altLang="ja-JP" sz="2400" dirty="0" smtClean="0">
+              <a:solidFill>
+                <a:schemeClr val="accent3">
+                  <a:lumMod val="50000"/>
+                </a:schemeClr>
+              </a:solidFill>
+            </a:endParaRPr>
+          </a:p>
+          <a:p>
+            <a:pPr marL="342900" marR="0" lvl="0" indent="-342900" defTabSz="914400" rtl="0" eaLnBrk="1" fontAlgn="auto" latinLnBrk="0" hangingPunct="1">
+              <a:lnSpc>
+                <a:spcPct val="100000"/>
+              </a:lnSpc>
+              <a:spcBef>
+                <a:spcPct val="20000"/>
+              </a:spcBef>
+              <a:spcAft>
+                <a:spcPts val="0"/>
+              </a:spcAft>
+              <a:buClrTx/>
+              <a:buSzTx/>
+              <a:buFont typeface="Arial" pitchFamily="34" charset="0"/>
+              <a:buNone/>
+              <a:tabLst/>
+              <a:defRPr/>
+            </a:pPr>
+            <a:r>
+              <a:rPr kumimoji="1" lang="ja-JP" altLang="en-US" sz="2400" b="0" i="0" u="none" strike="noStrike" kern="1200" cap="none" spc="0" normalizeH="0" baseline="0" noProof="0" dirty="0" smtClean="0">
+                <a:ln>
+                  <a:noFill/>
+                </a:ln>
+                <a:solidFill>
+                  <a:schemeClr val="accent3">
+                    <a:lumMod val="50000"/>
+                  </a:schemeClr>
+                </a:solidFill>
+                <a:effectLst/>
+                <a:uLnTx/>
+                <a:uFillTx/>
+                <a:latin typeface="+mn-lt"/>
+                <a:ea typeface="+mn-ea"/>
+                <a:cs typeface="+mn-cs"/>
+              </a:rPr>
+              <a:t>キャラ画像　→　</a:t>
+            </a:r>
+            <a:r>
+              <a:rPr kumimoji="1" lang="en-US" altLang="ja-JP" sz="2400" b="0" i="0" u="none" strike="noStrike" kern="1200" cap="none" spc="0" normalizeH="0" baseline="0" noProof="0" dirty="0" smtClean="0">
+                <a:ln>
+                  <a:noFill/>
+                </a:ln>
+                <a:solidFill>
+                  <a:schemeClr val="accent3">
+                    <a:lumMod val="50000"/>
+                  </a:schemeClr>
+                </a:solidFill>
+                <a:effectLst/>
+                <a:uLnTx/>
+                <a:uFillTx/>
+                <a:latin typeface="+mn-lt"/>
+                <a:ea typeface="+mn-ea"/>
+                <a:cs typeface="+mn-cs"/>
+              </a:rPr>
+              <a:t>Stable </a:t>
+            </a:r>
+            <a:r>
+              <a:rPr kumimoji="1" lang="en-US" altLang="ja-JP" sz="2400" b="0" i="0" u="none" strike="noStrike" kern="1200" cap="none" spc="0" normalizeH="0" baseline="0" noProof="0" dirty="0" err="1" smtClean="0">
+                <a:ln>
+                  <a:noFill/>
+                </a:ln>
+                <a:solidFill>
+                  <a:schemeClr val="accent3">
+                    <a:lumMod val="50000"/>
+                  </a:schemeClr>
+                </a:solidFill>
+                <a:effectLst/>
+                <a:uLnTx/>
+                <a:uFillTx/>
+                <a:latin typeface="+mn-lt"/>
+                <a:ea typeface="+mn-ea"/>
+                <a:cs typeface="+mn-cs"/>
+              </a:rPr>
+              <a:t>Difusion</a:t>
+            </a:r>
+            <a:endParaRPr kumimoji="1" lang="ja-JP" altLang="en-US" sz="2400" b="0" i="0" u="none" strike="noStrike" kern="1200" cap="none" spc="0" normalizeH="0" baseline="0" noProof="0" dirty="0">
+              <a:ln>
+                <a:noFill/>
+              </a:ln>
+              <a:solidFill>
+                <a:schemeClr val="accent3">
+                  <a:lumMod val="50000"/>
+                </a:schemeClr>
+              </a:solidFill>
+              <a:effectLst/>
+              <a:uLnTx/>
+              <a:uFillTx/>
+              <a:latin typeface="+mn-lt"/>
+              <a:ea typeface="+mn-ea"/>
+              <a:cs typeface="+mn-cs"/>
+            </a:endParaRPr>
+          </a:p>
+        </p:txBody>
+      </p:sp>
+      <p:pic>
+        <p:nvPicPr>
+          <p:cNvPr id="12" name="図 11" descr="computer_manual_woman.png"/>
+          <p:cNvPicPr>
+            <a:picLocks noChangeAspect="1"/>
+          </p:cNvPicPr>
+          <p:nvPr/>
+        </p:nvPicPr>
+        <p:blipFill>
+          <a:blip r:embed="rId2">
+            <a:clrChange>
+              <a:clrFrom>
+                <a:srgbClr val="FFFFFF"/>
+              </a:clrFrom>
+              <a:clrTo>
+                <a:srgbClr val="FFFFFF">
+                  <a:alpha val="0"/>
+                </a:srgbClr>
+              </a:clrTo>
+            </a:clrChange>
+          </a:blip>
+          <a:stretch>
+            <a:fillRect/>
+          </a:stretch>
+        </p:blipFill>
+        <p:spPr>
+          <a:xfrm>
+            <a:off x="6357950" y="1928802"/>
+            <a:ext cx="2054520" cy="2286016"/>
+          </a:xfrm>
+          <a:prstGeom prst="rect">
+            <a:avLst/>
+          </a:prstGeom>
+        </p:spPr>
+      </p:pic>
+      <p:sp>
+        <p:nvSpPr>
+          <p:cNvPr id="17" name="コンテンツ プレースホルダ 2"/>
+          <p:cNvSpPr txBox="1">
+            <a:spLocks/>
+          </p:cNvSpPr>
+          <p:nvPr/>
+        </p:nvSpPr>
+        <p:spPr>
+          <a:xfrm>
+            <a:off x="1142976" y="3857628"/>
+            <a:ext cx="4214842" cy="500066"/>
+          </a:xfrm>
+          <a:prstGeom prst="rect">
+            <a:avLst/>
+          </a:prstGeom>
+        </p:spPr>
+        <p:txBody>
+          <a:bodyPr vert="horz" lIns="91440" tIns="45720" rIns="91440" bIns="45720" rtlCol="0">
+            <a:noAutofit/>
+          </a:bodyPr>
+          <a:lstStyle/>
+          <a:p>
+            <a:pPr marL="342900" marR="0" lvl="0" indent="-342900" algn="ctr" defTabSz="914400" rtl="0" eaLnBrk="1" fontAlgn="auto" latinLnBrk="0" hangingPunct="1">
+              <a:lnSpc>
+                <a:spcPct val="100000"/>
+              </a:lnSpc>
+              <a:spcBef>
+                <a:spcPct val="20000"/>
+              </a:spcBef>
+              <a:spcAft>
+                <a:spcPts val="0"/>
+              </a:spcAft>
+              <a:buClrTx/>
+              <a:buSzTx/>
+              <a:buFont typeface="Arial" pitchFamily="34" charset="0"/>
+              <a:buNone/>
+              <a:tabLst/>
+              <a:defRPr/>
+            </a:pPr>
+            <a:r>
+              <a:rPr kumimoji="1" lang="ja-JP" altLang="en-US" sz="2400" b="0" i="0" u="none" strike="noStrike" kern="1200" cap="none" spc="0" normalizeH="0" baseline="0" noProof="0" dirty="0" smtClean="0">
+                <a:ln>
+                  <a:noFill/>
+                </a:ln>
+                <a:solidFill>
+                  <a:srgbClr val="FF0000"/>
+                </a:solidFill>
+                <a:effectLst/>
+                <a:uLnTx/>
+                <a:uFillTx/>
+                <a:latin typeface="+mn-lt"/>
+                <a:ea typeface="+mn-ea"/>
+                <a:cs typeface="+mn-cs"/>
+              </a:rPr>
+              <a:t>絵が描けないのをどうするか？</a:t>
+            </a:r>
+            <a:endParaRPr kumimoji="1" lang="ja-JP" altLang="en-US" sz="2400" b="0" i="0" u="none" strike="noStrike" kern="1200" cap="none" spc="0" normalizeH="0" baseline="0" noProof="0" dirty="0">
+              <a:ln>
+                <a:noFill/>
+              </a:ln>
+              <a:solidFill>
+                <a:srgbClr val="FF0000"/>
               </a:solidFill>
               <a:effectLst/>
               <a:uLnTx/>
